--- a/Week02-04/M2_slides/Lab2_3.pptx
+++ b/Week02-04/M2_slides/Lab2_3.pptx
@@ -11,6 +11,7 @@
     <p:sldId id="259" r:id="rId6"/>
     <p:sldId id="260" r:id="rId7"/>
     <p:sldId id="261" r:id="rId8"/>
+    <p:sldId id="262" r:id="rId9"/>
   </p:sldIdLst>
   <p:sldSz cx="12192000" cy="6858000"/>
   <p:notesSz cx="7559675" cy="10691813"/>
@@ -68,7 +69,7 @@
         <p:txBody>
           <a:bodyPr/>
           <a:p>
-            <a:fld id="{73CDE867-E122-4793-BE56-18B37F72ABEA}" type="slidenum">
+            <a:fld id="{B8732AEF-CA7B-448B-A345-4A6AF9FF826C}" type="slidenum">
               <a:t>&lt;#&gt;</a:t>
             </a:fld>
           </a:p>
@@ -130,7 +131,7 @@
         <p:spPr>
           <a:xfrm>
             <a:off x="1261800" y="758880"/>
-            <a:ext cx="9417600" cy="4041000"/>
+            <a:ext cx="9417240" cy="4040640"/>
           </a:xfrm>
           <a:prstGeom prst="rect">
             <a:avLst/>
@@ -167,7 +168,7 @@
         <p:spPr>
           <a:xfrm>
             <a:off x="609480" y="1604520"/>
-            <a:ext cx="10972440" cy="1896840"/>
+            <a:ext cx="10972080" cy="1896840"/>
           </a:xfrm>
           <a:prstGeom prst="rect">
             <a:avLst/>
@@ -201,7 +202,7 @@
         <p:spPr>
           <a:xfrm>
             <a:off x="609480" y="3682080"/>
-            <a:ext cx="10972440" cy="1896840"/>
+            <a:ext cx="10972080" cy="1896840"/>
           </a:xfrm>
           <a:prstGeom prst="rect">
             <a:avLst/>
@@ -256,7 +257,7 @@
         <p:txBody>
           <a:bodyPr/>
           <a:p>
-            <a:fld id="{546E3DA9-0453-4410-8C91-9D0E17BAEE59}" type="slidenum">
+            <a:fld id="{B03ECCB8-377A-42AB-84EA-F4A54F093463}" type="slidenum">
               <a:t>&lt;#&gt;</a:t>
             </a:fld>
           </a:p>
@@ -318,7 +319,7 @@
         <p:spPr>
           <a:xfrm>
             <a:off x="1261800" y="758880"/>
-            <a:ext cx="9417600" cy="4041000"/>
+            <a:ext cx="9417240" cy="4040640"/>
           </a:xfrm>
           <a:prstGeom prst="rect">
             <a:avLst/>
@@ -512,7 +513,7 @@
         <p:txBody>
           <a:bodyPr/>
           <a:p>
-            <a:fld id="{5F6299F2-C52E-4AD8-BE84-48D23CB825F2}" type="slidenum">
+            <a:fld id="{2B8EFD3D-25DD-445E-8A96-2A1011EC40BE}" type="slidenum">
               <a:t>&lt;#&gt;</a:t>
             </a:fld>
           </a:p>
@@ -574,7 +575,7 @@
         <p:spPr>
           <a:xfrm>
             <a:off x="1261800" y="758880"/>
-            <a:ext cx="9417600" cy="4041000"/>
+            <a:ext cx="9417240" cy="4040640"/>
           </a:xfrm>
           <a:prstGeom prst="rect">
             <a:avLst/>
@@ -611,7 +612,7 @@
         <p:spPr>
           <a:xfrm>
             <a:off x="609480" y="1604520"/>
-            <a:ext cx="3533040" cy="1896840"/>
+            <a:ext cx="3532680" cy="1896840"/>
           </a:xfrm>
           <a:prstGeom prst="rect">
             <a:avLst/>
@@ -644,8 +645,8 @@
         </p:nvSpPr>
         <p:spPr>
           <a:xfrm>
-            <a:off x="4319640" y="1604520"/>
-            <a:ext cx="3533040" cy="1896840"/>
+            <a:off x="4319280" y="1604520"/>
+            <a:ext cx="3532680" cy="1896840"/>
           </a:xfrm>
           <a:prstGeom prst="rect">
             <a:avLst/>
@@ -678,8 +679,8 @@
         </p:nvSpPr>
         <p:spPr>
           <a:xfrm>
-            <a:off x="8029800" y="1604520"/>
-            <a:ext cx="3533040" cy="1896840"/>
+            <a:off x="8028720" y="1604520"/>
+            <a:ext cx="3532680" cy="1896840"/>
           </a:xfrm>
           <a:prstGeom prst="rect">
             <a:avLst/>
@@ -713,7 +714,7 @@
         <p:spPr>
           <a:xfrm>
             <a:off x="609480" y="3682080"/>
-            <a:ext cx="3533040" cy="1896840"/>
+            <a:ext cx="3532680" cy="1896840"/>
           </a:xfrm>
           <a:prstGeom prst="rect">
             <a:avLst/>
@@ -746,8 +747,8 @@
         </p:nvSpPr>
         <p:spPr>
           <a:xfrm>
-            <a:off x="4319640" y="3682080"/>
-            <a:ext cx="3533040" cy="1896840"/>
+            <a:off x="4319280" y="3682080"/>
+            <a:ext cx="3532680" cy="1896840"/>
           </a:xfrm>
           <a:prstGeom prst="rect">
             <a:avLst/>
@@ -780,8 +781,8 @@
         </p:nvSpPr>
         <p:spPr>
           <a:xfrm>
-            <a:off x="8029800" y="3682080"/>
-            <a:ext cx="3533040" cy="1896840"/>
+            <a:off x="8028720" y="3682080"/>
+            <a:ext cx="3532680" cy="1896840"/>
           </a:xfrm>
           <a:prstGeom prst="rect">
             <a:avLst/>
@@ -836,7 +837,7 @@
         <p:txBody>
           <a:bodyPr/>
           <a:p>
-            <a:fld id="{48BBD955-9917-4A96-816B-D59624F4A3C6}" type="slidenum">
+            <a:fld id="{360D875D-3555-4C6E-8E6E-F6C24D6EFE4B}" type="slidenum">
               <a:t>&lt;#&gt;</a:t>
             </a:fld>
           </a:p>
@@ -898,7 +899,7 @@
         <p:spPr>
           <a:xfrm>
             <a:off x="1261800" y="758880"/>
-            <a:ext cx="9417600" cy="4041000"/>
+            <a:ext cx="9417240" cy="4040640"/>
           </a:xfrm>
           <a:prstGeom prst="rect">
             <a:avLst/>
@@ -935,7 +936,7 @@
         <p:spPr>
           <a:xfrm>
             <a:off x="609480" y="1604520"/>
-            <a:ext cx="10972440" cy="3977280"/>
+            <a:ext cx="10972080" cy="3976920"/>
           </a:xfrm>
           <a:prstGeom prst="rect">
             <a:avLst/>
@@ -993,7 +994,7 @@
         <p:txBody>
           <a:bodyPr/>
           <a:p>
-            <a:fld id="{F4BFC221-9301-4F0C-94C0-2196B52F4965}" type="slidenum">
+            <a:fld id="{1842E3A7-B94B-4EA3-9747-9DA77BE42E8D}" type="slidenum">
               <a:t>&lt;#&gt;</a:t>
             </a:fld>
           </a:p>
@@ -1055,7 +1056,7 @@
         <p:spPr>
           <a:xfrm>
             <a:off x="1261800" y="758880"/>
-            <a:ext cx="9417600" cy="4041000"/>
+            <a:ext cx="9417240" cy="4040640"/>
           </a:xfrm>
           <a:prstGeom prst="rect">
             <a:avLst/>
@@ -1092,7 +1093,7 @@
         <p:spPr>
           <a:xfrm>
             <a:off x="609480" y="1604520"/>
-            <a:ext cx="10972440" cy="3977280"/>
+            <a:ext cx="10972080" cy="3976920"/>
           </a:xfrm>
           <a:prstGeom prst="rect">
             <a:avLst/>
@@ -1147,7 +1148,7 @@
         <p:txBody>
           <a:bodyPr/>
           <a:p>
-            <a:fld id="{B46D2F5E-EC0C-48A0-897B-AA086B04B386}" type="slidenum">
+            <a:fld id="{F445C534-1D76-4D74-A91E-1DD27A437AA3}" type="slidenum">
               <a:t>&lt;#&gt;</a:t>
             </a:fld>
           </a:p>
@@ -1209,7 +1210,7 @@
         <p:spPr>
           <a:xfrm>
             <a:off x="1261800" y="758880"/>
-            <a:ext cx="9417600" cy="4041000"/>
+            <a:ext cx="9417240" cy="4040640"/>
           </a:xfrm>
           <a:prstGeom prst="rect">
             <a:avLst/>
@@ -1246,7 +1247,7 @@
         <p:spPr>
           <a:xfrm>
             <a:off x="609480" y="1604520"/>
-            <a:ext cx="5354280" cy="3977280"/>
+            <a:ext cx="5354280" cy="3976920"/>
           </a:xfrm>
           <a:prstGeom prst="rect">
             <a:avLst/>
@@ -1280,7 +1281,7 @@
         <p:spPr>
           <a:xfrm>
             <a:off x="6231960" y="1604520"/>
-            <a:ext cx="5354280" cy="3977280"/>
+            <a:ext cx="5354280" cy="3976920"/>
           </a:xfrm>
           <a:prstGeom prst="rect">
             <a:avLst/>
@@ -1335,7 +1336,7 @@
         <p:txBody>
           <a:bodyPr/>
           <a:p>
-            <a:fld id="{61CBA8D0-B8FE-4626-BF08-BC1394C7EE35}" type="slidenum">
+            <a:fld id="{16E12EBD-DDFF-4802-993A-21D47EABE44B}" type="slidenum">
               <a:t>&lt;#&gt;</a:t>
             </a:fld>
           </a:p>
@@ -1397,7 +1398,7 @@
         <p:spPr>
           <a:xfrm>
             <a:off x="1261800" y="758880"/>
-            <a:ext cx="9417600" cy="4041000"/>
+            <a:ext cx="9417240" cy="4040640"/>
           </a:xfrm>
           <a:prstGeom prst="rect">
             <a:avLst/>
@@ -1455,7 +1456,7 @@
         <p:txBody>
           <a:bodyPr/>
           <a:p>
-            <a:fld id="{F2A37962-19EE-44C3-9127-B6D7F946CFC8}" type="slidenum">
+            <a:fld id="{D9640B00-67A5-4BFB-9ED4-D8E2D9C6A455}" type="slidenum">
               <a:t>&lt;#&gt;</a:t>
             </a:fld>
           </a:p>
@@ -1516,8 +1517,8 @@
         </p:nvSpPr>
         <p:spPr>
           <a:xfrm>
-            <a:off x="1261800" y="3267360"/>
-            <a:ext cx="9417600" cy="13716000"/>
+            <a:off x="1261800" y="3266280"/>
+            <a:ext cx="9417240" cy="13716000"/>
           </a:xfrm>
           <a:prstGeom prst="rect">
             <a:avLst/>
@@ -1575,7 +1576,7 @@
         <p:txBody>
           <a:bodyPr/>
           <a:p>
-            <a:fld id="{29393F40-C0D4-4489-B169-D039E3CD9CB9}" type="slidenum">
+            <a:fld id="{AE336950-EC32-484B-9E6F-FA0703906B27}" type="slidenum">
               <a:t>&lt;#&gt;</a:t>
             </a:fld>
           </a:p>
@@ -1637,7 +1638,7 @@
         <p:spPr>
           <a:xfrm>
             <a:off x="1261800" y="758880"/>
-            <a:ext cx="9417600" cy="4041000"/>
+            <a:ext cx="9417240" cy="4040640"/>
           </a:xfrm>
           <a:prstGeom prst="rect">
             <a:avLst/>
@@ -1708,7 +1709,7 @@
         <p:spPr>
           <a:xfrm>
             <a:off x="6231960" y="1604520"/>
-            <a:ext cx="5354280" cy="3977280"/>
+            <a:ext cx="5354280" cy="3976920"/>
           </a:xfrm>
           <a:prstGeom prst="rect">
             <a:avLst/>
@@ -1797,7 +1798,7 @@
         <p:txBody>
           <a:bodyPr/>
           <a:p>
-            <a:fld id="{1E4979CA-EF92-4F93-80AB-1F07930F3964}" type="slidenum">
+            <a:fld id="{9C5566F2-0A1A-4426-AF8F-CEE4C030C0F4}" type="slidenum">
               <a:t>&lt;#&gt;</a:t>
             </a:fld>
           </a:p>
@@ -1859,7 +1860,7 @@
         <p:spPr>
           <a:xfrm>
             <a:off x="1261800" y="758880"/>
-            <a:ext cx="9417600" cy="4041000"/>
+            <a:ext cx="9417240" cy="4040640"/>
           </a:xfrm>
           <a:prstGeom prst="rect">
             <a:avLst/>
@@ -1896,7 +1897,7 @@
         <p:spPr>
           <a:xfrm>
             <a:off x="609480" y="1604520"/>
-            <a:ext cx="5354280" cy="3977280"/>
+            <a:ext cx="5354280" cy="3976920"/>
           </a:xfrm>
           <a:prstGeom prst="rect">
             <a:avLst/>
@@ -2019,7 +2020,7 @@
         <p:txBody>
           <a:bodyPr/>
           <a:p>
-            <a:fld id="{295BA080-8878-47B1-9021-49CA0834F87E}" type="slidenum">
+            <a:fld id="{0FC52D50-A5A8-4D91-A3A6-529486253B0B}" type="slidenum">
               <a:t>&lt;#&gt;</a:t>
             </a:fld>
           </a:p>
@@ -2081,7 +2082,7 @@
         <p:spPr>
           <a:xfrm>
             <a:off x="1261800" y="758880"/>
-            <a:ext cx="9417600" cy="4041000"/>
+            <a:ext cx="9417240" cy="4040640"/>
           </a:xfrm>
           <a:prstGeom prst="rect">
             <a:avLst/>
@@ -2186,7 +2187,7 @@
         <p:spPr>
           <a:xfrm>
             <a:off x="609480" y="3682080"/>
-            <a:ext cx="10972440" cy="1896840"/>
+            <a:ext cx="10972080" cy="1896840"/>
           </a:xfrm>
           <a:prstGeom prst="rect">
             <a:avLst/>
@@ -2241,7 +2242,7 @@
         <p:txBody>
           <a:bodyPr/>
           <a:p>
-            <a:fld id="{94A800D4-7A33-4B23-9851-CE6D8F73B48A}" type="slidenum">
+            <a:fld id="{B6E104DE-1110-4B25-ADE9-237FEB5DF70E}" type="slidenum">
               <a:t>&lt;#&gt;</a:t>
             </a:fld>
           </a:p>
@@ -2306,32 +2307,22 @@
         <p:spPr>
           <a:xfrm>
             <a:off x="11292840" y="0"/>
-            <a:ext cx="913680" cy="6857280"/>
+            <a:ext cx="913320" cy="6856920"/>
           </a:xfrm>
           <a:prstGeom prst="rect">
             <a:avLst/>
           </a:prstGeom>
           <a:solidFill>
-            <a:schemeClr val="tx2">
-              <a:lumMod val="75000"/>
-            </a:schemeClr>
+            <a:srgbClr val="343437"/>
           </a:solidFill>
-          <a:ln>
+          <a:ln w="25560">
             <a:noFill/>
           </a:ln>
         </p:spPr>
         <p:style>
-          <a:lnRef idx="2">
-            <a:schemeClr val="accent1">
-              <a:shade val="50000"/>
-            </a:schemeClr>
-          </a:lnRef>
-          <a:fillRef idx="1">
-            <a:schemeClr val="accent1"/>
-          </a:fillRef>
-          <a:effectRef idx="0">
-            <a:schemeClr val="accent1"/>
-          </a:effectRef>
+          <a:lnRef idx="0"/>
+          <a:fillRef idx="0"/>
+          <a:effectRef idx="0"/>
           <a:fontRef idx="minor"/>
         </p:style>
       </p:sp>
@@ -2344,30 +2335,22 @@
         <p:spPr>
           <a:xfrm>
             <a:off x="0" y="0"/>
-            <a:ext cx="456480" cy="6857280"/>
+            <a:ext cx="456120" cy="6856920"/>
           </a:xfrm>
           <a:prstGeom prst="rect">
             <a:avLst/>
           </a:prstGeom>
           <a:solidFill>
-            <a:schemeClr val="accent1"/>
+            <a:srgbClr val="6f6f74"/>
           </a:solidFill>
-          <a:ln>
+          <a:ln w="25560">
             <a:noFill/>
           </a:ln>
         </p:spPr>
         <p:style>
-          <a:lnRef idx="2">
-            <a:schemeClr val="accent1">
-              <a:shade val="50000"/>
-            </a:schemeClr>
-          </a:lnRef>
-          <a:fillRef idx="1">
-            <a:schemeClr val="accent1"/>
-          </a:fillRef>
-          <a:effectRef idx="0">
-            <a:schemeClr val="accent1"/>
-          </a:effectRef>
+          <a:lnRef idx="0"/>
+          <a:fillRef idx="0"/>
+          <a:effectRef idx="0"/>
           <a:fontRef idx="minor"/>
         </p:style>
       </p:sp>
@@ -2384,7 +2367,7 @@
         <p:spPr>
           <a:xfrm>
             <a:off x="1261800" y="758880"/>
-            <a:ext cx="9417600" cy="4041000"/>
+            <a:ext cx="9417240" cy="4040640"/>
           </a:xfrm>
           <a:prstGeom prst="rect">
             <a:avLst/>
@@ -2399,31 +2382,82 @@
             <a:noAutofit/>
           </a:bodyPr>
           <a:p>
-            <a:r>
-              <a:rPr b="0" lang="en-AU" sz="1800" spc="-1" strike="noStrike">
+            <a:pPr algn="ctr">
+              <a:buNone/>
+            </a:pPr>
+            <a:r>
+              <a:rPr b="0" lang="en-AU" sz="4400" spc="-1" strike="noStrike">
                 <a:latin typeface="Arial"/>
               </a:rPr>
-              <a:t>Click to </a:t>
-            </a:r>
-            <a:r>
-              <a:rPr b="0" lang="en-AU" sz="1800" spc="-1" strike="noStrike">
+              <a:t>Cli</a:t>
+            </a:r>
+            <a:r>
+              <a:rPr b="0" lang="en-AU" sz="4400" spc="-1" strike="noStrike">
                 <a:latin typeface="Arial"/>
               </a:rPr>
-              <a:t>edit the </a:t>
-            </a:r>
-            <a:r>
-              <a:rPr b="0" lang="en-AU" sz="1800" spc="-1" strike="noStrike">
+              <a:t>ck </a:t>
+            </a:r>
+            <a:r>
+              <a:rPr b="0" lang="en-AU" sz="4400" spc="-1" strike="noStrike">
                 <a:latin typeface="Arial"/>
               </a:rPr>
-              <a:t>title text </a:t>
-            </a:r>
-            <a:r>
-              <a:rPr b="0" lang="en-AU" sz="1800" spc="-1" strike="noStrike">
+              <a:t>to </a:t>
+            </a:r>
+            <a:r>
+              <a:rPr b="0" lang="en-AU" sz="4400" spc="-1" strike="noStrike">
                 <a:latin typeface="Arial"/>
               </a:rPr>
-              <a:t>format</a:t>
-            </a:r>
-            <a:endParaRPr b="0" lang="en-AU" sz="1800" spc="-1" strike="noStrike">
+              <a:t>edi</a:t>
+            </a:r>
+            <a:r>
+              <a:rPr b="0" lang="en-AU" sz="4400" spc="-1" strike="noStrike">
+                <a:latin typeface="Arial"/>
+              </a:rPr>
+              <a:t>t </a:t>
+            </a:r>
+            <a:r>
+              <a:rPr b="0" lang="en-AU" sz="4400" spc="-1" strike="noStrike">
+                <a:latin typeface="Arial"/>
+              </a:rPr>
+              <a:t>the </a:t>
+            </a:r>
+            <a:r>
+              <a:rPr b="0" lang="en-AU" sz="4400" spc="-1" strike="noStrike">
+                <a:latin typeface="Arial"/>
+              </a:rPr>
+              <a:t>title </a:t>
+            </a:r>
+            <a:r>
+              <a:rPr b="0" lang="en-AU" sz="4400" spc="-1" strike="noStrike">
+                <a:latin typeface="Arial"/>
+              </a:rPr>
+              <a:t>tex</a:t>
+            </a:r>
+            <a:r>
+              <a:rPr b="0" lang="en-AU" sz="4400" spc="-1" strike="noStrike">
+                <a:latin typeface="Arial"/>
+              </a:rPr>
+              <a:t>t </a:t>
+            </a:r>
+            <a:r>
+              <a:rPr b="0" lang="en-AU" sz="4400" spc="-1" strike="noStrike">
+                <a:latin typeface="Arial"/>
+              </a:rPr>
+              <a:t>for</a:t>
+            </a:r>
+            <a:r>
+              <a:rPr b="0" lang="en-AU" sz="4400" spc="-1" strike="noStrike">
+                <a:latin typeface="Arial"/>
+              </a:rPr>
+              <a:t>ma</a:t>
+            </a:r>
+            <a:r>
+              <a:rPr b="0" lang="en-AU" sz="4400" spc="-1" strike="noStrike">
+                <a:latin typeface="Arial"/>
+              </a:rPr>
+              <a:t>t</a:t>
+            </a:r>
+            <a:endParaRPr b="0" lang="en-AU" sz="4400" spc="-1" strike="noStrike">
               <a:latin typeface="Arial"/>
             </a:endParaRPr>
           </a:p>
@@ -2436,13 +2470,196 @@
             <a:spLocks noGrp="1"/>
           </p:cNvSpPr>
           <p:nvPr>
+            <p:ph type="body"/>
+          </p:nvPr>
+        </p:nvSpPr>
+        <p:spPr>
+          <a:xfrm>
+            <a:off x="609480" y="1604520"/>
+            <a:ext cx="10972080" cy="3976920"/>
+          </a:xfrm>
+          <a:prstGeom prst="rect">
+            <a:avLst/>
+          </a:prstGeom>
+          <a:noFill/>
+          <a:ln w="0">
+            <a:noFill/>
+          </a:ln>
+        </p:spPr>
+        <p:txBody>
+          <a:bodyPr lIns="0" rIns="0" tIns="0" bIns="0" anchor="t">
+            <a:normAutofit/>
+          </a:bodyPr>
+          <a:p>
+            <a:pPr marL="432000" indent="-324000">
+              <a:spcBef>
+                <a:spcPts val="1417"/>
+              </a:spcBef>
+              <a:buClr>
+                <a:srgbClr val="ffffff"/>
+              </a:buClr>
+              <a:buSzPct val="45000"/>
+              <a:buFont typeface="Wingdings" charset="2"/>
+              <a:buChar char=""/>
+            </a:pPr>
+            <a:r>
+              <a:rPr b="0" lang="en-AU" sz="3200" spc="-1" strike="noStrike">
+                <a:latin typeface="Arial"/>
+              </a:rPr>
+              <a:t>Click to edit the outline text format</a:t>
+            </a:r>
+            <a:endParaRPr b="0" lang="en-AU" sz="3200" spc="-1" strike="noStrike">
+              <a:latin typeface="Arial"/>
+            </a:endParaRPr>
+          </a:p>
+          <a:p>
+            <a:pPr lvl="1" marL="864000" indent="-324000">
+              <a:spcBef>
+                <a:spcPts val="1134"/>
+              </a:spcBef>
+              <a:buClr>
+                <a:srgbClr val="ffffff"/>
+              </a:buClr>
+              <a:buSzPct val="75000"/>
+              <a:buFont typeface="Symbol" charset="2"/>
+              <a:buChar char=""/>
+            </a:pPr>
+            <a:r>
+              <a:rPr b="0" lang="en-AU" sz="2800" spc="-1" strike="noStrike">
+                <a:latin typeface="Arial"/>
+              </a:rPr>
+              <a:t>Second Outline Level</a:t>
+            </a:r>
+            <a:endParaRPr b="0" lang="en-AU" sz="2800" spc="-1" strike="noStrike">
+              <a:latin typeface="Arial"/>
+            </a:endParaRPr>
+          </a:p>
+          <a:p>
+            <a:pPr lvl="2" marL="1296000" indent="-288000">
+              <a:spcBef>
+                <a:spcPts val="850"/>
+              </a:spcBef>
+              <a:buClr>
+                <a:srgbClr val="ffffff"/>
+              </a:buClr>
+              <a:buSzPct val="45000"/>
+              <a:buFont typeface="Wingdings" charset="2"/>
+              <a:buChar char=""/>
+            </a:pPr>
+            <a:r>
+              <a:rPr b="0" lang="en-AU" sz="2400" spc="-1" strike="noStrike">
+                <a:latin typeface="Arial"/>
+              </a:rPr>
+              <a:t>Third Outline Level</a:t>
+            </a:r>
+            <a:endParaRPr b="0" lang="en-AU" sz="2400" spc="-1" strike="noStrike">
+              <a:latin typeface="Arial"/>
+            </a:endParaRPr>
+          </a:p>
+          <a:p>
+            <a:pPr lvl="3" marL="1728000" indent="-216000">
+              <a:spcBef>
+                <a:spcPts val="567"/>
+              </a:spcBef>
+              <a:buClr>
+                <a:srgbClr val="ffffff"/>
+              </a:buClr>
+              <a:buSzPct val="75000"/>
+              <a:buFont typeface="Symbol" charset="2"/>
+              <a:buChar char=""/>
+            </a:pPr>
+            <a:r>
+              <a:rPr b="0" lang="en-AU" sz="2000" spc="-1" strike="noStrike">
+                <a:latin typeface="Arial"/>
+              </a:rPr>
+              <a:t>Fourth Outline Level</a:t>
+            </a:r>
+            <a:endParaRPr b="0" lang="en-AU" sz="2000" spc="-1" strike="noStrike">
+              <a:latin typeface="Arial"/>
+            </a:endParaRPr>
+          </a:p>
+          <a:p>
+            <a:pPr lvl="4" marL="2160000" indent="-216000">
+              <a:spcBef>
+                <a:spcPts val="283"/>
+              </a:spcBef>
+              <a:buClr>
+                <a:srgbClr val="ffffff"/>
+              </a:buClr>
+              <a:buSzPct val="45000"/>
+              <a:buFont typeface="Wingdings" charset="2"/>
+              <a:buChar char=""/>
+            </a:pPr>
+            <a:r>
+              <a:rPr b="0" lang="en-AU" sz="2000" spc="-1" strike="noStrike">
+                <a:latin typeface="Arial"/>
+              </a:rPr>
+              <a:t>Fifth Outline Level</a:t>
+            </a:r>
+            <a:endParaRPr b="0" lang="en-AU" sz="2000" spc="-1" strike="noStrike">
+              <a:latin typeface="Arial"/>
+            </a:endParaRPr>
+          </a:p>
+          <a:p>
+            <a:pPr lvl="5" marL="2592000" indent="-216000">
+              <a:spcBef>
+                <a:spcPts val="283"/>
+              </a:spcBef>
+              <a:buClr>
+                <a:srgbClr val="ffffff"/>
+              </a:buClr>
+              <a:buSzPct val="45000"/>
+              <a:buFont typeface="Wingdings" charset="2"/>
+              <a:buChar char=""/>
+            </a:pPr>
+            <a:r>
+              <a:rPr b="0" lang="en-AU" sz="2000" spc="-1" strike="noStrike">
+                <a:latin typeface="Arial"/>
+              </a:rPr>
+              <a:t>Sixth Outline Level</a:t>
+            </a:r>
+            <a:endParaRPr b="0" lang="en-AU" sz="2000" spc="-1" strike="noStrike">
+              <a:latin typeface="Arial"/>
+            </a:endParaRPr>
+          </a:p>
+          <a:p>
+            <a:pPr lvl="6" marL="3024000" indent="-216000">
+              <a:spcBef>
+                <a:spcPts val="283"/>
+              </a:spcBef>
+              <a:buClr>
+                <a:srgbClr val="ffffff"/>
+              </a:buClr>
+              <a:buSzPct val="45000"/>
+              <a:buFont typeface="Wingdings" charset="2"/>
+              <a:buChar char=""/>
+            </a:pPr>
+            <a:r>
+              <a:rPr b="0" lang="en-AU" sz="2000" spc="-1" strike="noStrike">
+                <a:latin typeface="Arial"/>
+              </a:rPr>
+              <a:t>Seventh Outline Level</a:t>
+            </a:r>
+            <a:endParaRPr b="0" lang="en-AU" sz="2000" spc="-1" strike="noStrike">
+              <a:latin typeface="Arial"/>
+            </a:endParaRPr>
+          </a:p>
+        </p:txBody>
+      </p:sp>
+      <p:sp>
+        <p:nvSpPr>
+          <p:cNvPr id="4" name="PlaceHolder 3"/>
+          <p:cNvSpPr>
+            <a:spLocks noGrp="1"/>
+          </p:cNvSpPr>
+          <p:nvPr>
             <p:ph type="ftr" idx="1"/>
           </p:nvPr>
         </p:nvSpPr>
         <p:spPr>
           <a:xfrm rot="16200000">
-            <a:off x="9959400" y="4047480"/>
-            <a:ext cx="3580560" cy="364320"/>
+            <a:off x="9959400" y="4047840"/>
+            <a:ext cx="3580200" cy="363960"/>
           </a:xfrm>
           <a:prstGeom prst="rect">
             <a:avLst/>
@@ -2488,7 +2705,7 @@
       </p:sp>
       <p:sp>
         <p:nvSpPr>
-          <p:cNvPr id="4" name="PlaceHolder 3"/>
+          <p:cNvPr id="5" name="PlaceHolder 4"/>
           <p:cNvSpPr>
             <a:spLocks noGrp="1"/>
           </p:cNvSpPr>
@@ -2499,7 +2716,7 @@
         <p:spPr>
           <a:xfrm>
             <a:off x="11292840" y="6172200"/>
-            <a:ext cx="913680" cy="592920"/>
+            <a:ext cx="913320" cy="592560"/>
           </a:xfrm>
           <a:prstGeom prst="rect">
             <a:avLst/>
@@ -2534,7 +2751,7 @@
               </a:lnSpc>
               <a:buNone/>
             </a:pPr>
-            <a:fld id="{35F529E9-6B5D-4149-A205-0BC9615B25CC}" type="slidenum">
+            <a:fld id="{81885C70-A953-4A93-AA1D-1AB6C40F2E56}" type="slidenum">
               <a:rPr b="0" lang="en-AU" sz="3600" spc="-1" strike="noStrike">
                 <a:solidFill>
                   <a:srgbClr val="a6a6a6"/>
@@ -2551,7 +2768,7 @@
       </p:sp>
       <p:sp>
         <p:nvSpPr>
-          <p:cNvPr id="5" name="PlaceHolder 4"/>
+          <p:cNvPr id="6" name="PlaceHolder 5"/>
           <p:cNvSpPr>
             <a:spLocks noGrp="1"/>
           </p:cNvSpPr>
@@ -2561,8 +2778,8 @@
         </p:nvSpPr>
         <p:spPr>
           <a:xfrm rot="16200000">
-            <a:off x="10797480" y="999360"/>
-            <a:ext cx="1904400" cy="364320"/>
+            <a:off x="10797480" y="999720"/>
+            <a:ext cx="1904040" cy="363960"/>
           </a:xfrm>
           <a:prstGeom prst="rect">
             <a:avLst/>
@@ -2592,189 +2809,6 @@
             </a:r>
             <a:endParaRPr b="0" lang="en-AU" sz="1400" spc="-1" strike="noStrike">
               <a:latin typeface="Times New Roman"/>
-            </a:endParaRPr>
-          </a:p>
-        </p:txBody>
-      </p:sp>
-      <p:sp>
-        <p:nvSpPr>
-          <p:cNvPr id="6" name="PlaceHolder 5"/>
-          <p:cNvSpPr>
-            <a:spLocks noGrp="1"/>
-          </p:cNvSpPr>
-          <p:nvPr>
-            <p:ph type="body"/>
-          </p:nvPr>
-        </p:nvSpPr>
-        <p:spPr>
-          <a:xfrm>
-            <a:off x="609480" y="1604520"/>
-            <a:ext cx="10972440" cy="3977280"/>
-          </a:xfrm>
-          <a:prstGeom prst="rect">
-            <a:avLst/>
-          </a:prstGeom>
-          <a:noFill/>
-          <a:ln w="0">
-            <a:noFill/>
-          </a:ln>
-        </p:spPr>
-        <p:txBody>
-          <a:bodyPr lIns="0" rIns="0" tIns="0" bIns="0" anchor="t">
-            <a:normAutofit/>
-          </a:bodyPr>
-          <a:p>
-            <a:pPr marL="432000" indent="-324000">
-              <a:spcBef>
-                <a:spcPts val="1417"/>
-              </a:spcBef>
-              <a:buClr>
-                <a:srgbClr val="ffffff"/>
-              </a:buClr>
-              <a:buSzPct val="45000"/>
-              <a:buFont typeface="Wingdings" charset="2"/>
-              <a:buChar char=""/>
-            </a:pPr>
-            <a:r>
-              <a:rPr b="0" lang="en-AU" sz="3200" spc="-1" strike="noStrike">
-                <a:latin typeface="Arial"/>
-              </a:rPr>
-              <a:t>Click to edit the outline text format</a:t>
-            </a:r>
-            <a:endParaRPr b="0" lang="en-AU" sz="3200" spc="-1" strike="noStrike">
-              <a:latin typeface="Arial"/>
-            </a:endParaRPr>
-          </a:p>
-          <a:p>
-            <a:pPr lvl="1" marL="864000" indent="-324000">
-              <a:spcBef>
-                <a:spcPts val="1134"/>
-              </a:spcBef>
-              <a:buClr>
-                <a:srgbClr val="ffffff"/>
-              </a:buClr>
-              <a:buSzPct val="75000"/>
-              <a:buFont typeface="Symbol" charset="2"/>
-              <a:buChar char=""/>
-            </a:pPr>
-            <a:r>
-              <a:rPr b="0" lang="en-AU" sz="2800" spc="-1" strike="noStrike">
-                <a:latin typeface="Arial"/>
-              </a:rPr>
-              <a:t>Second Outline Level</a:t>
-            </a:r>
-            <a:endParaRPr b="0" lang="en-AU" sz="2800" spc="-1" strike="noStrike">
-              <a:latin typeface="Arial"/>
-            </a:endParaRPr>
-          </a:p>
-          <a:p>
-            <a:pPr lvl="2" marL="1296000" indent="-288000">
-              <a:spcBef>
-                <a:spcPts val="850"/>
-              </a:spcBef>
-              <a:buClr>
-                <a:srgbClr val="ffffff"/>
-              </a:buClr>
-              <a:buSzPct val="45000"/>
-              <a:buFont typeface="Wingdings" charset="2"/>
-              <a:buChar char=""/>
-            </a:pPr>
-            <a:r>
-              <a:rPr b="0" lang="en-AU" sz="2400" spc="-1" strike="noStrike">
-                <a:latin typeface="Arial"/>
-              </a:rPr>
-              <a:t>Third Outline Level</a:t>
-            </a:r>
-            <a:endParaRPr b="0" lang="en-AU" sz="2400" spc="-1" strike="noStrike">
-              <a:latin typeface="Arial"/>
-            </a:endParaRPr>
-          </a:p>
-          <a:p>
-            <a:pPr lvl="3" marL="1728000" indent="-216000">
-              <a:spcBef>
-                <a:spcPts val="567"/>
-              </a:spcBef>
-              <a:buClr>
-                <a:srgbClr val="ffffff"/>
-              </a:buClr>
-              <a:buSzPct val="75000"/>
-              <a:buFont typeface="Symbol" charset="2"/>
-              <a:buChar char=""/>
-            </a:pPr>
-            <a:r>
-              <a:rPr b="0" lang="en-AU" sz="2000" spc="-1" strike="noStrike">
-                <a:latin typeface="Arial"/>
-              </a:rPr>
-              <a:t>Fourth Outline Level</a:t>
-            </a:r>
-            <a:endParaRPr b="0" lang="en-AU" sz="2000" spc="-1" strike="noStrike">
-              <a:latin typeface="Arial"/>
-            </a:endParaRPr>
-          </a:p>
-          <a:p>
-            <a:pPr lvl="4" marL="2160000" indent="-216000">
-              <a:spcBef>
-                <a:spcPts val="283"/>
-              </a:spcBef>
-              <a:buClr>
-                <a:srgbClr val="ffffff"/>
-              </a:buClr>
-              <a:buSzPct val="45000"/>
-              <a:buFont typeface="Wingdings" charset="2"/>
-              <a:buChar char=""/>
-            </a:pPr>
-            <a:r>
-              <a:rPr b="0" lang="en-AU" sz="2000" spc="-1" strike="noStrike">
-                <a:latin typeface="Arial"/>
-              </a:rPr>
-              <a:t>Fifth Outline Level</a:t>
-            </a:r>
-            <a:endParaRPr b="0" lang="en-AU" sz="2000" spc="-1" strike="noStrike">
-              <a:latin typeface="Arial"/>
-            </a:endParaRPr>
-          </a:p>
-          <a:p>
-            <a:pPr lvl="5" marL="2592000" indent="-216000">
-              <a:spcBef>
-                <a:spcPts val="283"/>
-              </a:spcBef>
-              <a:buClr>
-                <a:srgbClr val="ffffff"/>
-              </a:buClr>
-              <a:buSzPct val="45000"/>
-              <a:buFont typeface="Wingdings" charset="2"/>
-              <a:buChar char=""/>
-            </a:pPr>
-            <a:r>
-              <a:rPr b="0" lang="en-AU" sz="2000" spc="-1" strike="noStrike">
-                <a:latin typeface="Arial"/>
-              </a:rPr>
-              <a:t>Sixth Outline Level</a:t>
-            </a:r>
-            <a:endParaRPr b="0" lang="en-AU" sz="2000" spc="-1" strike="noStrike">
-              <a:latin typeface="Arial"/>
-            </a:endParaRPr>
-          </a:p>
-          <a:p>
-            <a:pPr lvl="6" marL="3024000" indent="-216000">
-              <a:spcBef>
-                <a:spcPts val="283"/>
-              </a:spcBef>
-              <a:buClr>
-                <a:srgbClr val="ffffff"/>
-              </a:buClr>
-              <a:buSzPct val="45000"/>
-              <a:buFont typeface="Wingdings" charset="2"/>
-              <a:buChar char=""/>
-            </a:pPr>
-            <a:r>
-              <a:rPr b="0" lang="en-AU" sz="2000" spc="-1" strike="noStrike">
-                <a:latin typeface="Arial"/>
-              </a:rPr>
-              <a:t>Seventh Outline Level</a:t>
-            </a:r>
-            <a:endParaRPr b="0" lang="en-AU" sz="2000" spc="-1" strike="noStrike">
-              <a:latin typeface="Arial"/>
             </a:endParaRPr>
           </a:p>
         </p:txBody>
@@ -2825,7 +2859,7 @@
         <p:spPr>
           <a:xfrm>
             <a:off x="478080" y="172440"/>
-            <a:ext cx="11712960" cy="820800"/>
+            <a:ext cx="11712600" cy="820800"/>
           </a:xfrm>
           <a:prstGeom prst="rect">
             <a:avLst/>
@@ -2860,7 +2894,107 @@
                 <a:latin typeface="Century Schoolbook"/>
                 <a:ea typeface="DejaVu Sans"/>
               </a:rPr>
-              <a:t>ECE4078  Intelligent robotics</a:t>
+              <a:t>EC</a:t>
+            </a:r>
+            <a:r>
+              <a:rPr b="0" lang="en-AU" sz="4800" spc="-1" strike="noStrike">
+                <a:solidFill>
+                  <a:srgbClr val="ffffff"/>
+                </a:solidFill>
+                <a:latin typeface="Century Schoolbook"/>
+                <a:ea typeface="DejaVu Sans"/>
+              </a:rPr>
+              <a:t>E4</a:t>
+            </a:r>
+            <a:r>
+              <a:rPr b="0" lang="en-AU" sz="4800" spc="-1" strike="noStrike">
+                <a:solidFill>
+                  <a:srgbClr val="ffffff"/>
+                </a:solidFill>
+                <a:latin typeface="Century Schoolbook"/>
+                <a:ea typeface="DejaVu Sans"/>
+              </a:rPr>
+              <a:t>07</a:t>
+            </a:r>
+            <a:r>
+              <a:rPr b="0" lang="en-AU" sz="4800" spc="-1" strike="noStrike">
+                <a:solidFill>
+                  <a:srgbClr val="ffffff"/>
+                </a:solidFill>
+                <a:latin typeface="Century Schoolbook"/>
+                <a:ea typeface="DejaVu Sans"/>
+              </a:rPr>
+              <a:t>8  </a:t>
+            </a:r>
+            <a:r>
+              <a:rPr b="0" lang="en-AU" sz="4800" spc="-1" strike="noStrike">
+                <a:solidFill>
+                  <a:srgbClr val="ffffff"/>
+                </a:solidFill>
+                <a:latin typeface="Century Schoolbook"/>
+                <a:ea typeface="DejaVu Sans"/>
+              </a:rPr>
+              <a:t>Int</a:t>
+            </a:r>
+            <a:r>
+              <a:rPr b="0" lang="en-AU" sz="4800" spc="-1" strike="noStrike">
+                <a:solidFill>
+                  <a:srgbClr val="ffffff"/>
+                </a:solidFill>
+                <a:latin typeface="Century Schoolbook"/>
+                <a:ea typeface="DejaVu Sans"/>
+              </a:rPr>
+              <a:t>elli</a:t>
+            </a:r>
+            <a:r>
+              <a:rPr b="0" lang="en-AU" sz="4800" spc="-1" strike="noStrike">
+                <a:solidFill>
+                  <a:srgbClr val="ffffff"/>
+                </a:solidFill>
+                <a:latin typeface="Century Schoolbook"/>
+                <a:ea typeface="DejaVu Sans"/>
+              </a:rPr>
+              <a:t>ge</a:t>
+            </a:r>
+            <a:r>
+              <a:rPr b="0" lang="en-AU" sz="4800" spc="-1" strike="noStrike">
+                <a:solidFill>
+                  <a:srgbClr val="ffffff"/>
+                </a:solidFill>
+                <a:latin typeface="Century Schoolbook"/>
+                <a:ea typeface="DejaVu Sans"/>
+              </a:rPr>
+              <a:t>nt </a:t>
+            </a:r>
+            <a:r>
+              <a:rPr b="0" lang="en-AU" sz="4800" spc="-1" strike="noStrike">
+                <a:solidFill>
+                  <a:srgbClr val="ffffff"/>
+                </a:solidFill>
+                <a:latin typeface="Century Schoolbook"/>
+                <a:ea typeface="DejaVu Sans"/>
+              </a:rPr>
+              <a:t>ro</a:t>
+            </a:r>
+            <a:r>
+              <a:rPr b="0" lang="en-AU" sz="4800" spc="-1" strike="noStrike">
+                <a:solidFill>
+                  <a:srgbClr val="ffffff"/>
+                </a:solidFill>
+                <a:latin typeface="Century Schoolbook"/>
+                <a:ea typeface="DejaVu Sans"/>
+              </a:rPr>
+              <a:t>bot</a:t>
+            </a:r>
+            <a:r>
+              <a:rPr b="0" lang="en-AU" sz="4800" spc="-1" strike="noStrike">
+                <a:solidFill>
+                  <a:srgbClr val="ffffff"/>
+                </a:solidFill>
+                <a:latin typeface="Century Schoolbook"/>
+                <a:ea typeface="DejaVu Sans"/>
+              </a:rPr>
+              <a:t>ics</a:t>
             </a:r>
             <a:endParaRPr b="0" lang="en-AU" sz="4800" spc="-1" strike="noStrike">
               <a:latin typeface="Arial"/>
@@ -2877,7 +3011,7 @@
         <p:spPr>
           <a:xfrm>
             <a:off x="735120" y="6316200"/>
-            <a:ext cx="10720800" cy="363960"/>
+            <a:ext cx="10720440" cy="363960"/>
           </a:xfrm>
           <a:prstGeom prst="rect">
             <a:avLst/>
@@ -2912,7 +3046,47 @@
                 <a:latin typeface="Century Schoolbook"/>
                 <a:ea typeface="DejaVu Sans"/>
               </a:rPr>
-              <a:t>Lab 2-3: Evaluation and Marking</a:t>
+              <a:t>Lab 2-3: </a:t>
+            </a:r>
+            <a:r>
+              <a:rPr b="0" lang="en-US" sz="1800" spc="-1" strike="noStrike">
+                <a:solidFill>
+                  <a:srgbClr val="ffffff"/>
+                </a:solidFill>
+                <a:latin typeface="Century Schoolbook"/>
+                <a:ea typeface="DejaVu Sans"/>
+              </a:rPr>
+              <a:t>Evaluat</a:t>
+            </a:r>
+            <a:r>
+              <a:rPr b="0" lang="en-US" sz="1800" spc="-1" strike="noStrike">
+                <a:solidFill>
+                  <a:srgbClr val="ffffff"/>
+                </a:solidFill>
+                <a:latin typeface="Century Schoolbook"/>
+                <a:ea typeface="DejaVu Sans"/>
+              </a:rPr>
+              <a:t>ion and </a:t>
+            </a:r>
+            <a:r>
+              <a:rPr b="0" lang="en-US" sz="1800" spc="-1" strike="noStrike">
+                <a:solidFill>
+                  <a:srgbClr val="ffffff"/>
+                </a:solidFill>
+                <a:latin typeface="Century Schoolbook"/>
+                <a:ea typeface="DejaVu Sans"/>
+              </a:rPr>
+              <a:t>Markin</a:t>
+            </a:r>
+            <a:r>
+              <a:rPr b="0" lang="en-US" sz="1800" spc="-1" strike="noStrike">
+                <a:solidFill>
+                  <a:srgbClr val="ffffff"/>
+                </a:solidFill>
+                <a:latin typeface="Century Schoolbook"/>
+                <a:ea typeface="DejaVu Sans"/>
+              </a:rPr>
+              <a:t>g</a:t>
             </a:r>
             <a:endParaRPr b="0" lang="en-AU" sz="1800" spc="-1" strike="noStrike">
               <a:latin typeface="Arial"/>
@@ -2933,7 +3107,7 @@
         <p:spPr>
           <a:xfrm>
             <a:off x="3805200" y="1138680"/>
-            <a:ext cx="4579920" cy="4579920"/>
+            <a:ext cx="4579560" cy="4579560"/>
           </a:xfrm>
           <a:prstGeom prst="rect">
             <a:avLst/>
@@ -2952,7 +3126,7 @@
         <p:spPr>
           <a:xfrm>
             <a:off x="735120" y="5730120"/>
-            <a:ext cx="10720440" cy="452520"/>
+            <a:ext cx="10720080" cy="452160"/>
           </a:xfrm>
           <a:prstGeom prst="rect">
             <a:avLst/>
@@ -2987,7 +3161,17 @@
                 <a:latin typeface="Century Schoolbook"/>
                 <a:ea typeface="DejaVu Sans"/>
               </a:rPr>
-              <a:t>AI art generated by </a:t>
+              <a:t>AI art </a:t>
+            </a:r>
+            <a:r>
+              <a:rPr b="0" lang="en-AU" sz="1200" spc="-1" strike="noStrike">
+                <a:solidFill>
+                  <a:srgbClr val="ffffff"/>
+                </a:solidFill>
+                <a:latin typeface="Century Schoolbook"/>
+                <a:ea typeface="DejaVu Sans"/>
+              </a:rPr>
+              <a:t>generated by </a:t>
             </a:r>
             <a:r>
               <a:rPr b="0" lang="en-AU" sz="1200" spc="-1" strike="noStrike" u="sng">
@@ -3030,7 +3214,87 @@
                 <a:latin typeface="Century Schoolbook"/>
                 <a:ea typeface="DejaVu Sans"/>
               </a:rPr>
-              <a:t>a penguin robot shopping for fruits and vegetables in a supermarket</a:t>
+              <a:t>a </a:t>
+            </a:r>
+            <a:r>
+              <a:rPr b="0" lang="en-GB" sz="1200" spc="-1" strike="noStrike">
+                <a:solidFill>
+                  <a:srgbClr val="ffffff"/>
+                </a:solidFill>
+                <a:latin typeface="Century Schoolbook"/>
+                <a:ea typeface="DejaVu Sans"/>
+              </a:rPr>
+              <a:t>penguin </a:t>
+            </a:r>
+            <a:r>
+              <a:rPr b="0" lang="en-GB" sz="1200" spc="-1" strike="noStrike">
+                <a:solidFill>
+                  <a:srgbClr val="ffffff"/>
+                </a:solidFill>
+                <a:latin typeface="Century Schoolbook"/>
+                <a:ea typeface="DejaVu Sans"/>
+              </a:rPr>
+              <a:t>robot </a:t>
+            </a:r>
+            <a:r>
+              <a:rPr b="0" lang="en-GB" sz="1200" spc="-1" strike="noStrike">
+                <a:solidFill>
+                  <a:srgbClr val="ffffff"/>
+                </a:solidFill>
+                <a:latin typeface="Century Schoolbook"/>
+                <a:ea typeface="DejaVu Sans"/>
+              </a:rPr>
+              <a:t>shopping for </a:t>
+            </a:r>
+            <a:r>
+              <a:rPr b="0" lang="en-GB" sz="1200" spc="-1" strike="noStrike">
+                <a:solidFill>
+                  <a:srgbClr val="ffffff"/>
+                </a:solidFill>
+                <a:latin typeface="Century Schoolbook"/>
+                <a:ea typeface="DejaVu Sans"/>
+              </a:rPr>
+              <a:t>fruits and </a:t>
+            </a:r>
+            <a:r>
+              <a:rPr b="0" lang="en-GB" sz="1200" spc="-1" strike="noStrike">
+                <a:solidFill>
+                  <a:srgbClr val="ffffff"/>
+                </a:solidFill>
+                <a:latin typeface="Century Schoolbook"/>
+                <a:ea typeface="DejaVu Sans"/>
+              </a:rPr>
+              <a:t>vegetables </a:t>
+            </a:r>
+            <a:r>
+              <a:rPr b="0" lang="en-GB" sz="1200" spc="-1" strike="noStrike">
+                <a:solidFill>
+                  <a:srgbClr val="ffffff"/>
+                </a:solidFill>
+                <a:latin typeface="Century Schoolbook"/>
+                <a:ea typeface="DejaVu Sans"/>
+              </a:rPr>
+              <a:t>in a </a:t>
+            </a:r>
+            <a:r>
+              <a:rPr b="0" lang="en-GB" sz="1200" spc="-1" strike="noStrike">
+                <a:solidFill>
+                  <a:srgbClr val="ffffff"/>
+                </a:solidFill>
+                <a:latin typeface="Century Schoolbook"/>
+                <a:ea typeface="DejaVu Sans"/>
+              </a:rPr>
+              <a:t>supermarke</a:t>
+            </a:r>
+            <a:r>
+              <a:rPr b="0" lang="en-GB" sz="1200" spc="-1" strike="noStrike">
+                <a:solidFill>
+                  <a:srgbClr val="ffffff"/>
+                </a:solidFill>
+                <a:latin typeface="Century Schoolbook"/>
+                <a:ea typeface="DejaVu Sans"/>
+              </a:rPr>
+              <a:t>t</a:t>
             </a:r>
             <a:r>
               <a:rPr b="0" lang="en-AU" sz="1200" spc="-1" strike="noStrike">
@@ -5047,7 +5311,7 @@
         <p:spPr>
           <a:xfrm>
             <a:off x="478080" y="172440"/>
-            <a:ext cx="11712960" cy="820800"/>
+            <a:ext cx="11712600" cy="820800"/>
           </a:xfrm>
           <a:prstGeom prst="rect">
             <a:avLst/>
@@ -5082,7 +5346,107 @@
                 <a:latin typeface="Century Schoolbook"/>
                 <a:ea typeface="DejaVu Sans"/>
               </a:rPr>
-              <a:t>ECE4078  Intelligent robotics</a:t>
+              <a:t>EC</a:t>
+            </a:r>
+            <a:r>
+              <a:rPr b="0" lang="en-AU" sz="4800" spc="-1" strike="noStrike">
+                <a:solidFill>
+                  <a:srgbClr val="ffffff"/>
+                </a:solidFill>
+                <a:latin typeface="Century Schoolbook"/>
+                <a:ea typeface="DejaVu Sans"/>
+              </a:rPr>
+              <a:t>E4</a:t>
+            </a:r>
+            <a:r>
+              <a:rPr b="0" lang="en-AU" sz="4800" spc="-1" strike="noStrike">
+                <a:solidFill>
+                  <a:srgbClr val="ffffff"/>
+                </a:solidFill>
+                <a:latin typeface="Century Schoolbook"/>
+                <a:ea typeface="DejaVu Sans"/>
+              </a:rPr>
+              <a:t>07</a:t>
+            </a:r>
+            <a:r>
+              <a:rPr b="0" lang="en-AU" sz="4800" spc="-1" strike="noStrike">
+                <a:solidFill>
+                  <a:srgbClr val="ffffff"/>
+                </a:solidFill>
+                <a:latin typeface="Century Schoolbook"/>
+                <a:ea typeface="DejaVu Sans"/>
+              </a:rPr>
+              <a:t>8  </a:t>
+            </a:r>
+            <a:r>
+              <a:rPr b="0" lang="en-AU" sz="4800" spc="-1" strike="noStrike">
+                <a:solidFill>
+                  <a:srgbClr val="ffffff"/>
+                </a:solidFill>
+                <a:latin typeface="Century Schoolbook"/>
+                <a:ea typeface="DejaVu Sans"/>
+              </a:rPr>
+              <a:t>Int</a:t>
+            </a:r>
+            <a:r>
+              <a:rPr b="0" lang="en-AU" sz="4800" spc="-1" strike="noStrike">
+                <a:solidFill>
+                  <a:srgbClr val="ffffff"/>
+                </a:solidFill>
+                <a:latin typeface="Century Schoolbook"/>
+                <a:ea typeface="DejaVu Sans"/>
+              </a:rPr>
+              <a:t>elli</a:t>
+            </a:r>
+            <a:r>
+              <a:rPr b="0" lang="en-AU" sz="4800" spc="-1" strike="noStrike">
+                <a:solidFill>
+                  <a:srgbClr val="ffffff"/>
+                </a:solidFill>
+                <a:latin typeface="Century Schoolbook"/>
+                <a:ea typeface="DejaVu Sans"/>
+              </a:rPr>
+              <a:t>ge</a:t>
+            </a:r>
+            <a:r>
+              <a:rPr b="0" lang="en-AU" sz="4800" spc="-1" strike="noStrike">
+                <a:solidFill>
+                  <a:srgbClr val="ffffff"/>
+                </a:solidFill>
+                <a:latin typeface="Century Schoolbook"/>
+                <a:ea typeface="DejaVu Sans"/>
+              </a:rPr>
+              <a:t>nt </a:t>
+            </a:r>
+            <a:r>
+              <a:rPr b="0" lang="en-AU" sz="4800" spc="-1" strike="noStrike">
+                <a:solidFill>
+                  <a:srgbClr val="ffffff"/>
+                </a:solidFill>
+                <a:latin typeface="Century Schoolbook"/>
+                <a:ea typeface="DejaVu Sans"/>
+              </a:rPr>
+              <a:t>ro</a:t>
+            </a:r>
+            <a:r>
+              <a:rPr b="0" lang="en-AU" sz="4800" spc="-1" strike="noStrike">
+                <a:solidFill>
+                  <a:srgbClr val="ffffff"/>
+                </a:solidFill>
+                <a:latin typeface="Century Schoolbook"/>
+                <a:ea typeface="DejaVu Sans"/>
+              </a:rPr>
+              <a:t>bot</a:t>
+            </a:r>
+            <a:r>
+              <a:rPr b="0" lang="en-AU" sz="4800" spc="-1" strike="noStrike">
+                <a:solidFill>
+                  <a:srgbClr val="ffffff"/>
+                </a:solidFill>
+                <a:latin typeface="Century Schoolbook"/>
+                <a:ea typeface="DejaVu Sans"/>
+              </a:rPr>
+              <a:t>ics</a:t>
             </a:r>
             <a:endParaRPr b="0" lang="en-AU" sz="4800" spc="-1" strike="noStrike">
               <a:latin typeface="Arial"/>
@@ -5099,7 +5463,7 @@
         <p:spPr>
           <a:xfrm>
             <a:off x="1462320" y="2802960"/>
-            <a:ext cx="324360" cy="516240"/>
+            <a:ext cx="324000" cy="516240"/>
           </a:xfrm>
           <a:prstGeom prst="rect">
             <a:avLst/>
@@ -5156,7 +5520,7 @@
           <a:prstGeom prst="line">
             <a:avLst/>
           </a:prstGeom>
-          <a:ln w="38100">
+          <a:ln w="38160">
             <a:solidFill>
               <a:srgbClr val="6f6f74"/>
             </a:solidFill>
@@ -5165,15 +5529,9 @@
           </a:ln>
         </p:spPr>
         <p:style>
-          <a:lnRef idx="1">
-            <a:schemeClr val="accent1"/>
-          </a:lnRef>
-          <a:fillRef idx="0">
-            <a:schemeClr val="accent1"/>
-          </a:fillRef>
-          <a:effectRef idx="0">
-            <a:schemeClr val="accent1"/>
-          </a:effectRef>
+          <a:lnRef idx="0"/>
+          <a:fillRef idx="0"/>
+          <a:effectRef idx="0"/>
           <a:fontRef idx="minor"/>
         </p:style>
       </p:sp>
@@ -5191,7 +5549,7 @@
           <a:prstGeom prst="line">
             <a:avLst/>
           </a:prstGeom>
-          <a:ln w="38100">
+          <a:ln w="38160">
             <a:solidFill>
               <a:srgbClr val="6f6f74"/>
             </a:solidFill>
@@ -5200,15 +5558,9 @@
           </a:ln>
         </p:spPr>
         <p:style>
-          <a:lnRef idx="1">
-            <a:schemeClr val="accent1"/>
-          </a:lnRef>
-          <a:fillRef idx="0">
-            <a:schemeClr val="accent1"/>
-          </a:fillRef>
-          <a:effectRef idx="0">
-            <a:schemeClr val="accent1"/>
-          </a:effectRef>
+          <a:lnRef idx="0"/>
+          <a:fillRef idx="0"/>
+          <a:effectRef idx="0"/>
           <a:fontRef idx="minor"/>
         </p:style>
       </p:sp>
@@ -5226,7 +5578,7 @@
           <a:prstGeom prst="line">
             <a:avLst/>
           </a:prstGeom>
-          <a:ln w="38100">
+          <a:ln w="38160">
             <a:solidFill>
               <a:srgbClr val="6f6f74"/>
             </a:solidFill>
@@ -5235,15 +5587,9 @@
           </a:ln>
         </p:spPr>
         <p:style>
-          <a:lnRef idx="1">
-            <a:schemeClr val="accent1"/>
-          </a:lnRef>
-          <a:fillRef idx="0">
-            <a:schemeClr val="accent1"/>
-          </a:fillRef>
-          <a:effectRef idx="0">
-            <a:schemeClr val="accent1"/>
-          </a:effectRef>
+          <a:lnRef idx="0"/>
+          <a:fillRef idx="0"/>
+          <a:effectRef idx="0"/>
           <a:fontRef idx="minor"/>
         </p:style>
       </p:sp>
@@ -5286,7 +5632,7 @@
         <p:spPr>
           <a:xfrm>
             <a:off x="478080" y="172440"/>
-            <a:ext cx="11712960" cy="820800"/>
+            <a:ext cx="11712600" cy="820800"/>
           </a:xfrm>
           <a:prstGeom prst="rect">
             <a:avLst/>
@@ -5321,7 +5667,27 @@
                 <a:latin typeface="Century Schoolbook"/>
                 <a:ea typeface="DejaVu Sans"/>
               </a:rPr>
-              <a:t>Recap</a:t>
+              <a:t>Re</a:t>
+            </a:r>
+            <a:r>
+              <a:rPr b="0" lang="en-AU" sz="4800" spc="-1" strike="noStrike">
+                <a:solidFill>
+                  <a:srgbClr val="ffffff"/>
+                </a:solidFill>
+                <a:latin typeface="Century Schoolbook"/>
+                <a:ea typeface="DejaVu Sans"/>
+              </a:rPr>
+              <a:t>ca</a:t>
+            </a:r>
+            <a:r>
+              <a:rPr b="0" lang="en-AU" sz="4800" spc="-1" strike="noStrike">
+                <a:solidFill>
+                  <a:srgbClr val="ffffff"/>
+                </a:solidFill>
+                <a:latin typeface="Century Schoolbook"/>
+                <a:ea typeface="DejaVu Sans"/>
+              </a:rPr>
+              <a:t>p</a:t>
             </a:r>
             <a:endParaRPr b="0" lang="en-AU" sz="4800" spc="-1" strike="noStrike">
               <a:latin typeface="Arial"/>
@@ -5338,7 +5704,7 @@
         <p:spPr>
           <a:xfrm>
             <a:off x="478080" y="1003680"/>
-            <a:ext cx="11526120" cy="5301720"/>
+            <a:ext cx="11525760" cy="5028120"/>
           </a:xfrm>
           <a:prstGeom prst="rect">
             <a:avLst/>
@@ -5373,7 +5739,17 @@
                 <a:latin typeface="Century Schoolbook"/>
                 <a:ea typeface="DejaVu Sans"/>
               </a:rPr>
-              <a:t>M2: SLAM</a:t>
+              <a:t>M2: </a:t>
+            </a:r>
+            <a:r>
+              <a:rPr b="0" lang="en-US" sz="1800" spc="-1" strike="noStrike">
+                <a:solidFill>
+                  <a:srgbClr val="ffffff"/>
+                </a:solidFill>
+                <a:latin typeface="Century Schoolbook"/>
+                <a:ea typeface="DejaVu Sans"/>
+              </a:rPr>
+              <a:t>SLAM</a:t>
             </a:r>
             <a:endParaRPr b="0" lang="en-AU" sz="1800" spc="-1" strike="noStrike">
               <a:latin typeface="Arial"/>
@@ -5404,7 +5780,127 @@
                 <a:latin typeface="Century Schoolbook"/>
                 <a:ea typeface="DejaVu Sans"/>
               </a:rPr>
-              <a:t>Your task is to estimate the position of all 10 ARUCO markers within the 3mx3m arena</a:t>
+              <a:t>Your </a:t>
+            </a:r>
+            <a:r>
+              <a:rPr b="0" lang="en-US" sz="1800" spc="-1" strike="noStrike">
+                <a:solidFill>
+                  <a:srgbClr val="ffffff"/>
+                </a:solidFill>
+                <a:latin typeface="Century Schoolbook"/>
+                <a:ea typeface="DejaVu Sans"/>
+              </a:rPr>
+              <a:t>task is </a:t>
+            </a:r>
+            <a:r>
+              <a:rPr b="0" lang="en-US" sz="1800" spc="-1" strike="noStrike">
+                <a:solidFill>
+                  <a:srgbClr val="ffffff"/>
+                </a:solidFill>
+                <a:latin typeface="Century Schoolbook"/>
+                <a:ea typeface="DejaVu Sans"/>
+              </a:rPr>
+              <a:t>to </a:t>
+            </a:r>
+            <a:r>
+              <a:rPr b="0" lang="en-US" sz="1800" spc="-1" strike="noStrike">
+                <a:solidFill>
+                  <a:srgbClr val="ffffff"/>
+                </a:solidFill>
+                <a:latin typeface="Century Schoolbook"/>
+                <a:ea typeface="DejaVu Sans"/>
+              </a:rPr>
+              <a:t>estimat</a:t>
+            </a:r>
+            <a:r>
+              <a:rPr b="0" lang="en-US" sz="1800" spc="-1" strike="noStrike">
+                <a:solidFill>
+                  <a:srgbClr val="ffffff"/>
+                </a:solidFill>
+                <a:latin typeface="Century Schoolbook"/>
+                <a:ea typeface="DejaVu Sans"/>
+              </a:rPr>
+              <a:t>e the </a:t>
+            </a:r>
+            <a:r>
+              <a:rPr b="0" lang="en-US" sz="1800" spc="-1" strike="noStrike">
+                <a:solidFill>
+                  <a:srgbClr val="ffffff"/>
+                </a:solidFill>
+                <a:latin typeface="Century Schoolbook"/>
+                <a:ea typeface="DejaVu Sans"/>
+              </a:rPr>
+              <a:t>position </a:t>
+            </a:r>
+            <a:r>
+              <a:rPr b="0" lang="en-US" sz="1800" spc="-1" strike="noStrike">
+                <a:solidFill>
+                  <a:srgbClr val="ffffff"/>
+                </a:solidFill>
+                <a:latin typeface="Century Schoolbook"/>
+                <a:ea typeface="DejaVu Sans"/>
+              </a:rPr>
+              <a:t>of all 10 </a:t>
+            </a:r>
+            <a:r>
+              <a:rPr b="0" lang="en-US" sz="1800" spc="-1" strike="noStrike">
+                <a:solidFill>
+                  <a:srgbClr val="ffffff"/>
+                </a:solidFill>
+                <a:latin typeface="Century Schoolbook"/>
+                <a:ea typeface="DejaVu Sans"/>
+              </a:rPr>
+              <a:t>ARUCO </a:t>
+            </a:r>
+            <a:r>
+              <a:rPr b="0" lang="en-US" sz="1800" spc="-1" strike="noStrike">
+                <a:solidFill>
+                  <a:srgbClr val="ffffff"/>
+                </a:solidFill>
+                <a:latin typeface="Century Schoolbook"/>
+                <a:ea typeface="DejaVu Sans"/>
+              </a:rPr>
+              <a:t>markers </a:t>
+            </a:r>
+            <a:r>
+              <a:rPr b="0" lang="en-US" sz="1800" spc="-1" strike="noStrike">
+                <a:solidFill>
+                  <a:srgbClr val="ffffff"/>
+                </a:solidFill>
+                <a:latin typeface="Century Schoolbook"/>
+                <a:ea typeface="DejaVu Sans"/>
+              </a:rPr>
+              <a:t>within </a:t>
+            </a:r>
+            <a:r>
+              <a:rPr b="0" lang="en-US" sz="1800" spc="-1" strike="noStrike">
+                <a:solidFill>
+                  <a:srgbClr val="ffffff"/>
+                </a:solidFill>
+                <a:latin typeface="Century Schoolbook"/>
+                <a:ea typeface="DejaVu Sans"/>
+              </a:rPr>
+              <a:t>the </a:t>
+            </a:r>
+            <a:r>
+              <a:rPr b="0" lang="en-US" sz="1800" spc="-1" strike="noStrike">
+                <a:solidFill>
+                  <a:srgbClr val="ffffff"/>
+                </a:solidFill>
+                <a:latin typeface="Century Schoolbook"/>
+                <a:ea typeface="DejaVu Sans"/>
+              </a:rPr>
+              <a:t>3mx3m </a:t>
+            </a:r>
+            <a:r>
+              <a:rPr b="0" lang="en-US" sz="1800" spc="-1" strike="noStrike">
+                <a:solidFill>
+                  <a:srgbClr val="ffffff"/>
+                </a:solidFill>
+                <a:latin typeface="Century Schoolbook"/>
+                <a:ea typeface="DejaVu Sans"/>
+              </a:rPr>
+              <a:t>arena</a:t>
             </a:r>
             <a:r>
               <a:rPr b="0" lang="en-US" sz="1800" spc="-1" strike="noStrike">
@@ -5457,7 +5953,57 @@
                 <a:latin typeface="Century Schoolbook"/>
                 <a:ea typeface="DejaVu Sans"/>
               </a:rPr>
-              <a:t>Task 1: Wheel calibration (Week 2)</a:t>
+              <a:t>Task 1: </a:t>
+            </a:r>
+            <a:r>
+              <a:rPr b="0" lang="en-US" sz="1800" spc="-1" strike="noStrike">
+                <a:solidFill>
+                  <a:srgbClr val="ffffff"/>
+                </a:solidFill>
+                <a:latin typeface="Century Schoolbook"/>
+                <a:ea typeface="DejaVu Sans"/>
+              </a:rPr>
+              <a:t>Wheel </a:t>
+            </a:r>
+            <a:r>
+              <a:rPr b="0" lang="en-US" sz="1800" spc="-1" strike="noStrike">
+                <a:solidFill>
+                  <a:srgbClr val="ffffff"/>
+                </a:solidFill>
+                <a:latin typeface="Century Schoolbook"/>
+                <a:ea typeface="DejaVu Sans"/>
+              </a:rPr>
+              <a:t>calibrati</a:t>
+            </a:r>
+            <a:r>
+              <a:rPr b="0" lang="en-US" sz="1800" spc="-1" strike="noStrike">
+                <a:solidFill>
+                  <a:srgbClr val="ffffff"/>
+                </a:solidFill>
+                <a:latin typeface="Century Schoolbook"/>
+                <a:ea typeface="DejaVu Sans"/>
+              </a:rPr>
+              <a:t>on </a:t>
+            </a:r>
+            <a:r>
+              <a:rPr b="0" lang="en-US" sz="1800" spc="-1" strike="noStrike">
+                <a:solidFill>
+                  <a:srgbClr val="ffffff"/>
+                </a:solidFill>
+                <a:latin typeface="Century Schoolbook"/>
+                <a:ea typeface="DejaVu Sans"/>
+              </a:rPr>
+              <a:t>(Week </a:t>
+            </a:r>
+            <a:r>
+              <a:rPr b="0" lang="en-US" sz="1800" spc="-1" strike="noStrike">
+                <a:solidFill>
+                  <a:srgbClr val="ffffff"/>
+                </a:solidFill>
+                <a:latin typeface="Century Schoolbook"/>
+                <a:ea typeface="DejaVu Sans"/>
+              </a:rPr>
+              <a:t>2)</a:t>
             </a:r>
             <a:endParaRPr b="0" lang="en-AU" sz="1800" spc="-1" strike="noStrike">
               <a:latin typeface="Arial"/>
@@ -5488,7 +6034,117 @@
                 <a:latin typeface="Century Schoolbook"/>
                 <a:ea typeface="DejaVu Sans"/>
               </a:rPr>
-              <a:t>- Objective is to calculate the wheel radius and the distance between both wheels</a:t>
+              <a:t>- </a:t>
+            </a:r>
+            <a:r>
+              <a:rPr b="0" lang="en-US" sz="1800" spc="-1" strike="noStrike">
+                <a:solidFill>
+                  <a:srgbClr val="ffffff"/>
+                </a:solidFill>
+                <a:latin typeface="Century Schoolbook"/>
+                <a:ea typeface="DejaVu Sans"/>
+              </a:rPr>
+              <a:t>Objectiv</a:t>
+            </a:r>
+            <a:r>
+              <a:rPr b="0" lang="en-US" sz="1800" spc="-1" strike="noStrike">
+                <a:solidFill>
+                  <a:srgbClr val="ffffff"/>
+                </a:solidFill>
+                <a:latin typeface="Century Schoolbook"/>
+                <a:ea typeface="DejaVu Sans"/>
+              </a:rPr>
+              <a:t>e is to </a:t>
+            </a:r>
+            <a:r>
+              <a:rPr b="0" lang="en-US" sz="1800" spc="-1" strike="noStrike">
+                <a:solidFill>
+                  <a:srgbClr val="ffffff"/>
+                </a:solidFill>
+                <a:latin typeface="Century Schoolbook"/>
+                <a:ea typeface="DejaVu Sans"/>
+              </a:rPr>
+              <a:t>calculat</a:t>
+            </a:r>
+            <a:r>
+              <a:rPr b="0" lang="en-US" sz="1800" spc="-1" strike="noStrike">
+                <a:solidFill>
+                  <a:srgbClr val="ffffff"/>
+                </a:solidFill>
+                <a:latin typeface="Century Schoolbook"/>
+                <a:ea typeface="DejaVu Sans"/>
+              </a:rPr>
+              <a:t>e the </a:t>
+            </a:r>
+            <a:r>
+              <a:rPr b="0" lang="en-US" sz="1800" spc="-1" strike="noStrike">
+                <a:solidFill>
+                  <a:srgbClr val="ffffff"/>
+                </a:solidFill>
+                <a:latin typeface="Century Schoolbook"/>
+                <a:ea typeface="DejaVu Sans"/>
+              </a:rPr>
+              <a:t>wheel </a:t>
+            </a:r>
+            <a:r>
+              <a:rPr b="0" lang="en-US" sz="1800" spc="-1" strike="noStrike">
+                <a:solidFill>
+                  <a:srgbClr val="ffffff"/>
+                </a:solidFill>
+                <a:latin typeface="Century Schoolbook"/>
+                <a:ea typeface="DejaVu Sans"/>
+              </a:rPr>
+              <a:t>radius </a:t>
+            </a:r>
+            <a:r>
+              <a:rPr b="0" lang="en-US" sz="1800" spc="-1" strike="noStrike">
+                <a:solidFill>
+                  <a:srgbClr val="ffffff"/>
+                </a:solidFill>
+                <a:latin typeface="Century Schoolbook"/>
+                <a:ea typeface="DejaVu Sans"/>
+              </a:rPr>
+              <a:t>and the </a:t>
+            </a:r>
+            <a:r>
+              <a:rPr b="0" lang="en-US" sz="1800" spc="-1" strike="noStrike">
+                <a:solidFill>
+                  <a:srgbClr val="ffffff"/>
+                </a:solidFill>
+                <a:latin typeface="Century Schoolbook"/>
+                <a:ea typeface="DejaVu Sans"/>
+              </a:rPr>
+              <a:t>distance </a:t>
+            </a:r>
+            <a:r>
+              <a:rPr b="0" lang="en-US" sz="1800" spc="-1" strike="noStrike">
+                <a:solidFill>
+                  <a:srgbClr val="ffffff"/>
+                </a:solidFill>
+                <a:latin typeface="Century Schoolbook"/>
+                <a:ea typeface="DejaVu Sans"/>
+              </a:rPr>
+              <a:t>between </a:t>
+            </a:r>
+            <a:r>
+              <a:rPr b="0" lang="en-US" sz="1800" spc="-1" strike="noStrike">
+                <a:solidFill>
+                  <a:srgbClr val="ffffff"/>
+                </a:solidFill>
+                <a:latin typeface="Century Schoolbook"/>
+                <a:ea typeface="DejaVu Sans"/>
+              </a:rPr>
+              <a:t>both </a:t>
+            </a:r>
+            <a:r>
+              <a:rPr b="0" lang="en-US" sz="1800" spc="-1" strike="noStrike">
+                <a:solidFill>
+                  <a:srgbClr val="ffffff"/>
+                </a:solidFill>
+                <a:latin typeface="Century Schoolbook"/>
+                <a:ea typeface="DejaVu Sans"/>
+              </a:rPr>
+              <a:t>wheels</a:t>
             </a:r>
             <a:endParaRPr b="0" lang="en-AU" sz="1800" spc="-1" strike="noStrike">
               <a:latin typeface="Arial"/>
@@ -5530,7 +6186,57 @@
                 <a:latin typeface="Century Schoolbook"/>
                 <a:ea typeface="DejaVu Sans"/>
               </a:rPr>
-              <a:t>Task 2: Camera calibration (Week 2)</a:t>
+              <a:t>Task 2: </a:t>
+            </a:r>
+            <a:r>
+              <a:rPr b="0" lang="en-US" sz="1800" spc="-1" strike="noStrike">
+                <a:solidFill>
+                  <a:srgbClr val="ffffff"/>
+                </a:solidFill>
+                <a:latin typeface="Century Schoolbook"/>
+                <a:ea typeface="DejaVu Sans"/>
+              </a:rPr>
+              <a:t>Camera </a:t>
+            </a:r>
+            <a:r>
+              <a:rPr b="0" lang="en-US" sz="1800" spc="-1" strike="noStrike">
+                <a:solidFill>
+                  <a:srgbClr val="ffffff"/>
+                </a:solidFill>
+                <a:latin typeface="Century Schoolbook"/>
+                <a:ea typeface="DejaVu Sans"/>
+              </a:rPr>
+              <a:t>calibrati</a:t>
+            </a:r>
+            <a:r>
+              <a:rPr b="0" lang="en-US" sz="1800" spc="-1" strike="noStrike">
+                <a:solidFill>
+                  <a:srgbClr val="ffffff"/>
+                </a:solidFill>
+                <a:latin typeface="Century Schoolbook"/>
+                <a:ea typeface="DejaVu Sans"/>
+              </a:rPr>
+              <a:t>on </a:t>
+            </a:r>
+            <a:r>
+              <a:rPr b="0" lang="en-US" sz="1800" spc="-1" strike="noStrike">
+                <a:solidFill>
+                  <a:srgbClr val="ffffff"/>
+                </a:solidFill>
+                <a:latin typeface="Century Schoolbook"/>
+                <a:ea typeface="DejaVu Sans"/>
+              </a:rPr>
+              <a:t>(Week </a:t>
+            </a:r>
+            <a:r>
+              <a:rPr b="0" lang="en-US" sz="1800" spc="-1" strike="noStrike">
+                <a:solidFill>
+                  <a:srgbClr val="ffffff"/>
+                </a:solidFill>
+                <a:latin typeface="Century Schoolbook"/>
+                <a:ea typeface="DejaVu Sans"/>
+              </a:rPr>
+              <a:t>2)</a:t>
             </a:r>
             <a:endParaRPr b="0" lang="en-AU" sz="1800" spc="-1" strike="noStrike">
               <a:latin typeface="Arial"/>
@@ -5561,7 +6267,107 @@
                 <a:latin typeface="Century Schoolbook"/>
                 <a:ea typeface="DejaVu Sans"/>
               </a:rPr>
-              <a:t>- Objective is to calculate the intrinsic parameters of the camera</a:t>
+              <a:t>- </a:t>
+            </a:r>
+            <a:r>
+              <a:rPr b="0" lang="en-US" sz="1800" spc="-1" strike="noStrike">
+                <a:solidFill>
+                  <a:srgbClr val="ffffff"/>
+                </a:solidFill>
+                <a:latin typeface="Century Schoolbook"/>
+                <a:ea typeface="DejaVu Sans"/>
+              </a:rPr>
+              <a:t>Objectiv</a:t>
+            </a:r>
+            <a:r>
+              <a:rPr b="0" lang="en-US" sz="1800" spc="-1" strike="noStrike">
+                <a:solidFill>
+                  <a:srgbClr val="ffffff"/>
+                </a:solidFill>
+                <a:latin typeface="Century Schoolbook"/>
+                <a:ea typeface="DejaVu Sans"/>
+              </a:rPr>
+              <a:t>e is to </a:t>
+            </a:r>
+            <a:r>
+              <a:rPr b="0" lang="en-US" sz="1800" spc="-1" strike="noStrike">
+                <a:solidFill>
+                  <a:srgbClr val="ffffff"/>
+                </a:solidFill>
+                <a:latin typeface="Century Schoolbook"/>
+                <a:ea typeface="DejaVu Sans"/>
+              </a:rPr>
+              <a:t>calculat</a:t>
+            </a:r>
+            <a:r>
+              <a:rPr b="0" lang="en-US" sz="1800" spc="-1" strike="noStrike">
+                <a:solidFill>
+                  <a:srgbClr val="ffffff"/>
+                </a:solidFill>
+                <a:latin typeface="Century Schoolbook"/>
+                <a:ea typeface="DejaVu Sans"/>
+              </a:rPr>
+              <a:t>e the </a:t>
+            </a:r>
+            <a:r>
+              <a:rPr b="0" lang="en-US" sz="1800" spc="-1" strike="noStrike">
+                <a:solidFill>
+                  <a:srgbClr val="ffffff"/>
+                </a:solidFill>
+                <a:latin typeface="Century Schoolbook"/>
+                <a:ea typeface="DejaVu Sans"/>
+              </a:rPr>
+              <a:t>intrinsi</a:t>
+            </a:r>
+            <a:r>
+              <a:rPr b="0" lang="en-US" sz="1800" spc="-1" strike="noStrike">
+                <a:solidFill>
+                  <a:srgbClr val="ffffff"/>
+                </a:solidFill>
+                <a:latin typeface="Century Schoolbook"/>
+                <a:ea typeface="DejaVu Sans"/>
+              </a:rPr>
+              <a:t>c </a:t>
+            </a:r>
+            <a:r>
+              <a:rPr b="0" lang="en-US" sz="1800" spc="-1" strike="noStrike">
+                <a:solidFill>
+                  <a:srgbClr val="ffffff"/>
+                </a:solidFill>
+                <a:latin typeface="Century Schoolbook"/>
+                <a:ea typeface="DejaVu Sans"/>
+              </a:rPr>
+              <a:t>paramet</a:t>
+            </a:r>
+            <a:r>
+              <a:rPr b="0" lang="en-US" sz="1800" spc="-1" strike="noStrike">
+                <a:solidFill>
+                  <a:srgbClr val="ffffff"/>
+                </a:solidFill>
+                <a:latin typeface="Century Schoolbook"/>
+                <a:ea typeface="DejaVu Sans"/>
+              </a:rPr>
+              <a:t>ers of </a:t>
+            </a:r>
+            <a:r>
+              <a:rPr b="0" lang="en-US" sz="1800" spc="-1" strike="noStrike">
+                <a:solidFill>
+                  <a:srgbClr val="ffffff"/>
+                </a:solidFill>
+                <a:latin typeface="Century Schoolbook"/>
+                <a:ea typeface="DejaVu Sans"/>
+              </a:rPr>
+              <a:t>the </a:t>
+            </a:r>
+            <a:r>
+              <a:rPr b="0" lang="en-US" sz="1800" spc="-1" strike="noStrike">
+                <a:solidFill>
+                  <a:srgbClr val="ffffff"/>
+                </a:solidFill>
+                <a:latin typeface="Century Schoolbook"/>
+                <a:ea typeface="DejaVu Sans"/>
+              </a:rPr>
+              <a:t>camera</a:t>
             </a:r>
             <a:endParaRPr b="0" lang="en-AU" sz="1800" spc="-1" strike="noStrike">
               <a:latin typeface="Arial"/>
@@ -5593,7 +6399,37 @@
                 <a:latin typeface="Century Schoolbook"/>
                 <a:ea typeface="DejaVu Sans"/>
               </a:rPr>
-              <a:t>Task 3: SLAM (Week 3 &amp; 4)</a:t>
+              <a:t>Task 3: </a:t>
+            </a:r>
+            <a:r>
+              <a:rPr b="0" lang="en-US" sz="1800" spc="-1" strike="noStrike">
+                <a:solidFill>
+                  <a:srgbClr val="ffffff"/>
+                </a:solidFill>
+                <a:latin typeface="Century Schoolbook"/>
+                <a:ea typeface="DejaVu Sans"/>
+              </a:rPr>
+              <a:t>SLAM </a:t>
+            </a:r>
+            <a:r>
+              <a:rPr b="0" lang="en-US" sz="1800" spc="-1" strike="noStrike">
+                <a:solidFill>
+                  <a:srgbClr val="ffffff"/>
+                </a:solidFill>
+                <a:latin typeface="Century Schoolbook"/>
+                <a:ea typeface="DejaVu Sans"/>
+              </a:rPr>
+              <a:t>(Week 3 </a:t>
+            </a:r>
+            <a:r>
+              <a:rPr b="0" lang="en-US" sz="1800" spc="-1" strike="noStrike">
+                <a:solidFill>
+                  <a:srgbClr val="ffffff"/>
+                </a:solidFill>
+                <a:latin typeface="Century Schoolbook"/>
+                <a:ea typeface="DejaVu Sans"/>
+              </a:rPr>
+              <a:t>&amp; 4)</a:t>
             </a:r>
             <a:endParaRPr b="0" lang="en-AU" sz="1800" spc="-1" strike="noStrike">
               <a:latin typeface="Arial"/>
@@ -5624,7 +6460,157 @@
                 <a:latin typeface="Century Schoolbook"/>
                 <a:ea typeface="DejaVu Sans"/>
               </a:rPr>
-              <a:t>- Estimate the position of markers in the environment using an Extended Kalman filter (EKF)</a:t>
+              <a:t>- </a:t>
+            </a:r>
+            <a:r>
+              <a:rPr b="0" lang="en-US" sz="1800" spc="-1" strike="noStrike">
+                <a:solidFill>
+                  <a:srgbClr val="ffffff"/>
+                </a:solidFill>
+                <a:latin typeface="Century Schoolbook"/>
+                <a:ea typeface="DejaVu Sans"/>
+              </a:rPr>
+              <a:t>Estimat</a:t>
+            </a:r>
+            <a:r>
+              <a:rPr b="0" lang="en-US" sz="1800" spc="-1" strike="noStrike">
+                <a:solidFill>
+                  <a:srgbClr val="ffffff"/>
+                </a:solidFill>
+                <a:latin typeface="Century Schoolbook"/>
+                <a:ea typeface="DejaVu Sans"/>
+              </a:rPr>
+              <a:t>e the </a:t>
+            </a:r>
+            <a:r>
+              <a:rPr b="0" lang="en-US" sz="1800" spc="-1" strike="noStrike">
+                <a:solidFill>
+                  <a:srgbClr val="ffffff"/>
+                </a:solidFill>
+                <a:latin typeface="Century Schoolbook"/>
+                <a:ea typeface="DejaVu Sans"/>
+              </a:rPr>
+              <a:t>position </a:t>
+            </a:r>
+            <a:r>
+              <a:rPr b="0" lang="en-US" sz="1800" spc="-1" strike="noStrike">
+                <a:solidFill>
+                  <a:srgbClr val="ffffff"/>
+                </a:solidFill>
+                <a:latin typeface="Century Schoolbook"/>
+                <a:ea typeface="DejaVu Sans"/>
+              </a:rPr>
+              <a:t>of </a:t>
+            </a:r>
+            <a:r>
+              <a:rPr b="0" lang="en-US" sz="1800" spc="-1" strike="noStrike">
+                <a:solidFill>
+                  <a:srgbClr val="ffffff"/>
+                </a:solidFill>
+                <a:latin typeface="Century Schoolbook"/>
+                <a:ea typeface="DejaVu Sans"/>
+              </a:rPr>
+              <a:t>markers </a:t>
+            </a:r>
+            <a:r>
+              <a:rPr b="0" lang="en-US" sz="1800" spc="-1" strike="noStrike">
+                <a:solidFill>
+                  <a:srgbClr val="ffffff"/>
+                </a:solidFill>
+                <a:latin typeface="Century Schoolbook"/>
+                <a:ea typeface="DejaVu Sans"/>
+              </a:rPr>
+              <a:t>in the </a:t>
+            </a:r>
+            <a:r>
+              <a:rPr b="0" lang="en-US" sz="1800" spc="-1" strike="noStrike">
+                <a:solidFill>
+                  <a:srgbClr val="ffffff"/>
+                </a:solidFill>
+                <a:latin typeface="Century Schoolbook"/>
+                <a:ea typeface="DejaVu Sans"/>
+              </a:rPr>
+              <a:t>environ</a:t>
+            </a:r>
+            <a:r>
+              <a:rPr b="0" lang="en-US" sz="1800" spc="-1" strike="noStrike">
+                <a:solidFill>
+                  <a:srgbClr val="ffffff"/>
+                </a:solidFill>
+                <a:latin typeface="Century Schoolbook"/>
+                <a:ea typeface="DejaVu Sans"/>
+              </a:rPr>
+              <a:t>ment </a:t>
+            </a:r>
+            <a:r>
+              <a:rPr b="0" lang="en-US" sz="1800" spc="-1" strike="noStrike">
+                <a:solidFill>
+                  <a:srgbClr val="ffffff"/>
+                </a:solidFill>
+                <a:latin typeface="Century Schoolbook"/>
+                <a:ea typeface="DejaVu Sans"/>
+              </a:rPr>
+              <a:t>using </a:t>
+            </a:r>
+            <a:r>
+              <a:rPr b="0" lang="en-US" sz="1800" spc="-1" strike="noStrike">
+                <a:solidFill>
+                  <a:srgbClr val="ffffff"/>
+                </a:solidFill>
+                <a:latin typeface="Century Schoolbook"/>
+                <a:ea typeface="DejaVu Sans"/>
+              </a:rPr>
+              <a:t>an </a:t>
+            </a:r>
+            <a:r>
+              <a:rPr b="0" lang="en-US" sz="1800" spc="-1" strike="noStrike">
+                <a:solidFill>
+                  <a:srgbClr val="ffffff"/>
+                </a:solidFill>
+                <a:latin typeface="Century Schoolbook"/>
+                <a:ea typeface="DejaVu Sans"/>
+              </a:rPr>
+              <a:t>Extende</a:t>
+            </a:r>
+            <a:r>
+              <a:rPr b="0" lang="en-US" sz="1800" spc="-1" strike="noStrike">
+                <a:solidFill>
+                  <a:srgbClr val="ffffff"/>
+                </a:solidFill>
+                <a:latin typeface="Century Schoolbook"/>
+                <a:ea typeface="DejaVu Sans"/>
+              </a:rPr>
+              <a:t>d </a:t>
+            </a:r>
+            <a:r>
+              <a:rPr b="0" lang="en-US" sz="1800" spc="-1" strike="noStrike">
+                <a:solidFill>
+                  <a:srgbClr val="ffffff"/>
+                </a:solidFill>
+                <a:latin typeface="Century Schoolbook"/>
+                <a:ea typeface="DejaVu Sans"/>
+              </a:rPr>
+              <a:t>Kalman </a:t>
+            </a:r>
+            <a:r>
+              <a:rPr b="0" lang="en-US" sz="1800" spc="-1" strike="noStrike">
+                <a:solidFill>
+                  <a:srgbClr val="ffffff"/>
+                </a:solidFill>
+                <a:latin typeface="Century Schoolbook"/>
+                <a:ea typeface="DejaVu Sans"/>
+              </a:rPr>
+              <a:t>filter </a:t>
+            </a:r>
+            <a:r>
+              <a:rPr b="0" lang="en-US" sz="1800" spc="-1" strike="noStrike">
+                <a:solidFill>
+                  <a:srgbClr val="ffffff"/>
+                </a:solidFill>
+                <a:latin typeface="Century Schoolbook"/>
+                <a:ea typeface="DejaVu Sans"/>
+              </a:rPr>
+              <a:t>(EKF)</a:t>
             </a:r>
             <a:endParaRPr b="0" lang="en-AU" sz="1800" spc="-1" strike="noStrike">
               <a:latin typeface="Arial"/>
@@ -5666,7 +6652,37 @@
                 <a:latin typeface="Century Schoolbook"/>
                 <a:ea typeface="DejaVu Sans"/>
               </a:rPr>
-              <a:t>- Two main files to modify:</a:t>
+              <a:t>- Two </a:t>
+            </a:r>
+            <a:r>
+              <a:rPr b="0" lang="en-US" sz="1800" spc="-1" strike="noStrike">
+                <a:solidFill>
+                  <a:srgbClr val="ffffff"/>
+                </a:solidFill>
+                <a:latin typeface="Century Schoolbook"/>
+                <a:ea typeface="DejaVu Sans"/>
+              </a:rPr>
+              <a:t>main </a:t>
+            </a:r>
+            <a:r>
+              <a:rPr b="0" lang="en-US" sz="1800" spc="-1" strike="noStrike">
+                <a:solidFill>
+                  <a:srgbClr val="ffffff"/>
+                </a:solidFill>
+                <a:latin typeface="Century Schoolbook"/>
+                <a:ea typeface="DejaVu Sans"/>
+              </a:rPr>
+              <a:t>files to </a:t>
+            </a:r>
+            <a:r>
+              <a:rPr b="0" lang="en-US" sz="1800" spc="-1" strike="noStrike">
+                <a:solidFill>
+                  <a:srgbClr val="ffffff"/>
+                </a:solidFill>
+                <a:latin typeface="Century Schoolbook"/>
+                <a:ea typeface="DejaVu Sans"/>
+              </a:rPr>
+              <a:t>modify:</a:t>
             </a:r>
             <a:endParaRPr b="0" lang="en-AU" sz="1800" spc="-1" strike="noStrike">
               <a:latin typeface="Arial"/>
@@ -5707,7 +6723,87 @@
                 <a:latin typeface="Century Schoolbook"/>
                 <a:ea typeface="DejaVu Sans"/>
               </a:rPr>
-              <a:t>- “slam/ekf.py”: “predict()” and “update()” functions</a:t>
+              <a:t>- </a:t>
+            </a:r>
+            <a:r>
+              <a:rPr b="0" lang="en-US" sz="1800" spc="-1" strike="noStrike">
+                <a:solidFill>
+                  <a:srgbClr val="ffffff"/>
+                </a:solidFill>
+                <a:latin typeface="Century Schoolbook"/>
+                <a:ea typeface="DejaVu Sans"/>
+              </a:rPr>
+              <a:t>“slam/e</a:t>
+            </a:r>
+            <a:r>
+              <a:rPr b="0" lang="en-US" sz="1800" spc="-1" strike="noStrike">
+                <a:solidFill>
+                  <a:srgbClr val="ffffff"/>
+                </a:solidFill>
+                <a:latin typeface="Century Schoolbook"/>
+                <a:ea typeface="DejaVu Sans"/>
+              </a:rPr>
+              <a:t>kf.py”: </a:t>
+            </a:r>
+            <a:r>
+              <a:rPr b="0" lang="en-US" sz="1800" spc="-1" strike="noStrike">
+                <a:solidFill>
+                  <a:srgbClr val="ffffff"/>
+                </a:solidFill>
+                <a:latin typeface="Century Schoolbook"/>
+                <a:ea typeface="DejaVu Sans"/>
+              </a:rPr>
+              <a:t>“predict</a:t>
+            </a:r>
+            <a:r>
+              <a:rPr b="0" lang="en-US" sz="1800" spc="-1" strike="noStrike">
+                <a:solidFill>
+                  <a:srgbClr val="ffffff"/>
+                </a:solidFill>
+                <a:latin typeface="Century Schoolbook"/>
+                <a:ea typeface="DejaVu Sans"/>
+              </a:rPr>
+              <a:t>()” and </a:t>
+            </a:r>
+            <a:r>
+              <a:rPr b="0" lang="en-US" sz="1800" spc="-1" strike="noStrike">
+                <a:solidFill>
+                  <a:srgbClr val="ffffff"/>
+                </a:solidFill>
+                <a:latin typeface="Century Schoolbook"/>
+                <a:ea typeface="DejaVu Sans"/>
+              </a:rPr>
+              <a:t>“update</a:t>
+            </a:r>
+            <a:r>
+              <a:rPr b="0" lang="en-US" sz="1800" spc="-1" strike="noStrike">
+                <a:solidFill>
+                  <a:srgbClr val="ffffff"/>
+                </a:solidFill>
+                <a:latin typeface="Century Schoolbook"/>
+                <a:ea typeface="DejaVu Sans"/>
+              </a:rPr>
+              <a:t>()” </a:t>
+            </a:r>
+            <a:r>
+              <a:rPr b="0" lang="en-US" sz="1800" spc="-1" strike="noStrike">
+                <a:solidFill>
+                  <a:srgbClr val="ffffff"/>
+                </a:solidFill>
+                <a:latin typeface="Century Schoolbook"/>
+                <a:ea typeface="DejaVu Sans"/>
+              </a:rPr>
+              <a:t>function</a:t>
+            </a:r>
+            <a:r>
+              <a:rPr b="0" lang="en-US" sz="1800" spc="-1" strike="noStrike">
+                <a:solidFill>
+                  <a:srgbClr val="ffffff"/>
+                </a:solidFill>
+                <a:latin typeface="Century Schoolbook"/>
+                <a:ea typeface="DejaVu Sans"/>
+              </a:rPr>
+              <a:t>s</a:t>
             </a:r>
             <a:endParaRPr b="0" lang="en-AU" sz="1800" spc="-1" strike="noStrike">
               <a:latin typeface="Arial"/>
@@ -5748,7 +6844,107 @@
                 <a:latin typeface="Century Schoolbook"/>
                 <a:ea typeface="DejaVu Sans"/>
               </a:rPr>
-              <a:t>- “slam/robot.py”: “derivative_drive()” and “covariance_drive()” functions</a:t>
+              <a:t>- </a:t>
+            </a:r>
+            <a:r>
+              <a:rPr b="0" lang="en-US" sz="1800" spc="-1" strike="noStrike">
+                <a:solidFill>
+                  <a:srgbClr val="ffffff"/>
+                </a:solidFill>
+                <a:latin typeface="Century Schoolbook"/>
+                <a:ea typeface="DejaVu Sans"/>
+              </a:rPr>
+              <a:t>“slam/ro</a:t>
+            </a:r>
+            <a:r>
+              <a:rPr b="0" lang="en-US" sz="1800" spc="-1" strike="noStrike">
+                <a:solidFill>
+                  <a:srgbClr val="ffffff"/>
+                </a:solidFill>
+                <a:latin typeface="Century Schoolbook"/>
+                <a:ea typeface="DejaVu Sans"/>
+              </a:rPr>
+              <a:t>bot.py”: </a:t>
+            </a:r>
+            <a:r>
+              <a:rPr b="0" lang="en-US" sz="1800" spc="-1" strike="noStrike">
+                <a:solidFill>
+                  <a:srgbClr val="ffffff"/>
+                </a:solidFill>
+                <a:latin typeface="Century Schoolbook"/>
+                <a:ea typeface="DejaVu Sans"/>
+              </a:rPr>
+              <a:t>“derivat</a:t>
+            </a:r>
+            <a:r>
+              <a:rPr b="0" lang="en-US" sz="1800" spc="-1" strike="noStrike">
+                <a:solidFill>
+                  <a:srgbClr val="ffffff"/>
+                </a:solidFill>
+                <a:latin typeface="Century Schoolbook"/>
+                <a:ea typeface="DejaVu Sans"/>
+              </a:rPr>
+              <a:t>ive_driv</a:t>
+            </a:r>
+            <a:r>
+              <a:rPr b="0" lang="en-US" sz="1800" spc="-1" strike="noStrike">
+                <a:solidFill>
+                  <a:srgbClr val="ffffff"/>
+                </a:solidFill>
+                <a:latin typeface="Century Schoolbook"/>
+                <a:ea typeface="DejaVu Sans"/>
+              </a:rPr>
+              <a:t>e()” and </a:t>
+            </a:r>
+            <a:r>
+              <a:rPr b="0" lang="en-US" sz="1800" spc="-1" strike="noStrike">
+                <a:solidFill>
+                  <a:srgbClr val="ffffff"/>
+                </a:solidFill>
+                <a:latin typeface="Century Schoolbook"/>
+                <a:ea typeface="DejaVu Sans"/>
+              </a:rPr>
+              <a:t>“covaria</a:t>
+            </a:r>
+            <a:r>
+              <a:rPr b="0" lang="en-US" sz="1800" spc="-1" strike="noStrike">
+                <a:solidFill>
+                  <a:srgbClr val="ffffff"/>
+                </a:solidFill>
+                <a:latin typeface="Century Schoolbook"/>
+                <a:ea typeface="DejaVu Sans"/>
+              </a:rPr>
+              <a:t>nce_dri</a:t>
+            </a:r>
+            <a:r>
+              <a:rPr b="0" lang="en-US" sz="1800" spc="-1" strike="noStrike">
+                <a:solidFill>
+                  <a:srgbClr val="ffffff"/>
+                </a:solidFill>
+                <a:latin typeface="Century Schoolbook"/>
+                <a:ea typeface="DejaVu Sans"/>
+              </a:rPr>
+              <a:t>ve()” </a:t>
+            </a:r>
+            <a:r>
+              <a:rPr b="0" lang="en-US" sz="1800" spc="-1" strike="noStrike">
+                <a:solidFill>
+                  <a:srgbClr val="ffffff"/>
+                </a:solidFill>
+                <a:latin typeface="Century Schoolbook"/>
+                <a:ea typeface="DejaVu Sans"/>
+              </a:rPr>
+              <a:t>function</a:t>
+            </a:r>
+            <a:r>
+              <a:rPr b="0" lang="en-US" sz="1800" spc="-1" strike="noStrike">
+                <a:solidFill>
+                  <a:srgbClr val="ffffff"/>
+                </a:solidFill>
+                <a:latin typeface="Century Schoolbook"/>
+                <a:ea typeface="DejaVu Sans"/>
+              </a:rPr>
+              <a:t>s</a:t>
             </a:r>
             <a:endParaRPr b="0" lang="en-AU" sz="1800" spc="-1" strike="noStrike">
               <a:latin typeface="Arial"/>
@@ -5790,19 +6986,128 @@
                 <a:latin typeface="Century Schoolbook"/>
                 <a:ea typeface="DejaVu Sans"/>
               </a:rPr>
-              <a:t>- Your solution should automatically generate “lab_output/slam.txt” for evaluation</a:t>
-            </a:r>
-            <a:endParaRPr b="0" lang="en-AU" sz="1800" spc="-1" strike="noStrike">
-              <a:latin typeface="Arial"/>
-            </a:endParaRPr>
-          </a:p>
-          <a:p>
-            <a:pPr>
-              <a:lnSpc>
-                <a:spcPct val="100000"/>
-              </a:lnSpc>
-              <a:buNone/>
-            </a:pPr>
+              <a:t>- Your </a:t>
+            </a:r>
+            <a:r>
+              <a:rPr b="0" lang="en-US" sz="1800" spc="-1" strike="noStrike">
+                <a:solidFill>
+                  <a:srgbClr val="ffffff"/>
+                </a:solidFill>
+                <a:latin typeface="Century Schoolbook"/>
+                <a:ea typeface="DejaVu Sans"/>
+              </a:rPr>
+              <a:t>solution </a:t>
+            </a:r>
+            <a:r>
+              <a:rPr b="0" lang="en-US" sz="1800" spc="-1" strike="noStrike">
+                <a:solidFill>
+                  <a:srgbClr val="ffffff"/>
+                </a:solidFill>
+                <a:latin typeface="Century Schoolbook"/>
+                <a:ea typeface="DejaVu Sans"/>
+              </a:rPr>
+              <a:t>should </a:t>
+            </a:r>
+            <a:r>
+              <a:rPr b="0" lang="en-US" sz="1800" spc="-1" strike="noStrike">
+                <a:solidFill>
+                  <a:srgbClr val="ffffff"/>
+                </a:solidFill>
+                <a:latin typeface="Century Schoolbook"/>
+                <a:ea typeface="DejaVu Sans"/>
+              </a:rPr>
+              <a:t>automat</a:t>
+            </a:r>
+            <a:r>
+              <a:rPr b="0" lang="en-US" sz="1800" spc="-1" strike="noStrike">
+                <a:solidFill>
+                  <a:srgbClr val="ffffff"/>
+                </a:solidFill>
+                <a:latin typeface="Century Schoolbook"/>
+                <a:ea typeface="DejaVu Sans"/>
+              </a:rPr>
+              <a:t>ically </a:t>
+            </a:r>
+            <a:r>
+              <a:rPr b="0" lang="en-US" sz="1800" spc="-1" strike="noStrike">
+                <a:solidFill>
+                  <a:srgbClr val="ffffff"/>
+                </a:solidFill>
+                <a:latin typeface="Century Schoolbook"/>
+                <a:ea typeface="DejaVu Sans"/>
+              </a:rPr>
+              <a:t>generat</a:t>
+            </a:r>
+            <a:r>
+              <a:rPr b="0" lang="en-US" sz="1800" spc="-1" strike="noStrike">
+                <a:solidFill>
+                  <a:srgbClr val="ffffff"/>
+                </a:solidFill>
+                <a:latin typeface="Century Schoolbook"/>
+                <a:ea typeface="DejaVu Sans"/>
+              </a:rPr>
+              <a:t>e </a:t>
+            </a:r>
+            <a:r>
+              <a:rPr b="0" lang="en-US" sz="1800" spc="-1" strike="noStrike">
+                <a:solidFill>
+                  <a:srgbClr val="ffffff"/>
+                </a:solidFill>
+                <a:latin typeface="Century Schoolbook"/>
+                <a:ea typeface="DejaVu Sans"/>
+              </a:rPr>
+              <a:t>“lab_out</a:t>
+            </a:r>
+            <a:r>
+              <a:rPr b="0" lang="en-US" sz="1800" spc="-1" strike="noStrike">
+                <a:solidFill>
+                  <a:srgbClr val="ffffff"/>
+                </a:solidFill>
+                <a:latin typeface="Century Schoolbook"/>
+                <a:ea typeface="DejaVu Sans"/>
+              </a:rPr>
+              <a:t>put/sla</a:t>
+            </a:r>
+            <a:r>
+              <a:rPr b="0" lang="en-US" sz="1800" spc="-1" strike="noStrike">
+                <a:solidFill>
+                  <a:srgbClr val="ffffff"/>
+                </a:solidFill>
+                <a:latin typeface="Century Schoolbook"/>
+                <a:ea typeface="DejaVu Sans"/>
+              </a:rPr>
+              <a:t>m.txt” </a:t>
+            </a:r>
+            <a:r>
+              <a:rPr b="0" lang="en-US" sz="1800" spc="-1" strike="noStrike">
+                <a:solidFill>
+                  <a:srgbClr val="ffffff"/>
+                </a:solidFill>
+                <a:latin typeface="Century Schoolbook"/>
+                <a:ea typeface="DejaVu Sans"/>
+              </a:rPr>
+              <a:t>for </a:t>
+            </a:r>
+            <a:r>
+              <a:rPr b="0" lang="en-US" sz="1800" spc="-1" strike="noStrike">
+                <a:solidFill>
+                  <a:srgbClr val="ffffff"/>
+                </a:solidFill>
+                <a:latin typeface="Century Schoolbook"/>
+                <a:ea typeface="DejaVu Sans"/>
+              </a:rPr>
+              <a:t>evaluati</a:t>
+            </a:r>
+            <a:r>
+              <a:rPr b="0" lang="en-US" sz="1800" spc="-1" strike="noStrike">
+                <a:solidFill>
+                  <a:srgbClr val="ffffff"/>
+                </a:solidFill>
+                <a:latin typeface="Century Schoolbook"/>
+                <a:ea typeface="DejaVu Sans"/>
+              </a:rPr>
+              <a:t>on</a:t>
+            </a:r>
             <a:endParaRPr b="0" lang="en-AU" sz="1800" spc="-1" strike="noStrike">
               <a:latin typeface="Arial"/>
             </a:endParaRPr>
@@ -5848,7 +7153,7 @@
         <p:spPr>
           <a:xfrm>
             <a:off x="478080" y="172440"/>
-            <a:ext cx="11712960" cy="820800"/>
+            <a:ext cx="11712600" cy="820800"/>
           </a:xfrm>
           <a:prstGeom prst="rect">
             <a:avLst/>
@@ -5883,7 +7188,67 @@
                 <a:latin typeface="Century Schoolbook"/>
                 <a:ea typeface="DejaVu Sans"/>
               </a:rPr>
-              <a:t>M2 – Evaluation</a:t>
+              <a:t>M</a:t>
+            </a:r>
+            <a:r>
+              <a:rPr b="0" lang="en-AU" sz="4800" spc="-1" strike="noStrike">
+                <a:solidFill>
+                  <a:srgbClr val="ffffff"/>
+                </a:solidFill>
+                <a:latin typeface="Century Schoolbook"/>
+                <a:ea typeface="DejaVu Sans"/>
+              </a:rPr>
+              <a:t>2 – </a:t>
+            </a:r>
+            <a:r>
+              <a:rPr b="0" lang="en-AU" sz="4800" spc="-1" strike="noStrike">
+                <a:solidFill>
+                  <a:srgbClr val="ffffff"/>
+                </a:solidFill>
+                <a:latin typeface="Century Schoolbook"/>
+                <a:ea typeface="DejaVu Sans"/>
+              </a:rPr>
+              <a:t>Ev</a:t>
+            </a:r>
+            <a:r>
+              <a:rPr b="0" lang="en-AU" sz="4800" spc="-1" strike="noStrike">
+                <a:solidFill>
+                  <a:srgbClr val="ffffff"/>
+                </a:solidFill>
+                <a:latin typeface="Century Schoolbook"/>
+                <a:ea typeface="DejaVu Sans"/>
+              </a:rPr>
+              <a:t>al</a:t>
+            </a:r>
+            <a:r>
+              <a:rPr b="0" lang="en-AU" sz="4800" spc="-1" strike="noStrike">
+                <a:solidFill>
+                  <a:srgbClr val="ffffff"/>
+                </a:solidFill>
+                <a:latin typeface="Century Schoolbook"/>
+                <a:ea typeface="DejaVu Sans"/>
+              </a:rPr>
+              <a:t>ua</a:t>
+            </a:r>
+            <a:r>
+              <a:rPr b="0" lang="en-AU" sz="4800" spc="-1" strike="noStrike">
+                <a:solidFill>
+                  <a:srgbClr val="ffffff"/>
+                </a:solidFill>
+                <a:latin typeface="Century Schoolbook"/>
+                <a:ea typeface="DejaVu Sans"/>
+              </a:rPr>
+              <a:t>tio</a:t>
+            </a:r>
+            <a:r>
+              <a:rPr b="0" lang="en-AU" sz="4800" spc="-1" strike="noStrike">
+                <a:solidFill>
+                  <a:srgbClr val="ffffff"/>
+                </a:solidFill>
+                <a:latin typeface="Century Schoolbook"/>
+                <a:ea typeface="DejaVu Sans"/>
+              </a:rPr>
+              <a:t>n</a:t>
             </a:r>
             <a:endParaRPr b="0" lang="en-AU" sz="4800" spc="-1" strike="noStrike">
               <a:latin typeface="Arial"/>
@@ -5900,7 +7265,7 @@
         <p:spPr>
           <a:xfrm>
             <a:off x="478080" y="1143000"/>
-            <a:ext cx="11526120" cy="5027400"/>
+            <a:ext cx="11525760" cy="4753800"/>
           </a:xfrm>
           <a:prstGeom prst="rect">
             <a:avLst/>
@@ -5935,7 +7300,287 @@
                 <a:latin typeface="Century Schoolbook"/>
                 <a:ea typeface="DejaVu Sans"/>
               </a:rPr>
-              <a:t>Your received mark for this milestone will depend on the output of the “SLAM_eval.py” script which compares the true marker positions and your estimated marker position in “lab_output/slam.txt”</a:t>
+              <a:t>Your </a:t>
+            </a:r>
+            <a:r>
+              <a:rPr b="0" lang="en-US" sz="1800" spc="-1" strike="noStrike">
+                <a:solidFill>
+                  <a:srgbClr val="ffffff"/>
+                </a:solidFill>
+                <a:latin typeface="Century Schoolbook"/>
+                <a:ea typeface="DejaVu Sans"/>
+              </a:rPr>
+              <a:t>received </a:t>
+            </a:r>
+            <a:r>
+              <a:rPr b="0" lang="en-US" sz="1800" spc="-1" strike="noStrike">
+                <a:solidFill>
+                  <a:srgbClr val="ffffff"/>
+                </a:solidFill>
+                <a:latin typeface="Century Schoolbook"/>
+                <a:ea typeface="DejaVu Sans"/>
+              </a:rPr>
+              <a:t>mark </a:t>
+            </a:r>
+            <a:r>
+              <a:rPr b="0" lang="en-US" sz="1800" spc="-1" strike="noStrike">
+                <a:solidFill>
+                  <a:srgbClr val="ffffff"/>
+                </a:solidFill>
+                <a:latin typeface="Century Schoolbook"/>
+                <a:ea typeface="DejaVu Sans"/>
+              </a:rPr>
+              <a:t>for this </a:t>
+            </a:r>
+            <a:r>
+              <a:rPr b="0" lang="en-US" sz="1800" spc="-1" strike="noStrike">
+                <a:solidFill>
+                  <a:srgbClr val="ffffff"/>
+                </a:solidFill>
+                <a:latin typeface="Century Schoolbook"/>
+                <a:ea typeface="DejaVu Sans"/>
+              </a:rPr>
+              <a:t>milesto</a:t>
+            </a:r>
+            <a:r>
+              <a:rPr b="0" lang="en-US" sz="1800" spc="-1" strike="noStrike">
+                <a:solidFill>
+                  <a:srgbClr val="ffffff"/>
+                </a:solidFill>
+                <a:latin typeface="Century Schoolbook"/>
+                <a:ea typeface="DejaVu Sans"/>
+              </a:rPr>
+              <a:t>ne will </a:t>
+            </a:r>
+            <a:r>
+              <a:rPr b="0" lang="en-US" sz="1800" spc="-1" strike="noStrike">
+                <a:solidFill>
+                  <a:srgbClr val="ffffff"/>
+                </a:solidFill>
+                <a:latin typeface="Century Schoolbook"/>
+                <a:ea typeface="DejaVu Sans"/>
+              </a:rPr>
+              <a:t>depend </a:t>
+            </a:r>
+            <a:r>
+              <a:rPr b="0" lang="en-US" sz="1800" spc="-1" strike="noStrike">
+                <a:solidFill>
+                  <a:srgbClr val="ffffff"/>
+                </a:solidFill>
+                <a:latin typeface="Century Schoolbook"/>
+                <a:ea typeface="DejaVu Sans"/>
+              </a:rPr>
+              <a:t>on the </a:t>
+            </a:r>
+            <a:r>
+              <a:rPr b="0" lang="en-US" sz="1800" spc="-1" strike="noStrike">
+                <a:solidFill>
+                  <a:srgbClr val="ffffff"/>
+                </a:solidFill>
+                <a:latin typeface="Century Schoolbook"/>
+                <a:ea typeface="DejaVu Sans"/>
+              </a:rPr>
+              <a:t>output </a:t>
+            </a:r>
+            <a:r>
+              <a:rPr b="0" lang="en-US" sz="1800" spc="-1" strike="noStrike">
+                <a:solidFill>
+                  <a:srgbClr val="ffffff"/>
+                </a:solidFill>
+                <a:latin typeface="Century Schoolbook"/>
+                <a:ea typeface="DejaVu Sans"/>
+              </a:rPr>
+              <a:t>of the </a:t>
+            </a:r>
+            <a:r>
+              <a:rPr b="0" lang="en-US" sz="1800" spc="-1" strike="noStrike">
+                <a:solidFill>
+                  <a:srgbClr val="ffffff"/>
+                </a:solidFill>
+                <a:latin typeface="Century Schoolbook"/>
+                <a:ea typeface="DejaVu Sans"/>
+              </a:rPr>
+              <a:t>“SLAM</a:t>
+            </a:r>
+            <a:r>
+              <a:rPr b="0" lang="en-US" sz="1800" spc="-1" strike="noStrike">
+                <a:solidFill>
+                  <a:srgbClr val="ffffff"/>
+                </a:solidFill>
+                <a:latin typeface="Century Schoolbook"/>
+                <a:ea typeface="DejaVu Sans"/>
+              </a:rPr>
+              <a:t>_eval.py</a:t>
+            </a:r>
+            <a:r>
+              <a:rPr b="0" lang="en-US" sz="1800" spc="-1" strike="noStrike">
+                <a:solidFill>
+                  <a:srgbClr val="ffffff"/>
+                </a:solidFill>
+                <a:latin typeface="Century Schoolbook"/>
+                <a:ea typeface="DejaVu Sans"/>
+              </a:rPr>
+              <a:t>” script </a:t>
+            </a:r>
+            <a:r>
+              <a:rPr b="0" lang="en-US" sz="1800" spc="-1" strike="noStrike">
+                <a:solidFill>
+                  <a:srgbClr val="ffffff"/>
+                </a:solidFill>
+                <a:latin typeface="Century Schoolbook"/>
+                <a:ea typeface="DejaVu Sans"/>
+              </a:rPr>
+              <a:t>which </a:t>
+            </a:r>
+            <a:r>
+              <a:rPr b="0" lang="en-US" sz="1800" spc="-1" strike="noStrike">
+                <a:solidFill>
+                  <a:srgbClr val="ffffff"/>
+                </a:solidFill>
+                <a:latin typeface="Century Schoolbook"/>
+                <a:ea typeface="DejaVu Sans"/>
+              </a:rPr>
+              <a:t>compar</a:t>
+            </a:r>
+            <a:r>
+              <a:rPr b="0" lang="en-US" sz="1800" spc="-1" strike="noStrike">
+                <a:solidFill>
+                  <a:srgbClr val="ffffff"/>
+                </a:solidFill>
+                <a:latin typeface="Century Schoolbook"/>
+                <a:ea typeface="DejaVu Sans"/>
+              </a:rPr>
+              <a:t>es the </a:t>
+            </a:r>
+            <a:r>
+              <a:rPr b="0" lang="en-US" sz="1800" spc="-1" strike="noStrike">
+                <a:solidFill>
+                  <a:srgbClr val="ffffff"/>
+                </a:solidFill>
+                <a:latin typeface="Century Schoolbook"/>
+                <a:ea typeface="DejaVu Sans"/>
+              </a:rPr>
+              <a:t>true </a:t>
+            </a:r>
+            <a:r>
+              <a:rPr b="0" lang="en-US" sz="1800" spc="-1" strike="noStrike">
+                <a:solidFill>
+                  <a:srgbClr val="ffffff"/>
+                </a:solidFill>
+                <a:latin typeface="Century Schoolbook"/>
+                <a:ea typeface="DejaVu Sans"/>
+              </a:rPr>
+              <a:t>marker </a:t>
+            </a:r>
+            <a:r>
+              <a:rPr b="0" lang="en-US" sz="1800" spc="-1" strike="noStrike">
+                <a:solidFill>
+                  <a:srgbClr val="ffffff"/>
+                </a:solidFill>
+                <a:latin typeface="Century Schoolbook"/>
+                <a:ea typeface="DejaVu Sans"/>
+              </a:rPr>
+              <a:t>position</a:t>
+            </a:r>
+            <a:r>
+              <a:rPr b="0" lang="en-US" sz="1800" spc="-1" strike="noStrike">
+                <a:solidFill>
+                  <a:srgbClr val="ffffff"/>
+                </a:solidFill>
+                <a:latin typeface="Century Schoolbook"/>
+                <a:ea typeface="DejaVu Sans"/>
+              </a:rPr>
+              <a:t>s and </a:t>
+            </a:r>
+            <a:r>
+              <a:rPr b="0" lang="en-US" sz="1800" spc="-1" strike="noStrike">
+                <a:solidFill>
+                  <a:srgbClr val="ffffff"/>
+                </a:solidFill>
+                <a:latin typeface="Century Schoolbook"/>
+                <a:ea typeface="DejaVu Sans"/>
+              </a:rPr>
+              <a:t>your </a:t>
+            </a:r>
+            <a:r>
+              <a:rPr b="0" lang="en-US" sz="1800" spc="-1" strike="noStrike">
+                <a:solidFill>
+                  <a:srgbClr val="ffffff"/>
+                </a:solidFill>
+                <a:latin typeface="Century Schoolbook"/>
+                <a:ea typeface="DejaVu Sans"/>
+              </a:rPr>
+              <a:t>estimat</a:t>
+            </a:r>
+            <a:r>
+              <a:rPr b="0" lang="en-US" sz="1800" spc="-1" strike="noStrike">
+                <a:solidFill>
+                  <a:srgbClr val="ffffff"/>
+                </a:solidFill>
+                <a:latin typeface="Century Schoolbook"/>
+                <a:ea typeface="DejaVu Sans"/>
+              </a:rPr>
+              <a:t>ed </a:t>
+            </a:r>
+            <a:r>
+              <a:rPr b="0" lang="en-US" sz="1800" spc="-1" strike="noStrike">
+                <a:solidFill>
+                  <a:srgbClr val="ffffff"/>
+                </a:solidFill>
+                <a:latin typeface="Century Schoolbook"/>
+                <a:ea typeface="DejaVu Sans"/>
+              </a:rPr>
+              <a:t>marker </a:t>
+            </a:r>
+            <a:r>
+              <a:rPr b="0" lang="en-US" sz="1800" spc="-1" strike="noStrike">
+                <a:solidFill>
+                  <a:srgbClr val="ffffff"/>
+                </a:solidFill>
+                <a:latin typeface="Century Schoolbook"/>
+                <a:ea typeface="DejaVu Sans"/>
+              </a:rPr>
+              <a:t>position </a:t>
+            </a:r>
+            <a:r>
+              <a:rPr b="0" lang="en-US" sz="1800" spc="-1" strike="noStrike">
+                <a:solidFill>
+                  <a:srgbClr val="ffffff"/>
+                </a:solidFill>
+                <a:latin typeface="Century Schoolbook"/>
+                <a:ea typeface="DejaVu Sans"/>
+              </a:rPr>
+              <a:t>in </a:t>
+            </a:r>
+            <a:r>
+              <a:rPr b="0" lang="en-US" sz="1800" spc="-1" strike="noStrike">
+                <a:solidFill>
+                  <a:srgbClr val="ffffff"/>
+                </a:solidFill>
+                <a:latin typeface="Century Schoolbook"/>
+                <a:ea typeface="DejaVu Sans"/>
+              </a:rPr>
+              <a:t>“lab_out</a:t>
+            </a:r>
+            <a:r>
+              <a:rPr b="0" lang="en-US" sz="1800" spc="-1" strike="noStrike">
+                <a:solidFill>
+                  <a:srgbClr val="ffffff"/>
+                </a:solidFill>
+                <a:latin typeface="Century Schoolbook"/>
+                <a:ea typeface="DejaVu Sans"/>
+              </a:rPr>
+              <a:t>put/sla</a:t>
+            </a:r>
+            <a:r>
+              <a:rPr b="0" lang="en-US" sz="1800" spc="-1" strike="noStrike">
+                <a:solidFill>
+                  <a:srgbClr val="ffffff"/>
+                </a:solidFill>
+                <a:latin typeface="Century Schoolbook"/>
+                <a:ea typeface="DejaVu Sans"/>
+              </a:rPr>
+              <a:t>m.txt”</a:t>
             </a:r>
             <a:endParaRPr b="0" lang="en-AU" sz="1800" spc="-1" strike="noStrike">
               <a:latin typeface="Arial"/>
@@ -5977,7 +7622,207 @@
                 <a:latin typeface="Century Schoolbook"/>
                 <a:ea typeface="DejaVu Sans"/>
               </a:rPr>
-              <a:t>SLAM_eval.py” will calculate an aligned RMSE to evaluate how well your solution worked at estimating the position of ArUco markers</a:t>
+              <a:t>SLAM_</a:t>
+            </a:r>
+            <a:r>
+              <a:rPr b="0" lang="en-US" sz="1800" spc="-1" strike="noStrike">
+                <a:solidFill>
+                  <a:srgbClr val="ffffff"/>
+                </a:solidFill>
+                <a:latin typeface="Century Schoolbook"/>
+                <a:ea typeface="DejaVu Sans"/>
+              </a:rPr>
+              <a:t>eval.py” </a:t>
+            </a:r>
+            <a:r>
+              <a:rPr b="0" lang="en-US" sz="1800" spc="-1" strike="noStrike">
+                <a:solidFill>
+                  <a:srgbClr val="ffffff"/>
+                </a:solidFill>
+                <a:latin typeface="Century Schoolbook"/>
+                <a:ea typeface="DejaVu Sans"/>
+              </a:rPr>
+              <a:t>will </a:t>
+            </a:r>
+            <a:r>
+              <a:rPr b="0" lang="en-US" sz="1800" spc="-1" strike="noStrike">
+                <a:solidFill>
+                  <a:srgbClr val="ffffff"/>
+                </a:solidFill>
+                <a:latin typeface="Century Schoolbook"/>
+                <a:ea typeface="DejaVu Sans"/>
+              </a:rPr>
+              <a:t>calculat</a:t>
+            </a:r>
+            <a:r>
+              <a:rPr b="0" lang="en-US" sz="1800" spc="-1" strike="noStrike">
+                <a:solidFill>
+                  <a:srgbClr val="ffffff"/>
+                </a:solidFill>
+                <a:latin typeface="Century Schoolbook"/>
+                <a:ea typeface="DejaVu Sans"/>
+              </a:rPr>
+              <a:t>e an </a:t>
+            </a:r>
+            <a:r>
+              <a:rPr b="0" lang="en-US" sz="1800" spc="-1" strike="noStrike">
+                <a:solidFill>
+                  <a:srgbClr val="ffffff"/>
+                </a:solidFill>
+                <a:latin typeface="Century Schoolbook"/>
+                <a:ea typeface="DejaVu Sans"/>
+              </a:rPr>
+              <a:t>aligned </a:t>
+            </a:r>
+            <a:r>
+              <a:rPr b="0" lang="en-US" sz="1800" spc="-1" strike="noStrike">
+                <a:solidFill>
+                  <a:srgbClr val="ffffff"/>
+                </a:solidFill>
+                <a:latin typeface="Century Schoolbook"/>
+                <a:ea typeface="DejaVu Sans"/>
+              </a:rPr>
+              <a:t>RMSE </a:t>
+            </a:r>
+            <a:r>
+              <a:rPr b="0" lang="en-US" sz="1800" spc="-1" strike="noStrike">
+                <a:solidFill>
+                  <a:srgbClr val="ffffff"/>
+                </a:solidFill>
+                <a:latin typeface="Century Schoolbook"/>
+                <a:ea typeface="DejaVu Sans"/>
+              </a:rPr>
+              <a:t>to </a:t>
+            </a:r>
+            <a:r>
+              <a:rPr b="0" lang="en-US" sz="1800" spc="-1" strike="noStrike">
+                <a:solidFill>
+                  <a:srgbClr val="ffffff"/>
+                </a:solidFill>
+                <a:latin typeface="Century Schoolbook"/>
+                <a:ea typeface="DejaVu Sans"/>
+              </a:rPr>
+              <a:t>evaluat</a:t>
+            </a:r>
+            <a:r>
+              <a:rPr b="0" lang="en-US" sz="1800" spc="-1" strike="noStrike">
+                <a:solidFill>
+                  <a:srgbClr val="ffffff"/>
+                </a:solidFill>
+                <a:latin typeface="Century Schoolbook"/>
+                <a:ea typeface="DejaVu Sans"/>
+              </a:rPr>
+              <a:t>e how </a:t>
+            </a:r>
+            <a:r>
+              <a:rPr b="0" lang="en-US" sz="1800" spc="-1" strike="noStrike">
+                <a:solidFill>
+                  <a:srgbClr val="ffffff"/>
+                </a:solidFill>
+                <a:latin typeface="Century Schoolbook"/>
+                <a:ea typeface="DejaVu Sans"/>
+              </a:rPr>
+              <a:t>well </a:t>
+            </a:r>
+            <a:r>
+              <a:rPr b="0" lang="en-US" sz="1800" spc="-1" strike="noStrike">
+                <a:solidFill>
+                  <a:srgbClr val="ffffff"/>
+                </a:solidFill>
+                <a:latin typeface="Century Schoolbook"/>
+                <a:ea typeface="DejaVu Sans"/>
+              </a:rPr>
+              <a:t>your </a:t>
+            </a:r>
+            <a:r>
+              <a:rPr b="0" lang="en-US" sz="1800" spc="-1" strike="noStrike">
+                <a:solidFill>
+                  <a:srgbClr val="ffffff"/>
+                </a:solidFill>
+                <a:latin typeface="Century Schoolbook"/>
+                <a:ea typeface="DejaVu Sans"/>
+              </a:rPr>
+              <a:t>solution </a:t>
+            </a:r>
+            <a:r>
+              <a:rPr b="0" lang="en-US" sz="1800" spc="-1" strike="noStrike">
+                <a:solidFill>
+                  <a:srgbClr val="ffffff"/>
+                </a:solidFill>
+                <a:latin typeface="Century Schoolbook"/>
+                <a:ea typeface="DejaVu Sans"/>
+              </a:rPr>
+              <a:t>worked </a:t>
+            </a:r>
+            <a:r>
+              <a:rPr b="0" lang="en-US" sz="1800" spc="-1" strike="noStrike">
+                <a:solidFill>
+                  <a:srgbClr val="ffffff"/>
+                </a:solidFill>
+                <a:latin typeface="Century Schoolbook"/>
+                <a:ea typeface="DejaVu Sans"/>
+              </a:rPr>
+              <a:t>at </a:t>
+            </a:r>
+            <a:r>
+              <a:rPr b="0" lang="en-US" sz="1800" spc="-1" strike="noStrike">
+                <a:solidFill>
+                  <a:srgbClr val="ffffff"/>
+                </a:solidFill>
+                <a:latin typeface="Century Schoolbook"/>
+                <a:ea typeface="DejaVu Sans"/>
+              </a:rPr>
+              <a:t>estimati</a:t>
+            </a:r>
+            <a:r>
+              <a:rPr b="0" lang="en-US" sz="1800" spc="-1" strike="noStrike">
+                <a:solidFill>
+                  <a:srgbClr val="ffffff"/>
+                </a:solidFill>
+                <a:latin typeface="Century Schoolbook"/>
+                <a:ea typeface="DejaVu Sans"/>
+              </a:rPr>
+              <a:t>ng the </a:t>
+            </a:r>
+            <a:r>
+              <a:rPr b="0" lang="en-US" sz="1800" spc="-1" strike="noStrike">
+                <a:solidFill>
+                  <a:srgbClr val="ffffff"/>
+                </a:solidFill>
+                <a:latin typeface="Century Schoolbook"/>
+                <a:ea typeface="DejaVu Sans"/>
+              </a:rPr>
+              <a:t>position </a:t>
+            </a:r>
+            <a:r>
+              <a:rPr b="0" lang="en-US" sz="1800" spc="-1" strike="noStrike">
+                <a:solidFill>
+                  <a:srgbClr val="ffffff"/>
+                </a:solidFill>
+                <a:latin typeface="Century Schoolbook"/>
+                <a:ea typeface="DejaVu Sans"/>
+              </a:rPr>
+              <a:t>of </a:t>
+            </a:r>
+            <a:r>
+              <a:rPr b="0" lang="en-US" sz="1800" spc="-1" strike="noStrike">
+                <a:solidFill>
+                  <a:srgbClr val="ffffff"/>
+                </a:solidFill>
+                <a:latin typeface="Century Schoolbook"/>
+                <a:ea typeface="DejaVu Sans"/>
+              </a:rPr>
+              <a:t>ArUco </a:t>
+            </a:r>
+            <a:r>
+              <a:rPr b="0" lang="en-US" sz="1800" spc="-1" strike="noStrike">
+                <a:solidFill>
+                  <a:srgbClr val="ffffff"/>
+                </a:solidFill>
+                <a:latin typeface="Century Schoolbook"/>
+                <a:ea typeface="DejaVu Sans"/>
+              </a:rPr>
+              <a:t>markers</a:t>
             </a:r>
             <a:endParaRPr b="0" lang="en-AU" sz="1800" spc="-1" strike="noStrike">
               <a:latin typeface="Arial"/>
@@ -6009,7 +7854,27 @@
                 <a:latin typeface="Century Schoolbook"/>
                 <a:ea typeface="DejaVu Sans"/>
               </a:rPr>
-              <a:t>Total of 100 points:</a:t>
+              <a:t>Total of </a:t>
+            </a:r>
+            <a:r>
+              <a:rPr b="0" lang="en-US" sz="1800" spc="-1" strike="noStrike">
+                <a:solidFill>
+                  <a:srgbClr val="ffffff"/>
+                </a:solidFill>
+                <a:latin typeface="Century Schoolbook"/>
+                <a:ea typeface="DejaVu Sans"/>
+              </a:rPr>
+              <a:t>100 </a:t>
+            </a:r>
+            <a:r>
+              <a:rPr b="0" lang="en-US" sz="1800" spc="-1" strike="noStrike">
+                <a:solidFill>
+                  <a:srgbClr val="ffffff"/>
+                </a:solidFill>
+                <a:latin typeface="Century Schoolbook"/>
+                <a:ea typeface="DejaVu Sans"/>
+              </a:rPr>
+              <a:t>points:</a:t>
             </a:r>
             <a:endParaRPr b="0" lang="en-AU" sz="1800" spc="-1" strike="noStrike">
               <a:latin typeface="Arial"/>
@@ -6051,7 +7916,77 @@
                 <a:latin typeface="Century Schoolbook"/>
                 <a:ea typeface="DejaVu Sans"/>
               </a:rPr>
-              <a:t>slam_score = [(0.12 – Aligned_RMSE)/(0.12-0.02)] x 80</a:t>
+              <a:t>slam_sc</a:t>
+            </a:r>
+            <a:r>
+              <a:rPr b="0" lang="en-US" sz="1800" spc="-1" strike="noStrike">
+                <a:solidFill>
+                  <a:srgbClr val="ffffff"/>
+                </a:solidFill>
+                <a:latin typeface="Century Schoolbook"/>
+                <a:ea typeface="DejaVu Sans"/>
+              </a:rPr>
+              <a:t>ore = </a:t>
+            </a:r>
+            <a:r>
+              <a:rPr b="0" lang="en-US" sz="1800" spc="-1" strike="noStrike">
+                <a:solidFill>
+                  <a:srgbClr val="ffffff"/>
+                </a:solidFill>
+                <a:latin typeface="Century Schoolbook"/>
+                <a:ea typeface="DejaVu Sans"/>
+              </a:rPr>
+              <a:t>[(0.12 – </a:t>
+            </a:r>
+            <a:r>
+              <a:rPr b="0" lang="en-US" sz="1800" spc="-1" strike="noStrike">
+                <a:solidFill>
+                  <a:srgbClr val="ffffff"/>
+                </a:solidFill>
+                <a:latin typeface="Century Schoolbook"/>
+                <a:ea typeface="DejaVu Sans"/>
+              </a:rPr>
+              <a:t>Aligned</a:t>
+            </a:r>
+            <a:r>
+              <a:rPr b="0" lang="en-US" sz="1800" spc="-1" strike="noStrike">
+                <a:solidFill>
+                  <a:srgbClr val="ffffff"/>
+                </a:solidFill>
+                <a:latin typeface="Century Schoolbook"/>
+                <a:ea typeface="DejaVu Sans"/>
+              </a:rPr>
+              <a:t>_RMSE)</a:t>
+            </a:r>
+            <a:r>
+              <a:rPr b="0" lang="en-US" sz="1800" spc="-1" strike="noStrike">
+                <a:solidFill>
+                  <a:srgbClr val="ffffff"/>
+                </a:solidFill>
+                <a:latin typeface="Century Schoolbook"/>
+                <a:ea typeface="DejaVu Sans"/>
+              </a:rPr>
+              <a:t>/(0.12-</a:t>
+            </a:r>
+            <a:r>
+              <a:rPr b="0" lang="en-US" sz="1800" spc="-1" strike="noStrike">
+                <a:solidFill>
+                  <a:srgbClr val="ffffff"/>
+                </a:solidFill>
+                <a:latin typeface="Century Schoolbook"/>
+                <a:ea typeface="DejaVu Sans"/>
+              </a:rPr>
+              <a:t>0.02)] x </a:t>
+            </a:r>
+            <a:r>
+              <a:rPr b="0" lang="en-US" sz="1800" spc="-1" strike="noStrike">
+                <a:solidFill>
+                  <a:srgbClr val="ffffff"/>
+                </a:solidFill>
+                <a:latin typeface="Century Schoolbook"/>
+                <a:ea typeface="DejaVu Sans"/>
+              </a:rPr>
+              <a:t>80</a:t>
             </a:r>
             <a:endParaRPr b="0" lang="en-AU" sz="1800" spc="-1" strike="noStrike">
               <a:latin typeface="Arial"/>
@@ -6082,7 +8017,147 @@
                 <a:latin typeface="Century Schoolbook"/>
                 <a:ea typeface="DejaVu Sans"/>
               </a:rPr>
-              <a:t>Total M2 mark = slam_score + (Number of Found Markers x 2) – (Number of Collided Markers x 5)</a:t>
+              <a:t>Total </a:t>
+            </a:r>
+            <a:r>
+              <a:rPr b="0" lang="en-US" sz="1800" spc="-1" strike="noStrike">
+                <a:solidFill>
+                  <a:srgbClr val="ffffff"/>
+                </a:solidFill>
+                <a:latin typeface="Century Schoolbook"/>
+                <a:ea typeface="DejaVu Sans"/>
+              </a:rPr>
+              <a:t>M2 </a:t>
+            </a:r>
+            <a:r>
+              <a:rPr b="0" lang="en-US" sz="1800" spc="-1" strike="noStrike">
+                <a:solidFill>
+                  <a:srgbClr val="ffffff"/>
+                </a:solidFill>
+                <a:latin typeface="Century Schoolbook"/>
+                <a:ea typeface="DejaVu Sans"/>
+              </a:rPr>
+              <a:t>mark = </a:t>
+            </a:r>
+            <a:r>
+              <a:rPr b="0" lang="en-US" sz="1800" spc="-1" strike="noStrike">
+                <a:solidFill>
+                  <a:srgbClr val="ffffff"/>
+                </a:solidFill>
+                <a:latin typeface="Century Schoolbook"/>
+                <a:ea typeface="DejaVu Sans"/>
+              </a:rPr>
+              <a:t>slam_sc</a:t>
+            </a:r>
+            <a:r>
+              <a:rPr b="0" lang="en-US" sz="1800" spc="-1" strike="noStrike">
+                <a:solidFill>
+                  <a:srgbClr val="ffffff"/>
+                </a:solidFill>
+                <a:latin typeface="Century Schoolbook"/>
+                <a:ea typeface="DejaVu Sans"/>
+              </a:rPr>
+              <a:t>ore + </a:t>
+            </a:r>
+            <a:r>
+              <a:rPr b="0" lang="en-US" sz="1800" spc="-1" strike="noStrike">
+                <a:solidFill>
+                  <a:srgbClr val="ffffff"/>
+                </a:solidFill>
+                <a:latin typeface="Century Schoolbook"/>
+                <a:ea typeface="DejaVu Sans"/>
+              </a:rPr>
+              <a:t>(Numbe</a:t>
+            </a:r>
+            <a:r>
+              <a:rPr b="0" lang="en-US" sz="1800" spc="-1" strike="noStrike">
+                <a:solidFill>
+                  <a:srgbClr val="ffffff"/>
+                </a:solidFill>
+                <a:latin typeface="Century Schoolbook"/>
+                <a:ea typeface="DejaVu Sans"/>
+              </a:rPr>
+              <a:t>r of </a:t>
+            </a:r>
+            <a:r>
+              <a:rPr b="0" lang="en-US" sz="1800" spc="-1" strike="noStrike">
+                <a:solidFill>
+                  <a:srgbClr val="ffffff"/>
+                </a:solidFill>
+                <a:latin typeface="Century Schoolbook"/>
+                <a:ea typeface="DejaVu Sans"/>
+              </a:rPr>
+              <a:t>Found </a:t>
+            </a:r>
+            <a:r>
+              <a:rPr b="0" lang="en-US" sz="1800" spc="-1" strike="noStrike">
+                <a:solidFill>
+                  <a:srgbClr val="ffffff"/>
+                </a:solidFill>
+                <a:latin typeface="Century Schoolbook"/>
+                <a:ea typeface="DejaVu Sans"/>
+              </a:rPr>
+              <a:t>Marker</a:t>
+            </a:r>
+            <a:r>
+              <a:rPr b="0" lang="en-US" sz="1800" spc="-1" strike="noStrike">
+                <a:solidFill>
+                  <a:srgbClr val="ffffff"/>
+                </a:solidFill>
+                <a:latin typeface="Century Schoolbook"/>
+                <a:ea typeface="DejaVu Sans"/>
+              </a:rPr>
+              <a:t>s x 2) – </a:t>
+            </a:r>
+            <a:r>
+              <a:rPr b="0" lang="en-US" sz="1800" spc="-1" strike="noStrike">
+                <a:solidFill>
+                  <a:srgbClr val="ffffff"/>
+                </a:solidFill>
+                <a:latin typeface="Century Schoolbook"/>
+                <a:ea typeface="DejaVu Sans"/>
+              </a:rPr>
+              <a:t>(Numbe</a:t>
+            </a:r>
+            <a:r>
+              <a:rPr b="0" lang="en-US" sz="1800" spc="-1" strike="noStrike">
+                <a:solidFill>
+                  <a:srgbClr val="ffffff"/>
+                </a:solidFill>
+                <a:latin typeface="Century Schoolbook"/>
+                <a:ea typeface="DejaVu Sans"/>
+              </a:rPr>
+              <a:t>r of </a:t>
+            </a:r>
+            <a:r>
+              <a:rPr b="0" lang="en-US" sz="1800" spc="-1" strike="noStrike">
+                <a:solidFill>
+                  <a:srgbClr val="ffffff"/>
+                </a:solidFill>
+                <a:latin typeface="Century Schoolbook"/>
+                <a:ea typeface="DejaVu Sans"/>
+              </a:rPr>
+              <a:t>Collided </a:t>
+            </a:r>
+            <a:r>
+              <a:rPr b="0" lang="en-US" sz="1800" spc="-1" strike="noStrike">
+                <a:solidFill>
+                  <a:srgbClr val="ffffff"/>
+                </a:solidFill>
+                <a:latin typeface="Century Schoolbook"/>
+                <a:ea typeface="DejaVu Sans"/>
+              </a:rPr>
+              <a:t>Marker</a:t>
+            </a:r>
+            <a:r>
+              <a:rPr b="0" lang="en-US" sz="1800" spc="-1" strike="noStrike">
+                <a:solidFill>
+                  <a:srgbClr val="ffffff"/>
+                </a:solidFill>
+                <a:latin typeface="Century Schoolbook"/>
+                <a:ea typeface="DejaVu Sans"/>
+              </a:rPr>
+              <a:t>s x 5)</a:t>
             </a:r>
             <a:endParaRPr b="0" lang="en-AU" sz="1800" spc="-1" strike="noStrike">
               <a:latin typeface="Arial"/>
@@ -6113,7 +8188,37 @@
                 <a:latin typeface="Century Schoolbook"/>
                 <a:ea typeface="DejaVu Sans"/>
               </a:rPr>
-              <a:t>0 ≤ slam_score ≤ 80</a:t>
+              <a:t>0 ≤ </a:t>
+            </a:r>
+            <a:r>
+              <a:rPr b="0" lang="en-US" sz="1800" spc="-1" strike="noStrike">
+                <a:solidFill>
+                  <a:srgbClr val="ffffff"/>
+                </a:solidFill>
+                <a:latin typeface="Century Schoolbook"/>
+                <a:ea typeface="DejaVu Sans"/>
+              </a:rPr>
+              <a:t>slam_sc</a:t>
+            </a:r>
+            <a:r>
+              <a:rPr b="0" lang="en-US" sz="1800" spc="-1" strike="noStrike">
+                <a:solidFill>
+                  <a:srgbClr val="ffffff"/>
+                </a:solidFill>
+                <a:latin typeface="Century Schoolbook"/>
+                <a:ea typeface="DejaVu Sans"/>
+              </a:rPr>
+              <a:t>ore ≤ </a:t>
+            </a:r>
+            <a:r>
+              <a:rPr b="0" lang="en-US" sz="1800" spc="-1" strike="noStrike">
+                <a:solidFill>
+                  <a:srgbClr val="ffffff"/>
+                </a:solidFill>
+                <a:latin typeface="Century Schoolbook"/>
+                <a:ea typeface="DejaVu Sans"/>
+              </a:rPr>
+              <a:t>80</a:t>
             </a:r>
             <a:endParaRPr b="0" lang="en-AU" sz="1800" spc="-1" strike="noStrike">
               <a:latin typeface="Arial"/>
@@ -6144,7 +8249,37 @@
                 <a:latin typeface="Century Schoolbook"/>
                 <a:ea typeface="DejaVu Sans"/>
               </a:rPr>
-              <a:t>0 ≤ M2 total score ≤ 100</a:t>
+              <a:t>0 ≤ M2 </a:t>
+            </a:r>
+            <a:r>
+              <a:rPr b="0" lang="en-US" sz="1800" spc="-1" strike="noStrike">
+                <a:solidFill>
+                  <a:srgbClr val="ffffff"/>
+                </a:solidFill>
+                <a:latin typeface="Century Schoolbook"/>
+                <a:ea typeface="DejaVu Sans"/>
+              </a:rPr>
+              <a:t>total </a:t>
+            </a:r>
+            <a:r>
+              <a:rPr b="0" lang="en-US" sz="1800" spc="-1" strike="noStrike">
+                <a:solidFill>
+                  <a:srgbClr val="ffffff"/>
+                </a:solidFill>
+                <a:latin typeface="Century Schoolbook"/>
+                <a:ea typeface="DejaVu Sans"/>
+              </a:rPr>
+              <a:t>score ≤ </a:t>
+            </a:r>
+            <a:r>
+              <a:rPr b="0" lang="en-US" sz="1800" spc="-1" strike="noStrike">
+                <a:solidFill>
+                  <a:srgbClr val="ffffff"/>
+                </a:solidFill>
+                <a:latin typeface="Century Schoolbook"/>
+                <a:ea typeface="DejaVu Sans"/>
+              </a:rPr>
+              <a:t>100</a:t>
             </a:r>
             <a:endParaRPr b="0" lang="en-AU" sz="1800" spc="-1" strike="noStrike">
               <a:latin typeface="Arial"/>
@@ -6176,7 +8311,67 @@
                 <a:latin typeface="Century Schoolbook"/>
                 <a:ea typeface="DejaVu Sans"/>
               </a:rPr>
-              <a:t>Max allowed number of collision in a run is </a:t>
+              <a:t>Max </a:t>
+            </a:r>
+            <a:r>
+              <a:rPr b="0" lang="en-US" sz="1800" spc="-1" strike="noStrike">
+                <a:solidFill>
+                  <a:srgbClr val="ffffff"/>
+                </a:solidFill>
+                <a:latin typeface="Century Schoolbook"/>
+                <a:ea typeface="DejaVu Sans"/>
+              </a:rPr>
+              <a:t>allowed </a:t>
+            </a:r>
+            <a:r>
+              <a:rPr b="0" lang="en-US" sz="1800" spc="-1" strike="noStrike">
+                <a:solidFill>
+                  <a:srgbClr val="ffffff"/>
+                </a:solidFill>
+                <a:latin typeface="Century Schoolbook"/>
+                <a:ea typeface="DejaVu Sans"/>
+              </a:rPr>
+              <a:t>number </a:t>
+            </a:r>
+            <a:r>
+              <a:rPr b="0" lang="en-US" sz="1800" spc="-1" strike="noStrike">
+                <a:solidFill>
+                  <a:srgbClr val="ffffff"/>
+                </a:solidFill>
+                <a:latin typeface="Century Schoolbook"/>
+                <a:ea typeface="DejaVu Sans"/>
+              </a:rPr>
+              <a:t>of </a:t>
+            </a:r>
+            <a:r>
+              <a:rPr b="0" lang="en-US" sz="1800" spc="-1" strike="noStrike">
+                <a:solidFill>
+                  <a:srgbClr val="ffffff"/>
+                </a:solidFill>
+                <a:latin typeface="Century Schoolbook"/>
+                <a:ea typeface="DejaVu Sans"/>
+              </a:rPr>
+              <a:t>collision </a:t>
+            </a:r>
+            <a:r>
+              <a:rPr b="0" lang="en-US" sz="1800" spc="-1" strike="noStrike">
+                <a:solidFill>
+                  <a:srgbClr val="ffffff"/>
+                </a:solidFill>
+                <a:latin typeface="Century Schoolbook"/>
+                <a:ea typeface="DejaVu Sans"/>
+              </a:rPr>
+              <a:t>in a run </a:t>
+            </a:r>
+            <a:r>
+              <a:rPr b="0" lang="en-US" sz="1800" spc="-1" strike="noStrike">
+                <a:solidFill>
+                  <a:srgbClr val="ffffff"/>
+                </a:solidFill>
+                <a:latin typeface="Century Schoolbook"/>
+                <a:ea typeface="DejaVu Sans"/>
+              </a:rPr>
+              <a:t>is </a:t>
             </a:r>
             <a:r>
               <a:rPr b="1" lang="en-US" sz="1800" spc="-1" strike="noStrike">
@@ -6186,17 +8381,87 @@
                 <a:latin typeface="Century Schoolbook"/>
                 <a:ea typeface="DejaVu Sans"/>
               </a:rPr>
-              <a:t>3 times </a:t>
-            </a:r>
-            <a:r>
-              <a:rPr b="0" lang="en-US" sz="1800" spc="-1" strike="noStrike">
-                <a:solidFill>
-                  <a:srgbClr val="ffffff"/>
-                </a:solidFill>
-                <a:latin typeface="Century Schoolbook"/>
-                <a:ea typeface="DejaVu Sans"/>
-              </a:rPr>
-              <a:t>(the 4th time you’ll be asked to terminate that run)</a:t>
+              <a:t>3 </a:t>
+            </a:r>
+            <a:r>
+              <a:rPr b="1" lang="en-US" sz="1800" spc="-1" strike="noStrike">
+                <a:solidFill>
+                  <a:srgbClr val="ffffff"/>
+                </a:solidFill>
+                <a:latin typeface="Century Schoolbook"/>
+                <a:ea typeface="DejaVu Sans"/>
+              </a:rPr>
+              <a:t>times </a:t>
+            </a:r>
+            <a:r>
+              <a:rPr b="0" lang="en-US" sz="1800" spc="-1" strike="noStrike">
+                <a:solidFill>
+                  <a:srgbClr val="ffffff"/>
+                </a:solidFill>
+                <a:latin typeface="Century Schoolbook"/>
+                <a:ea typeface="DejaVu Sans"/>
+              </a:rPr>
+              <a:t>(the 4th </a:t>
+            </a:r>
+            <a:r>
+              <a:rPr b="0" lang="en-US" sz="1800" spc="-1" strike="noStrike">
+                <a:solidFill>
+                  <a:srgbClr val="ffffff"/>
+                </a:solidFill>
+                <a:latin typeface="Century Schoolbook"/>
+                <a:ea typeface="DejaVu Sans"/>
+              </a:rPr>
+              <a:t>time </a:t>
+            </a:r>
+            <a:r>
+              <a:rPr b="0" lang="en-US" sz="1800" spc="-1" strike="noStrike">
+                <a:solidFill>
+                  <a:srgbClr val="ffffff"/>
+                </a:solidFill>
+                <a:latin typeface="Century Schoolbook"/>
+                <a:ea typeface="DejaVu Sans"/>
+              </a:rPr>
+              <a:t>you’ll be </a:t>
+            </a:r>
+            <a:r>
+              <a:rPr b="0" lang="en-US" sz="1800" spc="-1" strike="noStrike">
+                <a:solidFill>
+                  <a:srgbClr val="ffffff"/>
+                </a:solidFill>
+                <a:latin typeface="Century Schoolbook"/>
+                <a:ea typeface="DejaVu Sans"/>
+              </a:rPr>
+              <a:t>asked to </a:t>
+            </a:r>
+            <a:r>
+              <a:rPr b="0" lang="en-US" sz="1800" spc="-1" strike="noStrike">
+                <a:solidFill>
+                  <a:srgbClr val="ffffff"/>
+                </a:solidFill>
+                <a:latin typeface="Century Schoolbook"/>
+                <a:ea typeface="DejaVu Sans"/>
+              </a:rPr>
+              <a:t>termina</a:t>
+            </a:r>
+            <a:r>
+              <a:rPr b="0" lang="en-US" sz="1800" spc="-1" strike="noStrike">
+                <a:solidFill>
+                  <a:srgbClr val="ffffff"/>
+                </a:solidFill>
+                <a:latin typeface="Century Schoolbook"/>
+                <a:ea typeface="DejaVu Sans"/>
+              </a:rPr>
+              <a:t>te that </a:t>
+            </a:r>
+            <a:r>
+              <a:rPr b="0" lang="en-US" sz="1800" spc="-1" strike="noStrike">
+                <a:solidFill>
+                  <a:srgbClr val="ffffff"/>
+                </a:solidFill>
+                <a:latin typeface="Century Schoolbook"/>
+                <a:ea typeface="DejaVu Sans"/>
+              </a:rPr>
+              <a:t>run)</a:t>
             </a:r>
             <a:endParaRPr b="0" lang="en-AU" sz="1800" spc="-1" strike="noStrike">
               <a:latin typeface="Arial"/>
@@ -6228,19 +8493,88 @@
                 <a:latin typeface="Century Schoolbook"/>
                 <a:ea typeface="DejaVu Sans"/>
               </a:rPr>
-              <a:t>You’ll need to make a visible effort to try and location all 10 markers</a:t>
-            </a:r>
-            <a:endParaRPr b="0" lang="en-AU" sz="1800" spc="-1" strike="noStrike">
-              <a:latin typeface="Arial"/>
-            </a:endParaRPr>
-          </a:p>
-          <a:p>
-            <a:pPr>
-              <a:lnSpc>
-                <a:spcPct val="100000"/>
-              </a:lnSpc>
-              <a:buNone/>
-            </a:pPr>
+              <a:t>You’ll </a:t>
+            </a:r>
+            <a:r>
+              <a:rPr b="0" lang="en-US" sz="1800" spc="-1" strike="noStrike">
+                <a:solidFill>
+                  <a:srgbClr val="ffffff"/>
+                </a:solidFill>
+                <a:latin typeface="Century Schoolbook"/>
+                <a:ea typeface="DejaVu Sans"/>
+              </a:rPr>
+              <a:t>need to </a:t>
+            </a:r>
+            <a:r>
+              <a:rPr b="0" lang="en-US" sz="1800" spc="-1" strike="noStrike">
+                <a:solidFill>
+                  <a:srgbClr val="ffffff"/>
+                </a:solidFill>
+                <a:latin typeface="Century Schoolbook"/>
+                <a:ea typeface="DejaVu Sans"/>
+              </a:rPr>
+              <a:t>make a </a:t>
+            </a:r>
+            <a:r>
+              <a:rPr b="0" lang="en-US" sz="1800" spc="-1" strike="noStrike">
+                <a:solidFill>
+                  <a:srgbClr val="ffffff"/>
+                </a:solidFill>
+                <a:latin typeface="Century Schoolbook"/>
+                <a:ea typeface="DejaVu Sans"/>
+              </a:rPr>
+              <a:t>visible </a:t>
+            </a:r>
+            <a:r>
+              <a:rPr b="0" lang="en-US" sz="1800" spc="-1" strike="noStrike">
+                <a:solidFill>
+                  <a:srgbClr val="ffffff"/>
+                </a:solidFill>
+                <a:latin typeface="Century Schoolbook"/>
+                <a:ea typeface="DejaVu Sans"/>
+              </a:rPr>
+              <a:t>effort to </a:t>
+            </a:r>
+            <a:r>
+              <a:rPr b="0" lang="en-US" sz="1800" spc="-1" strike="noStrike">
+                <a:solidFill>
+                  <a:srgbClr val="ffffff"/>
+                </a:solidFill>
+                <a:latin typeface="Century Schoolbook"/>
+                <a:ea typeface="DejaVu Sans"/>
+              </a:rPr>
+              <a:t>try and </a:t>
+            </a:r>
+            <a:r>
+              <a:rPr b="0" lang="en-US" sz="1800" spc="-1" strike="noStrike">
+                <a:solidFill>
+                  <a:srgbClr val="ffffff"/>
+                </a:solidFill>
+                <a:latin typeface="Century Schoolbook"/>
+                <a:ea typeface="DejaVu Sans"/>
+              </a:rPr>
+              <a:t>location </a:t>
+            </a:r>
+            <a:r>
+              <a:rPr b="0" lang="en-US" sz="1800" spc="-1" strike="noStrike">
+                <a:solidFill>
+                  <a:srgbClr val="ffffff"/>
+                </a:solidFill>
+                <a:latin typeface="Century Schoolbook"/>
+                <a:ea typeface="DejaVu Sans"/>
+              </a:rPr>
+              <a:t>all 10 </a:t>
+            </a:r>
+            <a:r>
+              <a:rPr b="0" lang="en-US" sz="1800" spc="-1" strike="noStrike">
+                <a:solidFill>
+                  <a:srgbClr val="ffffff"/>
+                </a:solidFill>
+                <a:latin typeface="Century Schoolbook"/>
+                <a:ea typeface="DejaVu Sans"/>
+              </a:rPr>
+              <a:t>markers</a:t>
+            </a:r>
             <a:endParaRPr b="0" lang="en-AU" sz="1800" spc="-1" strike="noStrike">
               <a:latin typeface="Arial"/>
             </a:endParaRPr>
@@ -6297,7 +8631,7 @@
         <p:spPr>
           <a:xfrm>
             <a:off x="478080" y="172440"/>
-            <a:ext cx="11712960" cy="820800"/>
+            <a:ext cx="11712600" cy="820800"/>
           </a:xfrm>
           <a:prstGeom prst="rect">
             <a:avLst/>
@@ -6332,7 +8666,57 @@
                 <a:latin typeface="Century Schoolbook"/>
                 <a:ea typeface="DejaVu Sans"/>
               </a:rPr>
-              <a:t>M2 – Marking</a:t>
+              <a:t>M</a:t>
+            </a:r>
+            <a:r>
+              <a:rPr b="0" lang="en-AU" sz="4800" spc="-1" strike="noStrike">
+                <a:solidFill>
+                  <a:srgbClr val="ffffff"/>
+                </a:solidFill>
+                <a:latin typeface="Century Schoolbook"/>
+                <a:ea typeface="DejaVu Sans"/>
+              </a:rPr>
+              <a:t>2 – </a:t>
+            </a:r>
+            <a:r>
+              <a:rPr b="0" lang="en-AU" sz="4800" spc="-1" strike="noStrike">
+                <a:solidFill>
+                  <a:srgbClr val="ffffff"/>
+                </a:solidFill>
+                <a:latin typeface="Century Schoolbook"/>
+                <a:ea typeface="DejaVu Sans"/>
+              </a:rPr>
+              <a:t>M</a:t>
+            </a:r>
+            <a:r>
+              <a:rPr b="0" lang="en-AU" sz="4800" spc="-1" strike="noStrike">
+                <a:solidFill>
+                  <a:srgbClr val="ffffff"/>
+                </a:solidFill>
+                <a:latin typeface="Century Schoolbook"/>
+                <a:ea typeface="DejaVu Sans"/>
+              </a:rPr>
+              <a:t>ar</a:t>
+            </a:r>
+            <a:r>
+              <a:rPr b="0" lang="en-AU" sz="4800" spc="-1" strike="noStrike">
+                <a:solidFill>
+                  <a:srgbClr val="ffffff"/>
+                </a:solidFill>
+                <a:latin typeface="Century Schoolbook"/>
+                <a:ea typeface="DejaVu Sans"/>
+              </a:rPr>
+              <a:t>ki</a:t>
+            </a:r>
+            <a:r>
+              <a:rPr b="0" lang="en-AU" sz="4800" spc="-1" strike="noStrike">
+                <a:solidFill>
+                  <a:srgbClr val="ffffff"/>
+                </a:solidFill>
+                <a:latin typeface="Century Schoolbook"/>
+                <a:ea typeface="DejaVu Sans"/>
+              </a:rPr>
+              <a:t>ng</a:t>
             </a:r>
             <a:endParaRPr b="0" lang="en-AU" sz="4800" spc="-1" strike="noStrike">
               <a:latin typeface="Arial"/>
@@ -6349,7 +8733,7 @@
         <p:spPr>
           <a:xfrm>
             <a:off x="478080" y="862200"/>
-            <a:ext cx="11526120" cy="3289680"/>
+            <a:ext cx="11525760" cy="3138120"/>
           </a:xfrm>
           <a:prstGeom prst="rect">
             <a:avLst/>
@@ -6395,7 +8779,37 @@
                 <a:latin typeface="Century Schoolbook"/>
                 <a:ea typeface="DejaVu Sans"/>
               </a:rPr>
-              <a:t>Submit your M2 implementation </a:t>
+              <a:t>Submit </a:t>
+            </a:r>
+            <a:r>
+              <a:rPr b="0" lang="en-US" sz="1800" spc="-1" strike="noStrike">
+                <a:solidFill>
+                  <a:srgbClr val="ffffff"/>
+                </a:solidFill>
+                <a:latin typeface="Century Schoolbook"/>
+                <a:ea typeface="DejaVu Sans"/>
+              </a:rPr>
+              <a:t>your M2 </a:t>
+            </a:r>
+            <a:r>
+              <a:rPr b="0" lang="en-US" sz="1800" spc="-1" strike="noStrike">
+                <a:solidFill>
+                  <a:srgbClr val="ffffff"/>
+                </a:solidFill>
+                <a:latin typeface="Century Schoolbook"/>
+                <a:ea typeface="DejaVu Sans"/>
+              </a:rPr>
+              <a:t>implem</a:t>
+            </a:r>
+            <a:r>
+              <a:rPr b="0" lang="en-US" sz="1800" spc="-1" strike="noStrike">
+                <a:solidFill>
+                  <a:srgbClr val="ffffff"/>
+                </a:solidFill>
+                <a:latin typeface="Century Schoolbook"/>
+                <a:ea typeface="DejaVu Sans"/>
+              </a:rPr>
+              <a:t>entation </a:t>
             </a:r>
             <a:r>
               <a:rPr b="1" lang="en-US" sz="1800" spc="-1" strike="noStrike">
@@ -6415,7 +8829,77 @@
                 <a:latin typeface="Century Schoolbook"/>
                 <a:ea typeface="DejaVu Sans"/>
               </a:rPr>
-              <a:t> the Week 5 lab for live demo marking</a:t>
+              <a:t> </a:t>
+            </a:r>
+            <a:r>
+              <a:rPr b="0" lang="en-US" sz="1800" spc="-1" strike="noStrike">
+                <a:solidFill>
+                  <a:srgbClr val="ffffff"/>
+                </a:solidFill>
+                <a:latin typeface="Century Schoolbook"/>
+                <a:ea typeface="DejaVu Sans"/>
+              </a:rPr>
+              <a:t>the </a:t>
+            </a:r>
+            <a:r>
+              <a:rPr b="0" lang="en-US" sz="1800" spc="-1" strike="noStrike">
+                <a:solidFill>
+                  <a:srgbClr val="ffffff"/>
+                </a:solidFill>
+                <a:latin typeface="Century Schoolbook"/>
+                <a:ea typeface="DejaVu Sans"/>
+              </a:rPr>
+              <a:t>Week 5 </a:t>
+            </a:r>
+            <a:r>
+              <a:rPr b="0" lang="en-US" sz="1800" spc="-1" strike="noStrike">
+                <a:solidFill>
+                  <a:srgbClr val="ffffff"/>
+                </a:solidFill>
+                <a:latin typeface="Century Schoolbook"/>
+                <a:ea typeface="DejaVu Sans"/>
+              </a:rPr>
+              <a:t>lab for </a:t>
+            </a:r>
+            <a:r>
+              <a:rPr b="0" lang="en-US" sz="1800" spc="-1" strike="noStrike">
+                <a:solidFill>
+                  <a:srgbClr val="ffffff"/>
+                </a:solidFill>
+                <a:latin typeface="Century Schoolbook"/>
+                <a:ea typeface="DejaVu Sans"/>
+              </a:rPr>
+              <a:t>live </a:t>
+            </a:r>
+            <a:r>
+              <a:rPr b="0" lang="en-US" sz="1800" spc="-1" strike="noStrike">
+                <a:solidFill>
+                  <a:srgbClr val="ffffff"/>
+                </a:solidFill>
+                <a:latin typeface="Century Schoolbook"/>
+                <a:ea typeface="DejaVu Sans"/>
+              </a:rPr>
+              <a:t>demo </a:t>
+            </a:r>
+            <a:r>
+              <a:rPr b="0" lang="en-US" sz="1800" spc="-1" strike="noStrike">
+                <a:solidFill>
+                  <a:srgbClr val="ffffff"/>
+                </a:solidFill>
+                <a:latin typeface="Century Schoolbook"/>
+                <a:ea typeface="DejaVu Sans"/>
+              </a:rPr>
+              <a:t>markin</a:t>
+            </a:r>
+            <a:r>
+              <a:rPr b="0" lang="en-US" sz="1800" spc="-1" strike="noStrike">
+                <a:solidFill>
+                  <a:srgbClr val="ffffff"/>
+                </a:solidFill>
+                <a:latin typeface="Century Schoolbook"/>
+                <a:ea typeface="DejaVu Sans"/>
+              </a:rPr>
+              <a:t>g</a:t>
             </a:r>
             <a:endParaRPr b="0" lang="en-AU" sz="1800" spc="-1" strike="noStrike">
               <a:latin typeface="Arial"/>
@@ -6447,7 +8931,67 @@
                 <a:latin typeface="Century Schoolbook"/>
                 <a:ea typeface="DejaVu Sans"/>
               </a:rPr>
-              <a:t>Step 1: (BEFORE submitting your solution)</a:t>
+              <a:t>Step 1: </a:t>
+            </a:r>
+            <a:r>
+              <a:rPr b="0" lang="en-US" sz="1800" spc="-1" strike="noStrike">
+                <a:solidFill>
+                  <a:srgbClr val="ffffff"/>
+                </a:solidFill>
+                <a:latin typeface="Century Schoolbook"/>
+                <a:ea typeface="DejaVu Sans"/>
+              </a:rPr>
+              <a:t>(BEFO</a:t>
+            </a:r>
+            <a:r>
+              <a:rPr b="0" lang="en-US" sz="1800" spc="-1" strike="noStrike">
+                <a:solidFill>
+                  <a:srgbClr val="ffffff"/>
+                </a:solidFill>
+                <a:latin typeface="Century Schoolbook"/>
+                <a:ea typeface="DejaVu Sans"/>
+              </a:rPr>
+              <a:t>RE </a:t>
+            </a:r>
+            <a:r>
+              <a:rPr b="0" lang="en-US" sz="1800" spc="-1" strike="noStrike">
+                <a:solidFill>
+                  <a:srgbClr val="ffffff"/>
+                </a:solidFill>
+                <a:latin typeface="Century Schoolbook"/>
+                <a:ea typeface="DejaVu Sans"/>
+              </a:rPr>
+              <a:t>submitt</a:t>
+            </a:r>
+            <a:r>
+              <a:rPr b="0" lang="en-US" sz="1800" spc="-1" strike="noStrike">
+                <a:solidFill>
+                  <a:srgbClr val="ffffff"/>
+                </a:solidFill>
+                <a:latin typeface="Century Schoolbook"/>
+                <a:ea typeface="DejaVu Sans"/>
+              </a:rPr>
+              <a:t>ing your </a:t>
+            </a:r>
+            <a:r>
+              <a:rPr b="0" lang="en-US" sz="1800" spc="-1" strike="noStrike">
+                <a:solidFill>
+                  <a:srgbClr val="ffffff"/>
+                </a:solidFill>
+                <a:latin typeface="Century Schoolbook"/>
+                <a:ea typeface="DejaVu Sans"/>
+              </a:rPr>
+              <a:t>solution</a:t>
+            </a:r>
+            <a:r>
+              <a:rPr b="0" lang="en-US" sz="1800" spc="-1" strike="noStrike">
+                <a:solidFill>
+                  <a:srgbClr val="ffffff"/>
+                </a:solidFill>
+                <a:latin typeface="Century Schoolbook"/>
+                <a:ea typeface="DejaVu Sans"/>
+              </a:rPr>
+              <a:t>)</a:t>
             </a:r>
             <a:endParaRPr b="0" lang="en-AU" sz="1800" spc="-1" strike="noStrike">
               <a:latin typeface="Arial"/>
@@ -6478,7 +9022,47 @@
                 <a:latin typeface="Century Schoolbook"/>
                 <a:ea typeface="DejaVu Sans"/>
               </a:rPr>
-              <a:t>Submit a zipped folder containing:</a:t>
+              <a:t>Submit </a:t>
+            </a:r>
+            <a:r>
+              <a:rPr b="0" lang="en-US" sz="1800" spc="-1" strike="noStrike">
+                <a:solidFill>
+                  <a:srgbClr val="ffffff"/>
+                </a:solidFill>
+                <a:latin typeface="Century Schoolbook"/>
+                <a:ea typeface="DejaVu Sans"/>
+              </a:rPr>
+              <a:t>a zipped </a:t>
+            </a:r>
+            <a:r>
+              <a:rPr b="0" lang="en-US" sz="1800" spc="-1" strike="noStrike">
+                <a:solidFill>
+                  <a:srgbClr val="ffffff"/>
+                </a:solidFill>
+                <a:latin typeface="Century Schoolbook"/>
+                <a:ea typeface="DejaVu Sans"/>
+              </a:rPr>
+              <a:t>folder </a:t>
+            </a:r>
+            <a:r>
+              <a:rPr b="0" lang="en-US" sz="1800" spc="-1" strike="noStrike">
+                <a:solidFill>
+                  <a:srgbClr val="ffffff"/>
+                </a:solidFill>
+                <a:latin typeface="Century Schoolbook"/>
+                <a:ea typeface="DejaVu Sans"/>
+              </a:rPr>
+              <a:t>containi</a:t>
+            </a:r>
+            <a:r>
+              <a:rPr b="0" lang="en-US" sz="1800" spc="-1" strike="noStrike">
+                <a:solidFill>
+                  <a:srgbClr val="ffffff"/>
+                </a:solidFill>
+                <a:latin typeface="Century Schoolbook"/>
+                <a:ea typeface="DejaVu Sans"/>
+              </a:rPr>
+              <a:t>ng:</a:t>
             </a:r>
             <a:endParaRPr b="0" lang="en-AU" sz="1800" spc="-1" strike="noStrike">
               <a:latin typeface="Arial"/>
@@ -6519,7 +9103,107 @@
                 <a:latin typeface="Century Schoolbook"/>
                 <a:ea typeface="DejaVu Sans"/>
               </a:rPr>
-              <a:t>Necessary files to run your solution (no need to include your Python venv)</a:t>
+              <a:t>Necessa</a:t>
+            </a:r>
+            <a:r>
+              <a:rPr b="0" lang="en-US" sz="1800" spc="-1" strike="noStrike">
+                <a:solidFill>
+                  <a:srgbClr val="ffffff"/>
+                </a:solidFill>
+                <a:latin typeface="Century Schoolbook"/>
+                <a:ea typeface="DejaVu Sans"/>
+              </a:rPr>
+              <a:t>ry files </a:t>
+            </a:r>
+            <a:r>
+              <a:rPr b="0" lang="en-US" sz="1800" spc="-1" strike="noStrike">
+                <a:solidFill>
+                  <a:srgbClr val="ffffff"/>
+                </a:solidFill>
+                <a:latin typeface="Century Schoolbook"/>
+                <a:ea typeface="DejaVu Sans"/>
+              </a:rPr>
+              <a:t>to run </a:t>
+            </a:r>
+            <a:r>
+              <a:rPr b="0" lang="en-US" sz="1800" spc="-1" strike="noStrike">
+                <a:solidFill>
+                  <a:srgbClr val="ffffff"/>
+                </a:solidFill>
+                <a:latin typeface="Century Schoolbook"/>
+                <a:ea typeface="DejaVu Sans"/>
+              </a:rPr>
+              <a:t>your </a:t>
+            </a:r>
+            <a:r>
+              <a:rPr b="0" lang="en-US" sz="1800" spc="-1" strike="noStrike">
+                <a:solidFill>
+                  <a:srgbClr val="ffffff"/>
+                </a:solidFill>
+                <a:latin typeface="Century Schoolbook"/>
+                <a:ea typeface="DejaVu Sans"/>
+              </a:rPr>
+              <a:t>solution </a:t>
+            </a:r>
+            <a:r>
+              <a:rPr b="0" lang="en-US" sz="1800" spc="-1" strike="noStrike">
+                <a:solidFill>
+                  <a:srgbClr val="ffffff"/>
+                </a:solidFill>
+                <a:latin typeface="Century Schoolbook"/>
+                <a:ea typeface="DejaVu Sans"/>
+              </a:rPr>
+              <a:t>(no </a:t>
+            </a:r>
+            <a:r>
+              <a:rPr b="0" lang="en-US" sz="1800" spc="-1" strike="noStrike">
+                <a:solidFill>
+                  <a:srgbClr val="ffffff"/>
+                </a:solidFill>
+                <a:latin typeface="Century Schoolbook"/>
+                <a:ea typeface="DejaVu Sans"/>
+              </a:rPr>
+              <a:t>need to </a:t>
+            </a:r>
+            <a:r>
+              <a:rPr b="0" lang="en-US" sz="1800" spc="-1" strike="noStrike">
+                <a:solidFill>
+                  <a:srgbClr val="ffffff"/>
+                </a:solidFill>
+                <a:latin typeface="Century Schoolbook"/>
+                <a:ea typeface="DejaVu Sans"/>
+              </a:rPr>
+              <a:t>include </a:t>
+            </a:r>
+            <a:r>
+              <a:rPr b="0" lang="en-US" sz="1800" spc="-1" strike="noStrike">
+                <a:solidFill>
+                  <a:srgbClr val="ffffff"/>
+                </a:solidFill>
+                <a:latin typeface="Century Schoolbook"/>
+                <a:ea typeface="DejaVu Sans"/>
+              </a:rPr>
+              <a:t>your </a:t>
+            </a:r>
+            <a:r>
+              <a:rPr b="0" lang="en-US" sz="1800" spc="-1" strike="noStrike">
+                <a:solidFill>
+                  <a:srgbClr val="ffffff"/>
+                </a:solidFill>
+                <a:latin typeface="Century Schoolbook"/>
+                <a:ea typeface="DejaVu Sans"/>
+              </a:rPr>
+              <a:t>Python </a:t>
+            </a:r>
+            <a:r>
+              <a:rPr b="0" lang="en-US" sz="1800" spc="-1" strike="noStrike">
+                <a:solidFill>
+                  <a:srgbClr val="ffffff"/>
+                </a:solidFill>
+                <a:latin typeface="Century Schoolbook"/>
+                <a:ea typeface="DejaVu Sans"/>
+              </a:rPr>
+              <a:t>venv)</a:t>
             </a:r>
             <a:endParaRPr b="0" lang="en-AU" sz="1800" spc="-1" strike="noStrike">
               <a:latin typeface="Arial"/>
@@ -6560,7 +9244,97 @@
                 <a:latin typeface="Century Schoolbook"/>
                 <a:ea typeface="DejaVu Sans"/>
               </a:rPr>
-              <a:t>A text file of commands for easy copying and pasting (optional)</a:t>
+              <a:t>A text </a:t>
+            </a:r>
+            <a:r>
+              <a:rPr b="0" lang="en-US" sz="1800" spc="-1" strike="noStrike">
+                <a:solidFill>
+                  <a:srgbClr val="ffffff"/>
+                </a:solidFill>
+                <a:latin typeface="Century Schoolbook"/>
+                <a:ea typeface="DejaVu Sans"/>
+              </a:rPr>
+              <a:t>file of </a:t>
+            </a:r>
+            <a:r>
+              <a:rPr b="0" lang="en-US" sz="1800" spc="-1" strike="noStrike">
+                <a:solidFill>
+                  <a:srgbClr val="ffffff"/>
+                </a:solidFill>
+                <a:latin typeface="Century Schoolbook"/>
+                <a:ea typeface="DejaVu Sans"/>
+              </a:rPr>
+              <a:t>comman</a:t>
+            </a:r>
+            <a:r>
+              <a:rPr b="0" lang="en-US" sz="1800" spc="-1" strike="noStrike">
+                <a:solidFill>
+                  <a:srgbClr val="ffffff"/>
+                </a:solidFill>
+                <a:latin typeface="Century Schoolbook"/>
+                <a:ea typeface="DejaVu Sans"/>
+              </a:rPr>
+              <a:t>ds for </a:t>
+            </a:r>
+            <a:r>
+              <a:rPr b="0" lang="en-US" sz="1800" spc="-1" strike="noStrike">
+                <a:solidFill>
+                  <a:srgbClr val="ffffff"/>
+                </a:solidFill>
+                <a:latin typeface="Century Schoolbook"/>
+                <a:ea typeface="DejaVu Sans"/>
+              </a:rPr>
+              <a:t>easy </a:t>
+            </a:r>
+            <a:r>
+              <a:rPr b="0" lang="en-US" sz="1800" spc="-1" strike="noStrike">
+                <a:solidFill>
+                  <a:srgbClr val="ffffff"/>
+                </a:solidFill>
+                <a:latin typeface="Century Schoolbook"/>
+                <a:ea typeface="DejaVu Sans"/>
+              </a:rPr>
+              <a:t>copying </a:t>
+            </a:r>
+            <a:r>
+              <a:rPr b="0" lang="en-US" sz="1800" spc="-1" strike="noStrike">
+                <a:solidFill>
+                  <a:srgbClr val="ffffff"/>
+                </a:solidFill>
+                <a:latin typeface="Century Schoolbook"/>
+                <a:ea typeface="DejaVu Sans"/>
+              </a:rPr>
+              <a:t>and </a:t>
+            </a:r>
+            <a:r>
+              <a:rPr b="0" lang="en-US" sz="1800" spc="-1" strike="noStrike">
+                <a:solidFill>
+                  <a:srgbClr val="ffffff"/>
+                </a:solidFill>
+                <a:latin typeface="Century Schoolbook"/>
+                <a:ea typeface="DejaVu Sans"/>
+              </a:rPr>
+              <a:t>pasting </a:t>
+            </a:r>
+            <a:r>
+              <a:rPr b="0" lang="en-US" sz="1800" spc="-1" strike="noStrike">
+                <a:solidFill>
+                  <a:srgbClr val="ffffff"/>
+                </a:solidFill>
+                <a:latin typeface="Century Schoolbook"/>
+                <a:ea typeface="DejaVu Sans"/>
+              </a:rPr>
+              <a:t>(optiona</a:t>
+            </a:r>
+            <a:r>
+              <a:rPr b="0" lang="en-US" sz="1800" spc="-1" strike="noStrike">
+                <a:solidFill>
+                  <a:srgbClr val="ffffff"/>
+                </a:solidFill>
+                <a:latin typeface="Century Schoolbook"/>
+                <a:ea typeface="DejaVu Sans"/>
+              </a:rPr>
+              <a:t>l)</a:t>
             </a:r>
             <a:endParaRPr b="0" lang="en-AU" sz="1800" spc="-1" strike="noStrike">
               <a:latin typeface="Arial"/>
@@ -6592,7 +9366,77 @@
                 <a:latin typeface="Century Schoolbook"/>
                 <a:ea typeface="DejaVu Sans"/>
               </a:rPr>
-              <a:t>Step 2: (BEFORE the demonstrator comes to mark you)</a:t>
+              <a:t>Step 2: </a:t>
+            </a:r>
+            <a:r>
+              <a:rPr b="0" lang="en-US" sz="1800" spc="-1" strike="noStrike">
+                <a:solidFill>
+                  <a:srgbClr val="ffffff"/>
+                </a:solidFill>
+                <a:latin typeface="Century Schoolbook"/>
+                <a:ea typeface="DejaVu Sans"/>
+              </a:rPr>
+              <a:t>(BEFO</a:t>
+            </a:r>
+            <a:r>
+              <a:rPr b="0" lang="en-US" sz="1800" spc="-1" strike="noStrike">
+                <a:solidFill>
+                  <a:srgbClr val="ffffff"/>
+                </a:solidFill>
+                <a:latin typeface="Century Schoolbook"/>
+                <a:ea typeface="DejaVu Sans"/>
+              </a:rPr>
+              <a:t>RE the </a:t>
+            </a:r>
+            <a:r>
+              <a:rPr b="0" lang="en-US" sz="1800" spc="-1" strike="noStrike">
+                <a:solidFill>
+                  <a:srgbClr val="ffffff"/>
+                </a:solidFill>
+                <a:latin typeface="Century Schoolbook"/>
+                <a:ea typeface="DejaVu Sans"/>
+              </a:rPr>
+              <a:t>demons</a:t>
+            </a:r>
+            <a:r>
+              <a:rPr b="0" lang="en-US" sz="1800" spc="-1" strike="noStrike">
+                <a:solidFill>
+                  <a:srgbClr val="ffffff"/>
+                </a:solidFill>
+                <a:latin typeface="Century Schoolbook"/>
+                <a:ea typeface="DejaVu Sans"/>
+              </a:rPr>
+              <a:t>trator </a:t>
+            </a:r>
+            <a:r>
+              <a:rPr b="0" lang="en-US" sz="1800" spc="-1" strike="noStrike">
+                <a:solidFill>
+                  <a:srgbClr val="ffffff"/>
+                </a:solidFill>
+                <a:latin typeface="Century Schoolbook"/>
+                <a:ea typeface="DejaVu Sans"/>
+              </a:rPr>
+              <a:t>comes </a:t>
+            </a:r>
+            <a:r>
+              <a:rPr b="0" lang="en-US" sz="1800" spc="-1" strike="noStrike">
+                <a:solidFill>
+                  <a:srgbClr val="ffffff"/>
+                </a:solidFill>
+                <a:latin typeface="Century Schoolbook"/>
+                <a:ea typeface="DejaVu Sans"/>
+              </a:rPr>
+              <a:t>to mark </a:t>
+            </a:r>
+            <a:r>
+              <a:rPr b="0" lang="en-US" sz="1800" spc="-1" strike="noStrike">
+                <a:solidFill>
+                  <a:srgbClr val="ffffff"/>
+                </a:solidFill>
+                <a:latin typeface="Century Schoolbook"/>
+                <a:ea typeface="DejaVu Sans"/>
+              </a:rPr>
+              <a:t>you)</a:t>
             </a:r>
             <a:endParaRPr b="0" lang="en-AU" sz="1800" spc="-1" strike="noStrike">
               <a:latin typeface="Arial"/>
@@ -6623,7 +9467,107 @@
                 <a:latin typeface="Century Schoolbook"/>
                 <a:ea typeface="DejaVu Sans"/>
               </a:rPr>
-              <a:t>- Close all folders / applications / windows in your ubuntu environment</a:t>
+              <a:t>- Close </a:t>
+            </a:r>
+            <a:r>
+              <a:rPr b="0" lang="en-US" sz="1800" spc="-1" strike="noStrike">
+                <a:solidFill>
+                  <a:srgbClr val="ffffff"/>
+                </a:solidFill>
+                <a:latin typeface="Century Schoolbook"/>
+                <a:ea typeface="DejaVu Sans"/>
+              </a:rPr>
+              <a:t>all </a:t>
+            </a:r>
+            <a:r>
+              <a:rPr b="0" lang="en-US" sz="1800" spc="-1" strike="noStrike">
+                <a:solidFill>
+                  <a:srgbClr val="ffffff"/>
+                </a:solidFill>
+                <a:latin typeface="Century Schoolbook"/>
+                <a:ea typeface="DejaVu Sans"/>
+              </a:rPr>
+              <a:t>folders / </a:t>
+            </a:r>
+            <a:r>
+              <a:rPr b="0" lang="en-US" sz="1800" spc="-1" strike="noStrike">
+                <a:solidFill>
+                  <a:srgbClr val="ffffff"/>
+                </a:solidFill>
+                <a:latin typeface="Century Schoolbook"/>
+                <a:ea typeface="DejaVu Sans"/>
+              </a:rPr>
+              <a:t>applicat</a:t>
+            </a:r>
+            <a:r>
+              <a:rPr b="0" lang="en-US" sz="1800" spc="-1" strike="noStrike">
+                <a:solidFill>
+                  <a:srgbClr val="ffffff"/>
+                </a:solidFill>
+                <a:latin typeface="Century Schoolbook"/>
+                <a:ea typeface="DejaVu Sans"/>
+              </a:rPr>
+              <a:t>ions / </a:t>
+            </a:r>
+            <a:r>
+              <a:rPr b="0" lang="en-US" sz="1800" spc="-1" strike="noStrike">
+                <a:solidFill>
+                  <a:srgbClr val="ffffff"/>
+                </a:solidFill>
+                <a:latin typeface="Century Schoolbook"/>
+                <a:ea typeface="DejaVu Sans"/>
+              </a:rPr>
+              <a:t>window</a:t>
+            </a:r>
+            <a:r>
+              <a:rPr b="0" lang="en-US" sz="1800" spc="-1" strike="noStrike">
+                <a:solidFill>
+                  <a:srgbClr val="ffffff"/>
+                </a:solidFill>
+                <a:latin typeface="Century Schoolbook"/>
+                <a:ea typeface="DejaVu Sans"/>
+              </a:rPr>
+              <a:t>s in </a:t>
+            </a:r>
+            <a:r>
+              <a:rPr b="0" lang="en-US" sz="1800" spc="-1" strike="noStrike">
+                <a:solidFill>
+                  <a:srgbClr val="ffffff"/>
+                </a:solidFill>
+                <a:latin typeface="Century Schoolbook"/>
+                <a:ea typeface="DejaVu Sans"/>
+              </a:rPr>
+              <a:t>your </a:t>
+            </a:r>
+            <a:r>
+              <a:rPr b="0" lang="en-US" sz="1800" spc="-1" strike="noStrike">
+                <a:solidFill>
+                  <a:srgbClr val="ffffff"/>
+                </a:solidFill>
+                <a:latin typeface="Century Schoolbook"/>
+                <a:ea typeface="DejaVu Sans"/>
+              </a:rPr>
+              <a:t>ubuntu </a:t>
+            </a:r>
+            <a:r>
+              <a:rPr b="0" lang="en-US" sz="1800" spc="-1" strike="noStrike">
+                <a:solidFill>
+                  <a:srgbClr val="ffffff"/>
+                </a:solidFill>
+                <a:latin typeface="Century Schoolbook"/>
+                <a:ea typeface="DejaVu Sans"/>
+              </a:rPr>
+              <a:t>environ</a:t>
+            </a:r>
+            <a:r>
+              <a:rPr b="0" lang="en-US" sz="1800" spc="-1" strike="noStrike">
+                <a:solidFill>
+                  <a:srgbClr val="ffffff"/>
+                </a:solidFill>
+                <a:latin typeface="Century Schoolbook"/>
+                <a:ea typeface="DejaVu Sans"/>
+              </a:rPr>
+              <a:t>ment</a:t>
             </a:r>
             <a:endParaRPr b="0" lang="en-AU" sz="1800" spc="-1" strike="noStrike">
               <a:latin typeface="Arial"/>
@@ -6654,7 +9598,87 @@
                 <a:latin typeface="Century Schoolbook"/>
                 <a:ea typeface="DejaVu Sans"/>
               </a:rPr>
-              <a:t>- Log into Moodle and navigate to the M2 submission box</a:t>
+              <a:t>- Log </a:t>
+            </a:r>
+            <a:r>
+              <a:rPr b="0" lang="en-US" sz="1800" spc="-1" strike="noStrike">
+                <a:solidFill>
+                  <a:srgbClr val="ffffff"/>
+                </a:solidFill>
+                <a:latin typeface="Century Schoolbook"/>
+                <a:ea typeface="DejaVu Sans"/>
+              </a:rPr>
+              <a:t>into </a:t>
+            </a:r>
+            <a:r>
+              <a:rPr b="0" lang="en-US" sz="1800" spc="-1" strike="noStrike">
+                <a:solidFill>
+                  <a:srgbClr val="ffffff"/>
+                </a:solidFill>
+                <a:latin typeface="Century Schoolbook"/>
+                <a:ea typeface="DejaVu Sans"/>
+              </a:rPr>
+              <a:t>Moodle </a:t>
+            </a:r>
+            <a:r>
+              <a:rPr b="0" lang="en-US" sz="1800" spc="-1" strike="noStrike">
+                <a:solidFill>
+                  <a:srgbClr val="ffffff"/>
+                </a:solidFill>
+                <a:latin typeface="Century Schoolbook"/>
+                <a:ea typeface="DejaVu Sans"/>
+              </a:rPr>
+              <a:t>and </a:t>
+            </a:r>
+            <a:r>
+              <a:rPr b="0" lang="en-US" sz="1800" spc="-1" strike="noStrike">
+                <a:solidFill>
+                  <a:srgbClr val="ffffff"/>
+                </a:solidFill>
+                <a:latin typeface="Century Schoolbook"/>
+                <a:ea typeface="DejaVu Sans"/>
+              </a:rPr>
+              <a:t>navigat</a:t>
+            </a:r>
+            <a:r>
+              <a:rPr b="0" lang="en-US" sz="1800" spc="-1" strike="noStrike">
+                <a:solidFill>
+                  <a:srgbClr val="ffffff"/>
+                </a:solidFill>
+                <a:latin typeface="Century Schoolbook"/>
+                <a:ea typeface="DejaVu Sans"/>
+              </a:rPr>
+              <a:t>e to the </a:t>
+            </a:r>
+            <a:r>
+              <a:rPr b="0" lang="en-US" sz="1800" spc="-1" strike="noStrike">
+                <a:solidFill>
+                  <a:srgbClr val="ffffff"/>
+                </a:solidFill>
+                <a:latin typeface="Century Schoolbook"/>
+                <a:ea typeface="DejaVu Sans"/>
+              </a:rPr>
+              <a:t>M2 </a:t>
+            </a:r>
+            <a:r>
+              <a:rPr b="0" lang="en-US" sz="1800" spc="-1" strike="noStrike">
+                <a:solidFill>
+                  <a:srgbClr val="ffffff"/>
+                </a:solidFill>
+                <a:latin typeface="Century Schoolbook"/>
+                <a:ea typeface="DejaVu Sans"/>
+              </a:rPr>
+              <a:t>submiss</a:t>
+            </a:r>
+            <a:r>
+              <a:rPr b="0" lang="en-US" sz="1800" spc="-1" strike="noStrike">
+                <a:solidFill>
+                  <a:srgbClr val="ffffff"/>
+                </a:solidFill>
+                <a:latin typeface="Century Schoolbook"/>
+                <a:ea typeface="DejaVu Sans"/>
+              </a:rPr>
+              <a:t>ion box</a:t>
             </a:r>
             <a:endParaRPr b="0" lang="en-AU" sz="1800" spc="-1" strike="noStrike">
               <a:latin typeface="Arial"/>
@@ -6685,20 +9709,129 @@
                 <a:latin typeface="Century Schoolbook"/>
                 <a:ea typeface="DejaVu Sans"/>
               </a:rPr>
-              <a:t>- Have an empty folder called “LiveDemo” in the home directory (  ~/LiveDemo/   )</a:t>
+              <a:t>- Have </a:t>
+            </a:r>
+            <a:r>
+              <a:rPr b="0" lang="en-US" sz="1800" spc="-1" strike="noStrike">
+                <a:solidFill>
+                  <a:srgbClr val="ffffff"/>
+                </a:solidFill>
+                <a:latin typeface="Century Schoolbook"/>
+                <a:ea typeface="DejaVu Sans"/>
+              </a:rPr>
+              <a:t>an </a:t>
+            </a:r>
+            <a:r>
+              <a:rPr b="0" lang="en-US" sz="1800" spc="-1" strike="noStrike">
+                <a:solidFill>
+                  <a:srgbClr val="ffffff"/>
+                </a:solidFill>
+                <a:latin typeface="Century Schoolbook"/>
+                <a:ea typeface="DejaVu Sans"/>
+              </a:rPr>
+              <a:t>empty </a:t>
+            </a:r>
+            <a:r>
+              <a:rPr b="0" lang="en-US" sz="1800" spc="-1" strike="noStrike">
+                <a:solidFill>
+                  <a:srgbClr val="ffffff"/>
+                </a:solidFill>
+                <a:latin typeface="Century Schoolbook"/>
+                <a:ea typeface="DejaVu Sans"/>
+              </a:rPr>
+              <a:t>folder </a:t>
+            </a:r>
+            <a:r>
+              <a:rPr b="0" lang="en-US" sz="1800" spc="-1" strike="noStrike">
+                <a:solidFill>
+                  <a:srgbClr val="ffffff"/>
+                </a:solidFill>
+                <a:latin typeface="Century Schoolbook"/>
+                <a:ea typeface="DejaVu Sans"/>
+              </a:rPr>
+              <a:t>called </a:t>
+            </a:r>
+            <a:r>
+              <a:rPr b="0" lang="en-US" sz="1800" spc="-1" strike="noStrike">
+                <a:solidFill>
+                  <a:srgbClr val="ffffff"/>
+                </a:solidFill>
+                <a:latin typeface="Century Schoolbook"/>
+                <a:ea typeface="DejaVu Sans"/>
+              </a:rPr>
+              <a:t>“LiveDe</a:t>
+            </a:r>
+            <a:r>
+              <a:rPr b="0" lang="en-US" sz="1800" spc="-1" strike="noStrike">
+                <a:solidFill>
+                  <a:srgbClr val="ffffff"/>
+                </a:solidFill>
+                <a:latin typeface="Century Schoolbook"/>
+                <a:ea typeface="DejaVu Sans"/>
+              </a:rPr>
+              <a:t>mo” in </a:t>
+            </a:r>
+            <a:r>
+              <a:rPr b="0" lang="en-US" sz="1800" spc="-1" strike="noStrike">
+                <a:solidFill>
+                  <a:srgbClr val="ffffff"/>
+                </a:solidFill>
+                <a:latin typeface="Century Schoolbook"/>
+                <a:ea typeface="DejaVu Sans"/>
+              </a:rPr>
+              <a:t>the </a:t>
+            </a:r>
+            <a:r>
+              <a:rPr b="0" lang="en-US" sz="1800" spc="-1" strike="noStrike">
+                <a:solidFill>
+                  <a:srgbClr val="ffffff"/>
+                </a:solidFill>
+                <a:latin typeface="Century Schoolbook"/>
+                <a:ea typeface="DejaVu Sans"/>
+              </a:rPr>
+              <a:t>home </a:t>
+            </a:r>
+            <a:r>
+              <a:rPr b="0" lang="en-US" sz="1800" spc="-1" strike="noStrike">
+                <a:solidFill>
+                  <a:srgbClr val="ffffff"/>
+                </a:solidFill>
+                <a:latin typeface="Century Schoolbook"/>
+                <a:ea typeface="DejaVu Sans"/>
+              </a:rPr>
+              <a:t>director</a:t>
+            </a:r>
+            <a:r>
+              <a:rPr b="0" lang="en-US" sz="1800" spc="-1" strike="noStrike">
+                <a:solidFill>
+                  <a:srgbClr val="ffffff"/>
+                </a:solidFill>
+                <a:latin typeface="Century Schoolbook"/>
+                <a:ea typeface="DejaVu Sans"/>
+              </a:rPr>
+              <a:t>y (  </a:t>
+            </a:r>
+            <a:r>
+              <a:rPr b="0" lang="en-US" sz="1800" spc="-1" strike="noStrike">
+                <a:solidFill>
+                  <a:srgbClr val="ffffff"/>
+                </a:solidFill>
+                <a:latin typeface="Century Schoolbook"/>
+                <a:ea typeface="DejaVu Sans"/>
+              </a:rPr>
+              <a:t>~/LiveD</a:t>
+            </a:r>
+            <a:r>
+              <a:rPr b="0" lang="en-US" sz="1800" spc="-1" strike="noStrike">
+                <a:solidFill>
+                  <a:srgbClr val="ffffff"/>
+                </a:solidFill>
+                <a:latin typeface="Century Schoolbook"/>
+                <a:ea typeface="DejaVu Sans"/>
+              </a:rPr>
+              <a:t>emo/   )</a:t>
             </a:r>
             <a:endParaRPr b="0" lang="en-AU" sz="1800" spc="-1" strike="noStrike">
-              <a:latin typeface="Arial"/>
-            </a:endParaRPr>
-          </a:p>
-          <a:p>
-            <a:pPr>
-              <a:lnSpc>
-                <a:spcPct val="100000"/>
-              </a:lnSpc>
-              <a:buNone/>
-            </a:pPr>
-            <a:endParaRPr b="0" lang="en-AU" sz="1000" spc="-1" strike="noStrike">
               <a:latin typeface="Arial"/>
             </a:endParaRPr>
           </a:p>
@@ -6743,7 +9876,7 @@
         <p:spPr>
           <a:xfrm>
             <a:off x="478080" y="172440"/>
-            <a:ext cx="11712960" cy="820800"/>
+            <a:ext cx="11712600" cy="820800"/>
           </a:xfrm>
           <a:prstGeom prst="rect">
             <a:avLst/>
@@ -6778,7 +9911,57 @@
                 <a:latin typeface="Century Schoolbook"/>
                 <a:ea typeface="DejaVu Sans"/>
               </a:rPr>
-              <a:t>M2 – Marking</a:t>
+              <a:t>M</a:t>
+            </a:r>
+            <a:r>
+              <a:rPr b="0" lang="en-AU" sz="4800" spc="-1" strike="noStrike">
+                <a:solidFill>
+                  <a:srgbClr val="ffffff"/>
+                </a:solidFill>
+                <a:latin typeface="Century Schoolbook"/>
+                <a:ea typeface="DejaVu Sans"/>
+              </a:rPr>
+              <a:t>2 – </a:t>
+            </a:r>
+            <a:r>
+              <a:rPr b="0" lang="en-AU" sz="4800" spc="-1" strike="noStrike">
+                <a:solidFill>
+                  <a:srgbClr val="ffffff"/>
+                </a:solidFill>
+                <a:latin typeface="Century Schoolbook"/>
+                <a:ea typeface="DejaVu Sans"/>
+              </a:rPr>
+              <a:t>M</a:t>
+            </a:r>
+            <a:r>
+              <a:rPr b="0" lang="en-AU" sz="4800" spc="-1" strike="noStrike">
+                <a:solidFill>
+                  <a:srgbClr val="ffffff"/>
+                </a:solidFill>
+                <a:latin typeface="Century Schoolbook"/>
+                <a:ea typeface="DejaVu Sans"/>
+              </a:rPr>
+              <a:t>ar</a:t>
+            </a:r>
+            <a:r>
+              <a:rPr b="0" lang="en-AU" sz="4800" spc="-1" strike="noStrike">
+                <a:solidFill>
+                  <a:srgbClr val="ffffff"/>
+                </a:solidFill>
+                <a:latin typeface="Century Schoolbook"/>
+                <a:ea typeface="DejaVu Sans"/>
+              </a:rPr>
+              <a:t>ki</a:t>
+            </a:r>
+            <a:r>
+              <a:rPr b="0" lang="en-AU" sz="4800" spc="-1" strike="noStrike">
+                <a:solidFill>
+                  <a:srgbClr val="ffffff"/>
+                </a:solidFill>
+                <a:latin typeface="Century Schoolbook"/>
+                <a:ea typeface="DejaVu Sans"/>
+              </a:rPr>
+              <a:t>ng</a:t>
             </a:r>
             <a:endParaRPr b="0" lang="en-AU" sz="4800" spc="-1" strike="noStrike">
               <a:latin typeface="Arial"/>
@@ -6795,7 +9978,7 @@
         <p:spPr>
           <a:xfrm>
             <a:off x="478080" y="862200"/>
-            <a:ext cx="11526120" cy="4478760"/>
+            <a:ext cx="11525760" cy="4205160"/>
           </a:xfrm>
           <a:prstGeom prst="rect">
             <a:avLst/>
@@ -6841,7 +10024,57 @@
                 <a:latin typeface="Century Schoolbook"/>
                 <a:ea typeface="DejaVu Sans"/>
               </a:rPr>
-              <a:t>Step 3: (DURING the marking period)</a:t>
+              <a:t>Step 3: </a:t>
+            </a:r>
+            <a:r>
+              <a:rPr b="0" lang="en-US" sz="1800" spc="-1" strike="noStrike">
+                <a:solidFill>
+                  <a:srgbClr val="ffffff"/>
+                </a:solidFill>
+                <a:latin typeface="Century Schoolbook"/>
+                <a:ea typeface="DejaVu Sans"/>
+              </a:rPr>
+              <a:t>(DURI</a:t>
+            </a:r>
+            <a:r>
+              <a:rPr b="0" lang="en-US" sz="1800" spc="-1" strike="noStrike">
+                <a:solidFill>
+                  <a:srgbClr val="ffffff"/>
+                </a:solidFill>
+                <a:latin typeface="Century Schoolbook"/>
+                <a:ea typeface="DejaVu Sans"/>
+              </a:rPr>
+              <a:t>NG the </a:t>
+            </a:r>
+            <a:r>
+              <a:rPr b="0" lang="en-US" sz="1800" spc="-1" strike="noStrike">
+                <a:solidFill>
+                  <a:srgbClr val="ffffff"/>
+                </a:solidFill>
+                <a:latin typeface="Century Schoolbook"/>
+                <a:ea typeface="DejaVu Sans"/>
+              </a:rPr>
+              <a:t>markin</a:t>
+            </a:r>
+            <a:r>
+              <a:rPr b="0" lang="en-US" sz="1800" spc="-1" strike="noStrike">
+                <a:solidFill>
+                  <a:srgbClr val="ffffff"/>
+                </a:solidFill>
+                <a:latin typeface="Century Schoolbook"/>
+                <a:ea typeface="DejaVu Sans"/>
+              </a:rPr>
+              <a:t>g </a:t>
+            </a:r>
+            <a:r>
+              <a:rPr b="0" lang="en-US" sz="1800" spc="-1" strike="noStrike">
+                <a:solidFill>
+                  <a:srgbClr val="ffffff"/>
+                </a:solidFill>
+                <a:latin typeface="Century Schoolbook"/>
+                <a:ea typeface="DejaVu Sans"/>
+              </a:rPr>
+              <a:t>period)</a:t>
             </a:r>
             <a:endParaRPr b="0" lang="en-AU" sz="1800" spc="-1" strike="noStrike">
               <a:latin typeface="Arial"/>
@@ -6872,7 +10105,87 @@
                 <a:latin typeface="Century Schoolbook"/>
                 <a:ea typeface="DejaVu Sans"/>
               </a:rPr>
-              <a:t>- Come to the marking arena ONLY when it’s your group’s turn</a:t>
+              <a:t>- Come </a:t>
+            </a:r>
+            <a:r>
+              <a:rPr b="0" lang="en-US" sz="1800" spc="-1" strike="noStrike">
+                <a:solidFill>
+                  <a:srgbClr val="ffffff"/>
+                </a:solidFill>
+                <a:latin typeface="Century Schoolbook"/>
+                <a:ea typeface="DejaVu Sans"/>
+              </a:rPr>
+              <a:t>to the </a:t>
+            </a:r>
+            <a:r>
+              <a:rPr b="0" lang="en-US" sz="1800" spc="-1" strike="noStrike">
+                <a:solidFill>
+                  <a:srgbClr val="ffffff"/>
+                </a:solidFill>
+                <a:latin typeface="Century Schoolbook"/>
+                <a:ea typeface="DejaVu Sans"/>
+              </a:rPr>
+              <a:t>markin</a:t>
+            </a:r>
+            <a:r>
+              <a:rPr b="0" lang="en-US" sz="1800" spc="-1" strike="noStrike">
+                <a:solidFill>
+                  <a:srgbClr val="ffffff"/>
+                </a:solidFill>
+                <a:latin typeface="Century Schoolbook"/>
+                <a:ea typeface="DejaVu Sans"/>
+              </a:rPr>
+              <a:t>g arena </a:t>
+            </a:r>
+            <a:r>
+              <a:rPr b="0" lang="en-US" sz="1800" spc="-1" strike="noStrike">
+                <a:solidFill>
+                  <a:srgbClr val="ffffff"/>
+                </a:solidFill>
+                <a:latin typeface="Century Schoolbook"/>
+                <a:ea typeface="DejaVu Sans"/>
+              </a:rPr>
+              <a:t>ONLY </a:t>
+            </a:r>
+            <a:r>
+              <a:rPr b="0" lang="en-US" sz="1800" spc="-1" strike="noStrike">
+                <a:solidFill>
+                  <a:srgbClr val="ffffff"/>
+                </a:solidFill>
+                <a:latin typeface="Century Schoolbook"/>
+                <a:ea typeface="DejaVu Sans"/>
+              </a:rPr>
+              <a:t>when </a:t>
+            </a:r>
+            <a:r>
+              <a:rPr b="0" lang="en-US" sz="1800" spc="-1" strike="noStrike">
+                <a:solidFill>
+                  <a:srgbClr val="ffffff"/>
+                </a:solidFill>
+                <a:latin typeface="Century Schoolbook"/>
+                <a:ea typeface="DejaVu Sans"/>
+              </a:rPr>
+              <a:t>it’s your </a:t>
+            </a:r>
+            <a:r>
+              <a:rPr b="0" lang="en-US" sz="1800" spc="-1" strike="noStrike">
+                <a:solidFill>
+                  <a:srgbClr val="ffffff"/>
+                </a:solidFill>
+                <a:latin typeface="Century Schoolbook"/>
+                <a:ea typeface="DejaVu Sans"/>
+              </a:rPr>
+              <a:t>group’s </a:t>
+            </a:r>
+            <a:r>
+              <a:rPr b="0" lang="en-US" sz="1800" spc="-1" strike="noStrike">
+                <a:solidFill>
+                  <a:srgbClr val="ffffff"/>
+                </a:solidFill>
+                <a:latin typeface="Century Schoolbook"/>
+                <a:ea typeface="DejaVu Sans"/>
+              </a:rPr>
+              <a:t>turn</a:t>
             </a:r>
             <a:endParaRPr b="0" lang="en-AU" sz="1800" spc="-1" strike="noStrike">
               <a:latin typeface="Arial"/>
@@ -6903,7 +10216,157 @@
                 <a:latin typeface="Century Schoolbook"/>
                 <a:ea typeface="DejaVu Sans"/>
               </a:rPr>
-              <a:t>- Download your submission from Moodle into the LiveDemo folder and extract the contents</a:t>
+              <a:t>- </a:t>
+            </a:r>
+            <a:r>
+              <a:rPr b="0" lang="en-US" sz="1800" spc="-1" strike="noStrike">
+                <a:solidFill>
+                  <a:srgbClr val="ffffff"/>
+                </a:solidFill>
+                <a:latin typeface="Century Schoolbook"/>
+                <a:ea typeface="DejaVu Sans"/>
+              </a:rPr>
+              <a:t>Downlo</a:t>
+            </a:r>
+            <a:r>
+              <a:rPr b="0" lang="en-US" sz="1800" spc="-1" strike="noStrike">
+                <a:solidFill>
+                  <a:srgbClr val="ffffff"/>
+                </a:solidFill>
+                <a:latin typeface="Century Schoolbook"/>
+                <a:ea typeface="DejaVu Sans"/>
+              </a:rPr>
+              <a:t>ad your </a:t>
+            </a:r>
+            <a:r>
+              <a:rPr b="0" lang="en-US" sz="1800" spc="-1" strike="noStrike">
+                <a:solidFill>
+                  <a:srgbClr val="ffffff"/>
+                </a:solidFill>
+                <a:latin typeface="Century Schoolbook"/>
+                <a:ea typeface="DejaVu Sans"/>
+              </a:rPr>
+              <a:t>submiss</a:t>
+            </a:r>
+            <a:r>
+              <a:rPr b="0" lang="en-US" sz="1800" spc="-1" strike="noStrike">
+                <a:solidFill>
+                  <a:srgbClr val="ffffff"/>
+                </a:solidFill>
+                <a:latin typeface="Century Schoolbook"/>
+                <a:ea typeface="DejaVu Sans"/>
+              </a:rPr>
+              <a:t>ion </a:t>
+            </a:r>
+            <a:r>
+              <a:rPr b="0" lang="en-US" sz="1800" spc="-1" strike="noStrike">
+                <a:solidFill>
+                  <a:srgbClr val="ffffff"/>
+                </a:solidFill>
+                <a:latin typeface="Century Schoolbook"/>
+                <a:ea typeface="DejaVu Sans"/>
+              </a:rPr>
+              <a:t>from </a:t>
+            </a:r>
+            <a:r>
+              <a:rPr b="0" lang="en-US" sz="1800" spc="-1" strike="noStrike">
+                <a:solidFill>
+                  <a:srgbClr val="ffffff"/>
+                </a:solidFill>
+                <a:latin typeface="Century Schoolbook"/>
+                <a:ea typeface="DejaVu Sans"/>
+              </a:rPr>
+              <a:t>Moodle </a:t>
+            </a:r>
+            <a:r>
+              <a:rPr b="0" lang="en-US" sz="1800" spc="-1" strike="noStrike">
+                <a:solidFill>
+                  <a:srgbClr val="ffffff"/>
+                </a:solidFill>
+                <a:latin typeface="Century Schoolbook"/>
+                <a:ea typeface="DejaVu Sans"/>
+              </a:rPr>
+              <a:t>into the </a:t>
+            </a:r>
+            <a:r>
+              <a:rPr b="0" lang="en-US" sz="1800" spc="-1" strike="noStrike">
+                <a:solidFill>
+                  <a:srgbClr val="ffffff"/>
+                </a:solidFill>
+                <a:latin typeface="Century Schoolbook"/>
+                <a:ea typeface="DejaVu Sans"/>
+              </a:rPr>
+              <a:t>LiveDe</a:t>
+            </a:r>
+            <a:r>
+              <a:rPr b="0" lang="en-US" sz="1800" spc="-1" strike="noStrike">
+                <a:solidFill>
+                  <a:srgbClr val="ffffff"/>
+                </a:solidFill>
+                <a:latin typeface="Century Schoolbook"/>
+                <a:ea typeface="DejaVu Sans"/>
+              </a:rPr>
+              <a:t>mo </a:t>
+            </a:r>
+            <a:r>
+              <a:rPr b="0" lang="en-US" sz="1800" spc="-1" strike="noStrike">
+                <a:solidFill>
+                  <a:srgbClr val="ffffff"/>
+                </a:solidFill>
+                <a:latin typeface="Century Schoolbook"/>
+                <a:ea typeface="DejaVu Sans"/>
+              </a:rPr>
+              <a:t>folder </a:t>
+            </a:r>
+            <a:r>
+              <a:rPr b="0" lang="en-US" sz="1800" spc="-1" strike="noStrike">
+                <a:solidFill>
+                  <a:srgbClr val="ffffff"/>
+                </a:solidFill>
+                <a:latin typeface="Century Schoolbook"/>
+                <a:ea typeface="DejaVu Sans"/>
+              </a:rPr>
+              <a:t>and </a:t>
+            </a:r>
+            <a:r>
+              <a:rPr b="0" lang="en-US" sz="1800" spc="-1" strike="noStrike">
+                <a:solidFill>
+                  <a:srgbClr val="ffffff"/>
+                </a:solidFill>
+                <a:latin typeface="Century Schoolbook"/>
+                <a:ea typeface="DejaVu Sans"/>
+              </a:rPr>
+              <a:t>extract </a:t>
+            </a:r>
+            <a:r>
+              <a:rPr b="0" lang="en-US" sz="1800" spc="-1" strike="noStrike">
+                <a:solidFill>
+                  <a:srgbClr val="ffffff"/>
+                </a:solidFill>
+                <a:latin typeface="Century Schoolbook"/>
+                <a:ea typeface="DejaVu Sans"/>
+              </a:rPr>
+              <a:t>the </a:t>
+            </a:r>
+            <a:r>
+              <a:rPr b="0" lang="en-US" sz="1800" spc="-1" strike="noStrike">
+                <a:solidFill>
+                  <a:srgbClr val="ffffff"/>
+                </a:solidFill>
+                <a:latin typeface="Century Schoolbook"/>
+                <a:ea typeface="DejaVu Sans"/>
+              </a:rPr>
+              <a:t>content</a:t>
+            </a:r>
+            <a:r>
+              <a:rPr b="0" lang="en-US" sz="1800" spc="-1" strike="noStrike">
+                <a:solidFill>
+                  <a:srgbClr val="ffffff"/>
+                </a:solidFill>
+                <a:latin typeface="Century Schoolbook"/>
+                <a:ea typeface="DejaVu Sans"/>
+              </a:rPr>
+              <a:t>s</a:t>
             </a:r>
             <a:endParaRPr b="0" lang="en-AU" sz="1800" spc="-1" strike="noStrike">
               <a:latin typeface="Arial"/>
@@ -6934,7 +10397,47 @@
                 <a:latin typeface="Century Schoolbook"/>
                 <a:ea typeface="DejaVu Sans"/>
               </a:rPr>
-              <a:t>- Activate your Python venv</a:t>
+              <a:t>- </a:t>
+            </a:r>
+            <a:r>
+              <a:rPr b="0" lang="en-US" sz="1800" spc="-1" strike="noStrike">
+                <a:solidFill>
+                  <a:srgbClr val="ffffff"/>
+                </a:solidFill>
+                <a:latin typeface="Century Schoolbook"/>
+                <a:ea typeface="DejaVu Sans"/>
+              </a:rPr>
+              <a:t>Activate </a:t>
+            </a:r>
+            <a:r>
+              <a:rPr b="0" lang="en-US" sz="1800" spc="-1" strike="noStrike">
+                <a:solidFill>
+                  <a:srgbClr val="ffffff"/>
+                </a:solidFill>
+                <a:latin typeface="Century Schoolbook"/>
+                <a:ea typeface="DejaVu Sans"/>
+              </a:rPr>
+              <a:t>your </a:t>
+            </a:r>
+            <a:r>
+              <a:rPr b="0" lang="en-US" sz="1800" spc="-1" strike="noStrike">
+                <a:solidFill>
+                  <a:srgbClr val="ffffff"/>
+                </a:solidFill>
+                <a:latin typeface="Century Schoolbook"/>
+                <a:ea typeface="DejaVu Sans"/>
+              </a:rPr>
+              <a:t>Python </a:t>
+            </a:r>
+            <a:r>
+              <a:rPr b="0" lang="en-US" sz="1800" spc="-1" strike="noStrike">
+                <a:solidFill>
+                  <a:srgbClr val="ffffff"/>
+                </a:solidFill>
+                <a:latin typeface="Century Schoolbook"/>
+                <a:ea typeface="DejaVu Sans"/>
+              </a:rPr>
+              <a:t>venv</a:t>
             </a:r>
             <a:endParaRPr b="0" lang="en-AU" sz="1800" spc="-1" strike="noStrike">
               <a:latin typeface="Arial"/>
@@ -6965,7 +10468,37 @@
                 <a:latin typeface="Century Schoolbook"/>
                 <a:ea typeface="DejaVu Sans"/>
               </a:rPr>
-              <a:t>- Connect to your robot</a:t>
+              <a:t>- </a:t>
+            </a:r>
+            <a:r>
+              <a:rPr b="0" lang="en-US" sz="1800" spc="-1" strike="noStrike">
+                <a:solidFill>
+                  <a:srgbClr val="ffffff"/>
+                </a:solidFill>
+                <a:latin typeface="Century Schoolbook"/>
+                <a:ea typeface="DejaVu Sans"/>
+              </a:rPr>
+              <a:t>Connect </a:t>
+            </a:r>
+            <a:r>
+              <a:rPr b="0" lang="en-US" sz="1800" spc="-1" strike="noStrike">
+                <a:solidFill>
+                  <a:srgbClr val="ffffff"/>
+                </a:solidFill>
+                <a:latin typeface="Century Schoolbook"/>
+                <a:ea typeface="DejaVu Sans"/>
+              </a:rPr>
+              <a:t>to your </a:t>
+            </a:r>
+            <a:r>
+              <a:rPr b="0" lang="en-US" sz="1800" spc="-1" strike="noStrike">
+                <a:solidFill>
+                  <a:srgbClr val="ffffff"/>
+                </a:solidFill>
+                <a:latin typeface="Century Schoolbook"/>
+                <a:ea typeface="DejaVu Sans"/>
+              </a:rPr>
+              <a:t>robot</a:t>
             </a:r>
             <a:endParaRPr b="0" lang="en-AU" sz="1800" spc="-1" strike="noStrike">
               <a:latin typeface="Arial"/>
@@ -6996,7 +10529,77 @@
                 <a:latin typeface="Century Schoolbook"/>
                 <a:ea typeface="DejaVu Sans"/>
               </a:rPr>
-              <a:t>- Navigate into the unzipped submission</a:t>
+              <a:t>- </a:t>
+            </a:r>
+            <a:r>
+              <a:rPr b="0" lang="en-US" sz="1800" spc="-1" strike="noStrike">
+                <a:solidFill>
+                  <a:srgbClr val="ffffff"/>
+                </a:solidFill>
+                <a:latin typeface="Century Schoolbook"/>
+                <a:ea typeface="DejaVu Sans"/>
+              </a:rPr>
+              <a:t>Navigat</a:t>
+            </a:r>
+            <a:r>
+              <a:rPr b="0" lang="en-US" sz="1800" spc="-1" strike="noStrike">
+                <a:solidFill>
+                  <a:srgbClr val="ffffff"/>
+                </a:solidFill>
+                <a:latin typeface="Century Schoolbook"/>
+                <a:ea typeface="DejaVu Sans"/>
+              </a:rPr>
+              <a:t>e into </a:t>
+            </a:r>
+            <a:r>
+              <a:rPr b="0" lang="en-US" sz="1800" spc="-1" strike="noStrike">
+                <a:solidFill>
+                  <a:srgbClr val="ffffff"/>
+                </a:solidFill>
+                <a:latin typeface="Century Schoolbook"/>
+                <a:ea typeface="DejaVu Sans"/>
+              </a:rPr>
+              <a:t>the </a:t>
+            </a:r>
+            <a:r>
+              <a:rPr b="0" lang="en-US" sz="1800" spc="-1" strike="noStrike">
+                <a:solidFill>
+                  <a:srgbClr val="ffffff"/>
+                </a:solidFill>
+                <a:latin typeface="Century Schoolbook"/>
+                <a:ea typeface="DejaVu Sans"/>
+              </a:rPr>
+              <a:t>unzippe</a:t>
+            </a:r>
+            <a:r>
+              <a:rPr b="0" lang="en-US" sz="1800" spc="-1" strike="noStrike">
+                <a:solidFill>
+                  <a:srgbClr val="ffffff"/>
+                </a:solidFill>
+                <a:latin typeface="Century Schoolbook"/>
+                <a:ea typeface="DejaVu Sans"/>
+              </a:rPr>
+              <a:t>d </a:t>
+            </a:r>
+            <a:r>
+              <a:rPr b="0" lang="en-US" sz="1800" spc="-1" strike="noStrike">
+                <a:solidFill>
+                  <a:srgbClr val="ffffff"/>
+                </a:solidFill>
+                <a:latin typeface="Century Schoolbook"/>
+                <a:ea typeface="DejaVu Sans"/>
+              </a:rPr>
+              <a:t>submiss</a:t>
+            </a:r>
+            <a:r>
+              <a:rPr b="0" lang="en-US" sz="1800" spc="-1" strike="noStrike">
+                <a:solidFill>
+                  <a:srgbClr val="ffffff"/>
+                </a:solidFill>
+                <a:latin typeface="Century Schoolbook"/>
+                <a:ea typeface="DejaVu Sans"/>
+              </a:rPr>
+              <a:t>ion</a:t>
             </a:r>
             <a:endParaRPr b="0" lang="en-AU" sz="1800" spc="-1" strike="noStrike">
               <a:latin typeface="Arial"/>
@@ -7027,7 +10630,117 @@
                 <a:latin typeface="Century Schoolbook"/>
                 <a:ea typeface="DejaVu Sans"/>
               </a:rPr>
-              <a:t>- When the demonstrator says it’s fine to start you may run your SLAM demo</a:t>
+              <a:t>- When </a:t>
+            </a:r>
+            <a:r>
+              <a:rPr b="0" lang="en-US" sz="1800" spc="-1" strike="noStrike">
+                <a:solidFill>
+                  <a:srgbClr val="ffffff"/>
+                </a:solidFill>
+                <a:latin typeface="Century Schoolbook"/>
+                <a:ea typeface="DejaVu Sans"/>
+              </a:rPr>
+              <a:t>the </a:t>
+            </a:r>
+            <a:r>
+              <a:rPr b="0" lang="en-US" sz="1800" spc="-1" strike="noStrike">
+                <a:solidFill>
+                  <a:srgbClr val="ffffff"/>
+                </a:solidFill>
+                <a:latin typeface="Century Schoolbook"/>
+                <a:ea typeface="DejaVu Sans"/>
+              </a:rPr>
+              <a:t>demons</a:t>
+            </a:r>
+            <a:r>
+              <a:rPr b="0" lang="en-US" sz="1800" spc="-1" strike="noStrike">
+                <a:solidFill>
+                  <a:srgbClr val="ffffff"/>
+                </a:solidFill>
+                <a:latin typeface="Century Schoolbook"/>
+                <a:ea typeface="DejaVu Sans"/>
+              </a:rPr>
+              <a:t>trator </a:t>
+            </a:r>
+            <a:r>
+              <a:rPr b="0" lang="en-US" sz="1800" spc="-1" strike="noStrike">
+                <a:solidFill>
+                  <a:srgbClr val="ffffff"/>
+                </a:solidFill>
+                <a:latin typeface="Century Schoolbook"/>
+                <a:ea typeface="DejaVu Sans"/>
+              </a:rPr>
+              <a:t>says it’s </a:t>
+            </a:r>
+            <a:r>
+              <a:rPr b="0" lang="en-US" sz="1800" spc="-1" strike="noStrike">
+                <a:solidFill>
+                  <a:srgbClr val="ffffff"/>
+                </a:solidFill>
+                <a:latin typeface="Century Schoolbook"/>
+                <a:ea typeface="DejaVu Sans"/>
+              </a:rPr>
+              <a:t>fine to </a:t>
+            </a:r>
+            <a:r>
+              <a:rPr b="0" lang="en-US" sz="1800" spc="-1" strike="noStrike">
+                <a:solidFill>
+                  <a:srgbClr val="ffffff"/>
+                </a:solidFill>
+                <a:latin typeface="Century Schoolbook"/>
+                <a:ea typeface="DejaVu Sans"/>
+              </a:rPr>
+              <a:t>start </a:t>
+            </a:r>
+            <a:r>
+              <a:rPr b="0" lang="en-US" sz="1800" spc="-1" strike="noStrike">
+                <a:solidFill>
+                  <a:srgbClr val="ffffff"/>
+                </a:solidFill>
+                <a:latin typeface="Century Schoolbook"/>
+                <a:ea typeface="DejaVu Sans"/>
+              </a:rPr>
+              <a:t>you may </a:t>
+            </a:r>
+            <a:r>
+              <a:rPr b="0" lang="en-US" sz="1800" spc="-1" strike="noStrike">
+                <a:solidFill>
+                  <a:srgbClr val="ffffff"/>
+                </a:solidFill>
+                <a:latin typeface="Century Schoolbook"/>
+                <a:ea typeface="DejaVu Sans"/>
+              </a:rPr>
+              <a:t>run </a:t>
+            </a:r>
+            <a:r>
+              <a:rPr b="0" lang="en-US" sz="1800" spc="-1" strike="noStrike">
+                <a:solidFill>
+                  <a:srgbClr val="ffffff"/>
+                </a:solidFill>
+                <a:latin typeface="Century Schoolbook"/>
+                <a:ea typeface="DejaVu Sans"/>
+              </a:rPr>
+              <a:t>your </a:t>
+            </a:r>
+            <a:r>
+              <a:rPr b="0" lang="en-US" sz="1800" spc="-1" strike="noStrike">
+                <a:solidFill>
+                  <a:srgbClr val="ffffff"/>
+                </a:solidFill>
+                <a:latin typeface="Century Schoolbook"/>
+                <a:ea typeface="DejaVu Sans"/>
+              </a:rPr>
+              <a:t>SLAM </a:t>
+            </a:r>
+            <a:r>
+              <a:rPr b="0" lang="en-US" sz="1800" spc="-1" strike="noStrike">
+                <a:solidFill>
+                  <a:srgbClr val="ffffff"/>
+                </a:solidFill>
+                <a:latin typeface="Century Schoolbook"/>
+                <a:ea typeface="DejaVu Sans"/>
+              </a:rPr>
+              <a:t>demo</a:t>
             </a:r>
             <a:endParaRPr b="0" lang="en-AU" sz="1800" spc="-1" strike="noStrike">
               <a:latin typeface="Arial"/>
@@ -7058,7 +10771,107 @@
                 <a:latin typeface="Century Schoolbook"/>
                 <a:ea typeface="DejaVu Sans"/>
               </a:rPr>
-              <a:t>- You can run SLAM several times and submit all the maps generated</a:t>
+              <a:t>- You </a:t>
+            </a:r>
+            <a:r>
+              <a:rPr b="0" lang="en-US" sz="1800" spc="-1" strike="noStrike">
+                <a:solidFill>
+                  <a:srgbClr val="ffffff"/>
+                </a:solidFill>
+                <a:latin typeface="Century Schoolbook"/>
+                <a:ea typeface="DejaVu Sans"/>
+              </a:rPr>
+              <a:t>can run </a:t>
+            </a:r>
+            <a:r>
+              <a:rPr b="0" lang="en-US" sz="1800" spc="-1" strike="noStrike">
+                <a:solidFill>
+                  <a:srgbClr val="ffffff"/>
+                </a:solidFill>
+                <a:latin typeface="Century Schoolbook"/>
+                <a:ea typeface="DejaVu Sans"/>
+              </a:rPr>
+              <a:t>SLAM </a:t>
+            </a:r>
+            <a:r>
+              <a:rPr b="0" lang="en-US" sz="1800" spc="-1" strike="noStrike">
+                <a:solidFill>
+                  <a:srgbClr val="ffffff"/>
+                </a:solidFill>
+                <a:latin typeface="Century Schoolbook"/>
+                <a:ea typeface="DejaVu Sans"/>
+              </a:rPr>
+              <a:t>several </a:t>
+            </a:r>
+            <a:r>
+              <a:rPr b="0" lang="en-US" sz="1800" spc="-1" strike="noStrike">
+                <a:solidFill>
+                  <a:srgbClr val="ffffff"/>
+                </a:solidFill>
+                <a:latin typeface="Century Schoolbook"/>
+                <a:ea typeface="DejaVu Sans"/>
+              </a:rPr>
+              <a:t>times </a:t>
+            </a:r>
+            <a:r>
+              <a:rPr b="0" lang="en-US" sz="1800" spc="-1" strike="noStrike">
+                <a:solidFill>
+                  <a:srgbClr val="ffffff"/>
+                </a:solidFill>
+                <a:latin typeface="Century Schoolbook"/>
+                <a:ea typeface="DejaVu Sans"/>
+              </a:rPr>
+              <a:t>and </a:t>
+            </a:r>
+            <a:r>
+              <a:rPr b="0" lang="en-US" sz="1800" spc="-1" strike="noStrike">
+                <a:solidFill>
+                  <a:srgbClr val="ffffff"/>
+                </a:solidFill>
+                <a:latin typeface="Century Schoolbook"/>
+                <a:ea typeface="DejaVu Sans"/>
+              </a:rPr>
+              <a:t>submit </a:t>
+            </a:r>
+            <a:r>
+              <a:rPr b="0" lang="en-US" sz="1800" spc="-1" strike="noStrike">
+                <a:solidFill>
+                  <a:srgbClr val="ffffff"/>
+                </a:solidFill>
+                <a:latin typeface="Century Schoolbook"/>
+                <a:ea typeface="DejaVu Sans"/>
+              </a:rPr>
+              <a:t>all the </a:t>
+            </a:r>
+            <a:r>
+              <a:rPr b="0" lang="en-US" sz="1800" spc="-1" strike="noStrike">
+                <a:solidFill>
+                  <a:srgbClr val="ffffff"/>
+                </a:solidFill>
+                <a:latin typeface="Century Schoolbook"/>
+                <a:ea typeface="DejaVu Sans"/>
+              </a:rPr>
+              <a:t>maps </a:t>
+            </a:r>
+            <a:r>
+              <a:rPr b="0" lang="en-US" sz="1800" spc="-1" strike="noStrike">
+                <a:solidFill>
+                  <a:srgbClr val="ffffff"/>
+                </a:solidFill>
+                <a:latin typeface="Century Schoolbook"/>
+                <a:ea typeface="DejaVu Sans"/>
+              </a:rPr>
+              <a:t>generat</a:t>
+            </a:r>
+            <a:r>
+              <a:rPr b="0" lang="en-US" sz="1800" spc="-1" strike="noStrike">
+                <a:solidFill>
+                  <a:srgbClr val="ffffff"/>
+                </a:solidFill>
+                <a:latin typeface="Century Schoolbook"/>
+                <a:ea typeface="DejaVu Sans"/>
+              </a:rPr>
+              <a:t>ed</a:t>
             </a:r>
             <a:endParaRPr b="0" lang="en-AU" sz="1800" spc="-1" strike="noStrike">
               <a:latin typeface="Arial"/>
@@ -7089,7 +10902,117 @@
                 <a:latin typeface="Century Schoolbook"/>
                 <a:ea typeface="DejaVu Sans"/>
               </a:rPr>
-              <a:t>- When complete, submit your generated maps (lab_output/slam.txt) to Moodle </a:t>
+              <a:t>- When </a:t>
+            </a:r>
+            <a:r>
+              <a:rPr b="0" lang="en-US" sz="1800" spc="-1" strike="noStrike">
+                <a:solidFill>
+                  <a:srgbClr val="ffffff"/>
+                </a:solidFill>
+                <a:latin typeface="Century Schoolbook"/>
+                <a:ea typeface="DejaVu Sans"/>
+              </a:rPr>
+              <a:t>complet</a:t>
+            </a:r>
+            <a:r>
+              <a:rPr b="0" lang="en-US" sz="1800" spc="-1" strike="noStrike">
+                <a:solidFill>
+                  <a:srgbClr val="ffffff"/>
+                </a:solidFill>
+                <a:latin typeface="Century Schoolbook"/>
+                <a:ea typeface="DejaVu Sans"/>
+              </a:rPr>
+              <a:t>e, </a:t>
+            </a:r>
+            <a:r>
+              <a:rPr b="0" lang="en-US" sz="1800" spc="-1" strike="noStrike">
+                <a:solidFill>
+                  <a:srgbClr val="ffffff"/>
+                </a:solidFill>
+                <a:latin typeface="Century Schoolbook"/>
+                <a:ea typeface="DejaVu Sans"/>
+              </a:rPr>
+              <a:t>submit </a:t>
+            </a:r>
+            <a:r>
+              <a:rPr b="0" lang="en-US" sz="1800" spc="-1" strike="noStrike">
+                <a:solidFill>
+                  <a:srgbClr val="ffffff"/>
+                </a:solidFill>
+                <a:latin typeface="Century Schoolbook"/>
+                <a:ea typeface="DejaVu Sans"/>
+              </a:rPr>
+              <a:t>your </a:t>
+            </a:r>
+            <a:r>
+              <a:rPr b="0" lang="en-US" sz="1800" spc="-1" strike="noStrike">
+                <a:solidFill>
+                  <a:srgbClr val="ffffff"/>
+                </a:solidFill>
+                <a:latin typeface="Century Schoolbook"/>
+                <a:ea typeface="DejaVu Sans"/>
+              </a:rPr>
+              <a:t>generat</a:t>
+            </a:r>
+            <a:r>
+              <a:rPr b="0" lang="en-US" sz="1800" spc="-1" strike="noStrike">
+                <a:solidFill>
+                  <a:srgbClr val="ffffff"/>
+                </a:solidFill>
+                <a:latin typeface="Century Schoolbook"/>
+                <a:ea typeface="DejaVu Sans"/>
+              </a:rPr>
+              <a:t>ed maps </a:t>
+            </a:r>
+            <a:r>
+              <a:rPr b="0" lang="en-US" sz="1800" spc="-1" strike="noStrike">
+                <a:solidFill>
+                  <a:srgbClr val="ffffff"/>
+                </a:solidFill>
+                <a:latin typeface="Century Schoolbook"/>
+                <a:ea typeface="DejaVu Sans"/>
+              </a:rPr>
+              <a:t>(lab_out</a:t>
+            </a:r>
+            <a:r>
+              <a:rPr b="0" lang="en-US" sz="1800" spc="-1" strike="noStrike">
+                <a:solidFill>
+                  <a:srgbClr val="ffffff"/>
+                </a:solidFill>
+                <a:latin typeface="Century Schoolbook"/>
+                <a:ea typeface="DejaVu Sans"/>
+              </a:rPr>
+              <a:t>put/sla</a:t>
+            </a:r>
+            <a:r>
+              <a:rPr b="0" lang="en-US" sz="1800" spc="-1" strike="noStrike">
+                <a:solidFill>
+                  <a:srgbClr val="ffffff"/>
+                </a:solidFill>
+                <a:latin typeface="Century Schoolbook"/>
+                <a:ea typeface="DejaVu Sans"/>
+              </a:rPr>
+              <a:t>m.txt) </a:t>
+            </a:r>
+            <a:r>
+              <a:rPr b="0" lang="en-US" sz="1800" spc="-1" strike="noStrike">
+                <a:solidFill>
+                  <a:srgbClr val="ffffff"/>
+                </a:solidFill>
+                <a:latin typeface="Century Schoolbook"/>
+                <a:ea typeface="DejaVu Sans"/>
+              </a:rPr>
+              <a:t>to </a:t>
+            </a:r>
+            <a:r>
+              <a:rPr b="0" lang="en-US" sz="1800" spc="-1" strike="noStrike">
+                <a:solidFill>
+                  <a:srgbClr val="ffffff"/>
+                </a:solidFill>
+                <a:latin typeface="Century Schoolbook"/>
+                <a:ea typeface="DejaVu Sans"/>
+              </a:rPr>
+              <a:t>Moodle </a:t>
             </a:r>
             <a:endParaRPr b="0" lang="en-AU" sz="1800" spc="-1" strike="noStrike">
               <a:latin typeface="Arial"/>
@@ -7121,7 +11044,17 @@
                 <a:latin typeface="Century Schoolbook"/>
                 <a:ea typeface="DejaVu Sans"/>
               </a:rPr>
-              <a:t>You have a </a:t>
+              <a:t>You </a:t>
+            </a:r>
+            <a:r>
+              <a:rPr b="0" lang="en-US" sz="1800" spc="-1" strike="noStrike">
+                <a:solidFill>
+                  <a:srgbClr val="ffffff"/>
+                </a:solidFill>
+                <a:latin typeface="Century Schoolbook"/>
+                <a:ea typeface="DejaVu Sans"/>
+              </a:rPr>
+              <a:t>have a </a:t>
             </a:r>
             <a:r>
               <a:rPr b="1" lang="en-US" sz="1800" spc="-1" strike="noStrike">
@@ -7131,17 +11064,277 @@
                 <a:latin typeface="Century Schoolbook"/>
                 <a:ea typeface="DejaVu Sans"/>
               </a:rPr>
-              <a:t>strict time limit of 15min </a:t>
-            </a:r>
-            <a:r>
-              <a:rPr b="0" lang="en-US" sz="1800" spc="-1" strike="noStrike">
-                <a:solidFill>
-                  <a:srgbClr val="ffffff"/>
-                </a:solidFill>
-                <a:latin typeface="Century Schoolbook"/>
-                <a:ea typeface="DejaVu Sans"/>
-              </a:rPr>
-              <a:t>in total for Step 3 (live demo marking), including the download, re-setting arena layout / robot location if needed in between runs, and map submission. </a:t>
+              <a:t>strict </a:t>
+            </a:r>
+            <a:r>
+              <a:rPr b="1" lang="en-US" sz="1800" spc="-1" strike="noStrike">
+                <a:solidFill>
+                  <a:srgbClr val="ffffff"/>
+                </a:solidFill>
+                <a:latin typeface="Century Schoolbook"/>
+                <a:ea typeface="DejaVu Sans"/>
+              </a:rPr>
+              <a:t>time </a:t>
+            </a:r>
+            <a:r>
+              <a:rPr b="1" lang="en-US" sz="1800" spc="-1" strike="noStrike">
+                <a:solidFill>
+                  <a:srgbClr val="ffffff"/>
+                </a:solidFill>
+                <a:latin typeface="Century Schoolbook"/>
+                <a:ea typeface="DejaVu Sans"/>
+              </a:rPr>
+              <a:t>limit of </a:t>
+            </a:r>
+            <a:r>
+              <a:rPr b="1" lang="en-US" sz="1800" spc="-1" strike="noStrike">
+                <a:solidFill>
+                  <a:srgbClr val="ffffff"/>
+                </a:solidFill>
+                <a:latin typeface="Century Schoolbook"/>
+                <a:ea typeface="DejaVu Sans"/>
+              </a:rPr>
+              <a:t>15min </a:t>
+            </a:r>
+            <a:r>
+              <a:rPr b="0" lang="en-US" sz="1800" spc="-1" strike="noStrike">
+                <a:solidFill>
+                  <a:srgbClr val="ffffff"/>
+                </a:solidFill>
+                <a:latin typeface="Century Schoolbook"/>
+                <a:ea typeface="DejaVu Sans"/>
+              </a:rPr>
+              <a:t>in total </a:t>
+            </a:r>
+            <a:r>
+              <a:rPr b="0" lang="en-US" sz="1800" spc="-1" strike="noStrike">
+                <a:solidFill>
+                  <a:srgbClr val="ffffff"/>
+                </a:solidFill>
+                <a:latin typeface="Century Schoolbook"/>
+                <a:ea typeface="DejaVu Sans"/>
+              </a:rPr>
+              <a:t>for Step </a:t>
+            </a:r>
+            <a:r>
+              <a:rPr b="0" lang="en-US" sz="1800" spc="-1" strike="noStrike">
+                <a:solidFill>
+                  <a:srgbClr val="ffffff"/>
+                </a:solidFill>
+                <a:latin typeface="Century Schoolbook"/>
+                <a:ea typeface="DejaVu Sans"/>
+              </a:rPr>
+              <a:t>3 (live </a:t>
+            </a:r>
+            <a:r>
+              <a:rPr b="0" lang="en-US" sz="1800" spc="-1" strike="noStrike">
+                <a:solidFill>
+                  <a:srgbClr val="ffffff"/>
+                </a:solidFill>
+                <a:latin typeface="Century Schoolbook"/>
+                <a:ea typeface="DejaVu Sans"/>
+              </a:rPr>
+              <a:t>demo </a:t>
+            </a:r>
+            <a:r>
+              <a:rPr b="0" lang="en-US" sz="1800" spc="-1" strike="noStrike">
+                <a:solidFill>
+                  <a:srgbClr val="ffffff"/>
+                </a:solidFill>
+                <a:latin typeface="Century Schoolbook"/>
+                <a:ea typeface="DejaVu Sans"/>
+              </a:rPr>
+              <a:t>markin</a:t>
+            </a:r>
+            <a:r>
+              <a:rPr b="0" lang="en-US" sz="1800" spc="-1" strike="noStrike">
+                <a:solidFill>
+                  <a:srgbClr val="ffffff"/>
+                </a:solidFill>
+                <a:latin typeface="Century Schoolbook"/>
+                <a:ea typeface="DejaVu Sans"/>
+              </a:rPr>
+              <a:t>g), </a:t>
+            </a:r>
+            <a:r>
+              <a:rPr b="0" lang="en-US" sz="1800" spc="-1" strike="noStrike">
+                <a:solidFill>
+                  <a:srgbClr val="ffffff"/>
+                </a:solidFill>
+                <a:latin typeface="Century Schoolbook"/>
+                <a:ea typeface="DejaVu Sans"/>
+              </a:rPr>
+              <a:t>includin</a:t>
+            </a:r>
+            <a:r>
+              <a:rPr b="0" lang="en-US" sz="1800" spc="-1" strike="noStrike">
+                <a:solidFill>
+                  <a:srgbClr val="ffffff"/>
+                </a:solidFill>
+                <a:latin typeface="Century Schoolbook"/>
+                <a:ea typeface="DejaVu Sans"/>
+              </a:rPr>
+              <a:t>g the </a:t>
+            </a:r>
+            <a:r>
+              <a:rPr b="0" lang="en-US" sz="1800" spc="-1" strike="noStrike">
+                <a:solidFill>
+                  <a:srgbClr val="ffffff"/>
+                </a:solidFill>
+                <a:latin typeface="Century Schoolbook"/>
+                <a:ea typeface="DejaVu Sans"/>
+              </a:rPr>
+              <a:t>downloa</a:t>
+            </a:r>
+            <a:r>
+              <a:rPr b="0" lang="en-US" sz="1800" spc="-1" strike="noStrike">
+                <a:solidFill>
+                  <a:srgbClr val="ffffff"/>
+                </a:solidFill>
+                <a:latin typeface="Century Schoolbook"/>
+                <a:ea typeface="DejaVu Sans"/>
+              </a:rPr>
+              <a:t>d, re-</a:t>
+            </a:r>
+            <a:r>
+              <a:rPr b="0" lang="en-US" sz="1800" spc="-1" strike="noStrike">
+                <a:solidFill>
+                  <a:srgbClr val="ffffff"/>
+                </a:solidFill>
+                <a:latin typeface="Century Schoolbook"/>
+                <a:ea typeface="DejaVu Sans"/>
+              </a:rPr>
+              <a:t>setting </a:t>
+            </a:r>
+            <a:r>
+              <a:rPr b="0" lang="en-US" sz="1800" spc="-1" strike="noStrike">
+                <a:solidFill>
+                  <a:srgbClr val="ffffff"/>
+                </a:solidFill>
+                <a:latin typeface="Century Schoolbook"/>
+                <a:ea typeface="DejaVu Sans"/>
+              </a:rPr>
+              <a:t>arena </a:t>
+            </a:r>
+            <a:r>
+              <a:rPr b="0" lang="en-US" sz="1800" spc="-1" strike="noStrike">
+                <a:solidFill>
+                  <a:srgbClr val="ffffff"/>
+                </a:solidFill>
+                <a:latin typeface="Century Schoolbook"/>
+                <a:ea typeface="DejaVu Sans"/>
+              </a:rPr>
+              <a:t>layout / </a:t>
+            </a:r>
+            <a:r>
+              <a:rPr b="0" lang="en-US" sz="1800" spc="-1" strike="noStrike">
+                <a:solidFill>
+                  <a:srgbClr val="ffffff"/>
+                </a:solidFill>
+                <a:latin typeface="Century Schoolbook"/>
+                <a:ea typeface="DejaVu Sans"/>
+              </a:rPr>
+              <a:t>robot </a:t>
+            </a:r>
+            <a:r>
+              <a:rPr b="0" lang="en-US" sz="1800" spc="-1" strike="noStrike">
+                <a:solidFill>
+                  <a:srgbClr val="ffffff"/>
+                </a:solidFill>
+                <a:latin typeface="Century Schoolbook"/>
+                <a:ea typeface="DejaVu Sans"/>
+              </a:rPr>
+              <a:t>location </a:t>
+            </a:r>
+            <a:r>
+              <a:rPr b="0" lang="en-US" sz="1800" spc="-1" strike="noStrike">
+                <a:solidFill>
+                  <a:srgbClr val="ffffff"/>
+                </a:solidFill>
+                <a:latin typeface="Century Schoolbook"/>
+                <a:ea typeface="DejaVu Sans"/>
+              </a:rPr>
+              <a:t>if </a:t>
+            </a:r>
+            <a:r>
+              <a:rPr b="0" lang="en-US" sz="1800" spc="-1" strike="noStrike">
+                <a:solidFill>
+                  <a:srgbClr val="ffffff"/>
+                </a:solidFill>
+                <a:latin typeface="Century Schoolbook"/>
+                <a:ea typeface="DejaVu Sans"/>
+              </a:rPr>
+              <a:t>needed </a:t>
+            </a:r>
+            <a:r>
+              <a:rPr b="0" lang="en-US" sz="1800" spc="-1" strike="noStrike">
+                <a:solidFill>
+                  <a:srgbClr val="ffffff"/>
+                </a:solidFill>
+                <a:latin typeface="Century Schoolbook"/>
+                <a:ea typeface="DejaVu Sans"/>
+              </a:rPr>
+              <a:t>in </a:t>
+            </a:r>
+            <a:r>
+              <a:rPr b="0" lang="en-US" sz="1800" spc="-1" strike="noStrike">
+                <a:solidFill>
+                  <a:srgbClr val="ffffff"/>
+                </a:solidFill>
+                <a:latin typeface="Century Schoolbook"/>
+                <a:ea typeface="DejaVu Sans"/>
+              </a:rPr>
+              <a:t>between </a:t>
+            </a:r>
+            <a:r>
+              <a:rPr b="0" lang="en-US" sz="1800" spc="-1" strike="noStrike">
+                <a:solidFill>
+                  <a:srgbClr val="ffffff"/>
+                </a:solidFill>
+                <a:latin typeface="Century Schoolbook"/>
+                <a:ea typeface="DejaVu Sans"/>
+              </a:rPr>
+              <a:t>runs, </a:t>
+            </a:r>
+            <a:r>
+              <a:rPr b="0" lang="en-US" sz="1800" spc="-1" strike="noStrike">
+                <a:solidFill>
+                  <a:srgbClr val="ffffff"/>
+                </a:solidFill>
+                <a:latin typeface="Century Schoolbook"/>
+                <a:ea typeface="DejaVu Sans"/>
+              </a:rPr>
+              <a:t>and </a:t>
+            </a:r>
+            <a:r>
+              <a:rPr b="0" lang="en-US" sz="1800" spc="-1" strike="noStrike">
+                <a:solidFill>
+                  <a:srgbClr val="ffffff"/>
+                </a:solidFill>
+                <a:latin typeface="Century Schoolbook"/>
+                <a:ea typeface="DejaVu Sans"/>
+              </a:rPr>
+              <a:t>map </a:t>
+            </a:r>
+            <a:r>
+              <a:rPr b="0" lang="en-US" sz="1800" spc="-1" strike="noStrike">
+                <a:solidFill>
+                  <a:srgbClr val="ffffff"/>
+                </a:solidFill>
+                <a:latin typeface="Century Schoolbook"/>
+                <a:ea typeface="DejaVu Sans"/>
+              </a:rPr>
+              <a:t>submiss</a:t>
+            </a:r>
+            <a:r>
+              <a:rPr b="0" lang="en-US" sz="1800" spc="-1" strike="noStrike">
+                <a:solidFill>
+                  <a:srgbClr val="ffffff"/>
+                </a:solidFill>
+                <a:latin typeface="Century Schoolbook"/>
+                <a:ea typeface="DejaVu Sans"/>
+              </a:rPr>
+              <a:t>ion. </a:t>
             </a:r>
             <a:endParaRPr b="0" lang="en-AU" sz="1800" spc="-1" strike="noStrike">
               <a:latin typeface="Arial"/>
@@ -7183,18 +11376,1230 @@
                 <a:latin typeface="Century Schoolbook"/>
                 <a:ea typeface="DejaVu Sans"/>
               </a:rPr>
-              <a:t>M2_marking_instructions.md</a:t>
-            </a:r>
-            <a:r>
-              <a:rPr b="0" lang="en-US" sz="1800" spc="-1" strike="noStrike">
-                <a:solidFill>
-                  <a:srgbClr val="ffffff"/>
-                </a:solidFill>
-                <a:latin typeface="Century Schoolbook"/>
-                <a:ea typeface="DejaVu Sans"/>
-              </a:rPr>
-              <a:t> carefully and get familiar with the marking steps</a:t>
-            </a:r>
+              <a:t>M2_mar</a:t>
+            </a:r>
+            <a:r>
+              <a:rPr b="0" i="1" lang="en-US" sz="1800" spc="-1" strike="noStrike">
+                <a:solidFill>
+                  <a:srgbClr val="ffffff"/>
+                </a:solidFill>
+                <a:latin typeface="Century Schoolbook"/>
+                <a:ea typeface="DejaVu Sans"/>
+              </a:rPr>
+              <a:t>king_in</a:t>
+            </a:r>
+            <a:r>
+              <a:rPr b="0" i="1" lang="en-US" sz="1800" spc="-1" strike="noStrike">
+                <a:solidFill>
+                  <a:srgbClr val="ffffff"/>
+                </a:solidFill>
+                <a:latin typeface="Century Schoolbook"/>
+                <a:ea typeface="DejaVu Sans"/>
+              </a:rPr>
+              <a:t>structio</a:t>
+            </a:r>
+            <a:r>
+              <a:rPr b="0" i="1" lang="en-US" sz="1800" spc="-1" strike="noStrike">
+                <a:solidFill>
+                  <a:srgbClr val="ffffff"/>
+                </a:solidFill>
+                <a:latin typeface="Century Schoolbook"/>
+                <a:ea typeface="DejaVu Sans"/>
+              </a:rPr>
+              <a:t>ns.md</a:t>
+            </a:r>
+            <a:r>
+              <a:rPr b="0" lang="en-US" sz="1800" spc="-1" strike="noStrike">
+                <a:solidFill>
+                  <a:srgbClr val="ffffff"/>
+                </a:solidFill>
+                <a:latin typeface="Century Schoolbook"/>
+                <a:ea typeface="DejaVu Sans"/>
+              </a:rPr>
+              <a:t> </a:t>
+            </a:r>
+            <a:r>
+              <a:rPr b="0" lang="en-US" sz="1800" spc="-1" strike="noStrike">
+                <a:solidFill>
+                  <a:srgbClr val="ffffff"/>
+                </a:solidFill>
+                <a:latin typeface="Century Schoolbook"/>
+                <a:ea typeface="DejaVu Sans"/>
+              </a:rPr>
+              <a:t>carefull</a:t>
+            </a:r>
+            <a:r>
+              <a:rPr b="0" lang="en-US" sz="1800" spc="-1" strike="noStrike">
+                <a:solidFill>
+                  <a:srgbClr val="ffffff"/>
+                </a:solidFill>
+                <a:latin typeface="Century Schoolbook"/>
+                <a:ea typeface="DejaVu Sans"/>
+              </a:rPr>
+              <a:t>y and </a:t>
+            </a:r>
+            <a:r>
+              <a:rPr b="0" lang="en-US" sz="1800" spc="-1" strike="noStrike">
+                <a:solidFill>
+                  <a:srgbClr val="ffffff"/>
+                </a:solidFill>
+                <a:latin typeface="Century Schoolbook"/>
+                <a:ea typeface="DejaVu Sans"/>
+              </a:rPr>
+              <a:t>get </a:t>
+            </a:r>
+            <a:r>
+              <a:rPr b="0" lang="en-US" sz="1800" spc="-1" strike="noStrike">
+                <a:solidFill>
+                  <a:srgbClr val="ffffff"/>
+                </a:solidFill>
+                <a:latin typeface="Century Schoolbook"/>
+                <a:ea typeface="DejaVu Sans"/>
+              </a:rPr>
+              <a:t>familiar </a:t>
+            </a:r>
+            <a:r>
+              <a:rPr b="0" lang="en-US" sz="1800" spc="-1" strike="noStrike">
+                <a:solidFill>
+                  <a:srgbClr val="ffffff"/>
+                </a:solidFill>
+                <a:latin typeface="Century Schoolbook"/>
+                <a:ea typeface="DejaVu Sans"/>
+              </a:rPr>
+              <a:t>with </a:t>
+            </a:r>
+            <a:r>
+              <a:rPr b="0" lang="en-US" sz="1800" spc="-1" strike="noStrike">
+                <a:solidFill>
+                  <a:srgbClr val="ffffff"/>
+                </a:solidFill>
+                <a:latin typeface="Century Schoolbook"/>
+                <a:ea typeface="DejaVu Sans"/>
+              </a:rPr>
+              <a:t>the </a:t>
+            </a:r>
+            <a:r>
+              <a:rPr b="0" lang="en-US" sz="1800" spc="-1" strike="noStrike">
+                <a:solidFill>
+                  <a:srgbClr val="ffffff"/>
+                </a:solidFill>
+                <a:latin typeface="Century Schoolbook"/>
+                <a:ea typeface="DejaVu Sans"/>
+              </a:rPr>
+              <a:t>markin</a:t>
+            </a:r>
+            <a:r>
+              <a:rPr b="0" lang="en-US" sz="1800" spc="-1" strike="noStrike">
+                <a:solidFill>
+                  <a:srgbClr val="ffffff"/>
+                </a:solidFill>
+                <a:latin typeface="Century Schoolbook"/>
+                <a:ea typeface="DejaVu Sans"/>
+              </a:rPr>
+              <a:t>g steps</a:t>
+            </a:r>
+            <a:endParaRPr b="0" lang="en-AU" sz="1800" spc="-1" strike="noStrike">
+              <a:latin typeface="Arial"/>
+            </a:endParaRPr>
+          </a:p>
+        </p:txBody>
+      </p:sp>
+    </p:spTree>
+  </p:cSld>
+  <mc:AlternateContent>
+    <mc:Choice Requires="p14">
+      <p:transition spd="slow" p14:dur="2000"/>
+    </mc:Choice>
+    <mc:Fallback>
+      <p:transition spd="slow"/>
+    </mc:Fallback>
+  </mc:AlternateContent>
+</p:sld>
+</file>
+
+<file path=ppt/slides/slide7.xml><?xml version="1.0" encoding="utf-8"?>
+<p:sld xmlns:a="http://schemas.openxmlformats.org/drawingml/2006/main" xmlns:p="http://schemas.openxmlformats.org/presentationml/2006/main" xmlns:r="http://schemas.openxmlformats.org/officeDocument/2006/relationships" xmlns:p14="http://schemas.microsoft.com/office/powerpoint/2010/main" xmlns:p15="http://schemas.microsoft.com/office/powerpoint/2012/main" xmlns:mc="http://schemas.openxmlformats.org/markup-compatibility/2006">
+  <p:cSld>
+    <p:spTree>
+      <p:nvGrpSpPr>
+        <p:cNvPr id="1" name=""/>
+        <p:cNvGrpSpPr/>
+        <p:nvPr/>
+      </p:nvGrpSpPr>
+      <p:grpSpPr>
+        <a:xfrm>
+          <a:off x="0" y="0"/>
+          <a:ext cx="0" cy="0"/>
+          <a:chOff x="0" y="0"/>
+          <a:chExt cx="0" cy="0"/>
+        </a:xfrm>
+      </p:grpSpPr>
+      <p:sp>
+        <p:nvSpPr>
+          <p:cNvPr id="61" name="TextBox 1"/>
+          <p:cNvSpPr/>
+          <p:nvPr/>
+        </p:nvSpPr>
+        <p:spPr>
+          <a:xfrm>
+            <a:off x="478080" y="172440"/>
+            <a:ext cx="11712600" cy="820800"/>
+          </a:xfrm>
+          <a:prstGeom prst="rect">
+            <a:avLst/>
+          </a:prstGeom>
+          <a:noFill/>
+          <a:ln w="0">
+            <a:noFill/>
+          </a:ln>
+        </p:spPr>
+        <p:style>
+          <a:lnRef idx="0"/>
+          <a:fillRef idx="0"/>
+          <a:effectRef idx="0"/>
+          <a:fontRef idx="minor"/>
+        </p:style>
+        <p:txBody>
+          <a:bodyPr lIns="90000" rIns="90000" tIns="45000" bIns="45000" anchor="t">
+            <a:spAutoFit/>
+          </a:bodyPr>
+          <a:p>
+            <a:pPr algn="ctr">
+              <a:lnSpc>
+                <a:spcPct val="100000"/>
+              </a:lnSpc>
+              <a:buNone/>
+            </a:pPr>
+            <a:r>
+              <a:rPr b="0" lang="en-AU" sz="4800" spc="-1" strike="noStrike">
+                <a:solidFill>
+                  <a:srgbClr val="ffffff"/>
+                </a:solidFill>
+                <a:latin typeface="Century Schoolbook"/>
+                <a:ea typeface="DejaVu Sans"/>
+              </a:rPr>
+              <a:t>M</a:t>
+            </a:r>
+            <a:r>
+              <a:rPr b="0" lang="en-AU" sz="4800" spc="-1" strike="noStrike">
+                <a:solidFill>
+                  <a:srgbClr val="ffffff"/>
+                </a:solidFill>
+                <a:latin typeface="Century Schoolbook"/>
+                <a:ea typeface="DejaVu Sans"/>
+              </a:rPr>
+              <a:t>2 – </a:t>
+            </a:r>
+            <a:r>
+              <a:rPr b="0" lang="en-AU" sz="4800" spc="-1" strike="noStrike">
+                <a:solidFill>
+                  <a:srgbClr val="ffffff"/>
+                </a:solidFill>
+                <a:latin typeface="Century Schoolbook"/>
+                <a:ea typeface="DejaVu Sans"/>
+              </a:rPr>
+              <a:t>IT</a:t>
+            </a:r>
+            <a:r>
+              <a:rPr b="0" lang="en-AU" sz="4800" spc="-1" strike="noStrike">
+                <a:solidFill>
+                  <a:srgbClr val="ffffff"/>
+                </a:solidFill>
+                <a:latin typeface="Century Schoolbook"/>
+                <a:ea typeface="DejaVu Sans"/>
+              </a:rPr>
+              <a:t>P </a:t>
+            </a:r>
+            <a:r>
+              <a:rPr b="0" lang="en-AU" sz="4800" spc="-1" strike="noStrike">
+                <a:solidFill>
+                  <a:srgbClr val="ffffff"/>
+                </a:solidFill>
+                <a:latin typeface="Century Schoolbook"/>
+                <a:ea typeface="DejaVu Sans"/>
+              </a:rPr>
+              <a:t>an</a:t>
+            </a:r>
+            <a:r>
+              <a:rPr b="0" lang="en-AU" sz="4800" spc="-1" strike="noStrike">
+                <a:solidFill>
+                  <a:srgbClr val="ffffff"/>
+                </a:solidFill>
+                <a:latin typeface="Century Schoolbook"/>
+                <a:ea typeface="DejaVu Sans"/>
+              </a:rPr>
+              <a:t>d </a:t>
+            </a:r>
+            <a:r>
+              <a:rPr b="0" lang="en-AU" sz="4800" spc="-1" strike="noStrike">
+                <a:solidFill>
+                  <a:srgbClr val="ffffff"/>
+                </a:solidFill>
+                <a:latin typeface="Century Schoolbook"/>
+                <a:ea typeface="DejaVu Sans"/>
+              </a:rPr>
+              <a:t>Vi</a:t>
+            </a:r>
+            <a:r>
+              <a:rPr b="0" lang="en-AU" sz="4800" spc="-1" strike="noStrike">
+                <a:solidFill>
+                  <a:srgbClr val="ffffff"/>
+                </a:solidFill>
+                <a:latin typeface="Century Schoolbook"/>
+                <a:ea typeface="DejaVu Sans"/>
+              </a:rPr>
+              <a:t>va</a:t>
+            </a:r>
+            <a:endParaRPr b="0" lang="en-AU" sz="4800" spc="-1" strike="noStrike">
+              <a:latin typeface="Arial"/>
+            </a:endParaRPr>
+          </a:p>
+        </p:txBody>
+      </p:sp>
+      <p:sp>
+        <p:nvSpPr>
+          <p:cNvPr id="62" name="TextBox 2"/>
+          <p:cNvSpPr/>
+          <p:nvPr/>
+        </p:nvSpPr>
+        <p:spPr>
+          <a:xfrm>
+            <a:off x="478080" y="1143000"/>
+            <a:ext cx="11525760" cy="3655800"/>
+          </a:xfrm>
+          <a:prstGeom prst="rect">
+            <a:avLst/>
+          </a:prstGeom>
+          <a:noFill/>
+          <a:ln w="0">
+            <a:noFill/>
+          </a:ln>
+        </p:spPr>
+        <p:style>
+          <a:lnRef idx="0"/>
+          <a:fillRef idx="0"/>
+          <a:effectRef idx="0"/>
+          <a:fontRef idx="minor"/>
+        </p:style>
+        <p:txBody>
+          <a:bodyPr lIns="90000" rIns="90000" tIns="45000" bIns="45000" anchor="t">
+            <a:spAutoFit/>
+          </a:bodyPr>
+          <a:p>
+            <a:pPr>
+              <a:lnSpc>
+                <a:spcPct val="100000"/>
+              </a:lnSpc>
+              <a:buNone/>
+            </a:pPr>
+            <a:r>
+              <a:rPr b="0" lang="en-US" sz="1800" spc="-1" strike="noStrike">
+                <a:solidFill>
+                  <a:srgbClr val="ffffff"/>
+                </a:solidFill>
+                <a:latin typeface="Century Schoolbook"/>
+                <a:ea typeface="DejaVu Sans"/>
+              </a:rPr>
+              <a:t>There </a:t>
+            </a:r>
+            <a:r>
+              <a:rPr b="0" lang="en-US" sz="1800" spc="-1" strike="noStrike">
+                <a:solidFill>
+                  <a:srgbClr val="ffffff"/>
+                </a:solidFill>
+                <a:latin typeface="Century Schoolbook"/>
+                <a:ea typeface="DejaVu Sans"/>
+              </a:rPr>
+              <a:t>will </a:t>
+            </a:r>
+            <a:r>
+              <a:rPr b="0" lang="en-US" sz="1800" spc="-1" strike="noStrike">
+                <a:solidFill>
+                  <a:srgbClr val="ffffff"/>
+                </a:solidFill>
+                <a:latin typeface="Century Schoolbook"/>
+                <a:ea typeface="DejaVu Sans"/>
+              </a:rPr>
+              <a:t>also be </a:t>
+            </a:r>
+            <a:r>
+              <a:rPr b="0" lang="en-US" sz="1800" spc="-1" strike="noStrike">
+                <a:solidFill>
+                  <a:srgbClr val="ffffff"/>
+                </a:solidFill>
+                <a:latin typeface="Century Schoolbook"/>
+                <a:ea typeface="DejaVu Sans"/>
+              </a:rPr>
+              <a:t>an ITP </a:t>
+            </a:r>
+            <a:r>
+              <a:rPr b="0" lang="en-US" sz="1800" spc="-1" strike="noStrike">
+                <a:solidFill>
+                  <a:srgbClr val="ffffff"/>
+                </a:solidFill>
+                <a:latin typeface="Century Schoolbook"/>
+                <a:ea typeface="DejaVu Sans"/>
+              </a:rPr>
+              <a:t>metrics </a:t>
+            </a:r>
+            <a:r>
+              <a:rPr b="0" lang="en-US" sz="1800" spc="-1" strike="noStrike">
+                <a:solidFill>
+                  <a:srgbClr val="ffffff"/>
+                </a:solidFill>
+                <a:latin typeface="Century Schoolbook"/>
+                <a:ea typeface="DejaVu Sans"/>
+              </a:rPr>
+              <a:t>survey </a:t>
+            </a:r>
+            <a:r>
+              <a:rPr b="0" lang="en-US" sz="1800" spc="-1" strike="noStrike">
+                <a:solidFill>
+                  <a:srgbClr val="ffffff"/>
+                </a:solidFill>
+                <a:latin typeface="Century Schoolbook"/>
+                <a:ea typeface="DejaVu Sans"/>
+              </a:rPr>
+              <a:t>that </a:t>
+            </a:r>
+            <a:r>
+              <a:rPr b="0" lang="en-US" sz="1800" spc="-1" strike="noStrike">
+                <a:solidFill>
+                  <a:srgbClr val="ffffff"/>
+                </a:solidFill>
+                <a:latin typeface="Century Schoolbook"/>
+                <a:ea typeface="DejaVu Sans"/>
+              </a:rPr>
+              <a:t>will be </a:t>
+            </a:r>
+            <a:r>
+              <a:rPr b="0" lang="en-US" sz="1800" spc="-1" strike="noStrike">
+                <a:solidFill>
+                  <a:srgbClr val="ffffff"/>
+                </a:solidFill>
+                <a:latin typeface="Century Schoolbook"/>
+                <a:ea typeface="DejaVu Sans"/>
+              </a:rPr>
+              <a:t>sent out </a:t>
+            </a:r>
+            <a:r>
+              <a:rPr b="0" lang="en-US" sz="1800" spc="-1" strike="noStrike">
+                <a:solidFill>
+                  <a:srgbClr val="ffffff"/>
+                </a:solidFill>
+                <a:latin typeface="Century Schoolbook"/>
+                <a:ea typeface="DejaVu Sans"/>
+              </a:rPr>
+              <a:t>to </a:t>
+            </a:r>
+            <a:r>
+              <a:rPr b="0" lang="en-US" sz="1800" spc="-1" strike="noStrike">
+                <a:solidFill>
+                  <a:srgbClr val="ffffff"/>
+                </a:solidFill>
+                <a:latin typeface="Century Schoolbook"/>
+                <a:ea typeface="DejaVu Sans"/>
+              </a:rPr>
+              <a:t>address </a:t>
+            </a:r>
+            <a:r>
+              <a:rPr b="0" lang="en-US" sz="1800" spc="-1" strike="noStrike">
+                <a:solidFill>
+                  <a:srgbClr val="ffffff"/>
+                </a:solidFill>
+                <a:latin typeface="Century Schoolbook"/>
+                <a:ea typeface="DejaVu Sans"/>
+              </a:rPr>
+              <a:t>M2 and </a:t>
+            </a:r>
+            <a:r>
+              <a:rPr b="0" lang="en-US" sz="1800" spc="-1" strike="noStrike">
+                <a:solidFill>
+                  <a:srgbClr val="ffffff"/>
+                </a:solidFill>
+                <a:latin typeface="Century Schoolbook"/>
+                <a:ea typeface="DejaVu Sans"/>
+              </a:rPr>
+              <a:t>M3 </a:t>
+            </a:r>
+            <a:r>
+              <a:rPr b="0" lang="en-US" sz="1800" spc="-1" strike="noStrike">
+                <a:solidFill>
+                  <a:srgbClr val="ffffff"/>
+                </a:solidFill>
+                <a:latin typeface="Century Schoolbook"/>
+                <a:ea typeface="DejaVu Sans"/>
+              </a:rPr>
+              <a:t>together</a:t>
+            </a:r>
+            <a:r>
+              <a:rPr b="0" lang="en-US" sz="1800" spc="-1" strike="noStrike">
+                <a:solidFill>
+                  <a:srgbClr val="ffffff"/>
+                </a:solidFill>
+                <a:latin typeface="Century Schoolbook"/>
+                <a:ea typeface="DejaVu Sans"/>
+              </a:rPr>
+              <a:t>. </a:t>
+            </a:r>
+            <a:endParaRPr b="0" lang="en-AU" sz="1800" spc="-1" strike="noStrike">
+              <a:latin typeface="Arial"/>
+            </a:endParaRPr>
+          </a:p>
+          <a:p>
+            <a:pPr>
+              <a:lnSpc>
+                <a:spcPct val="100000"/>
+              </a:lnSpc>
+              <a:buNone/>
+            </a:pPr>
+            <a:endParaRPr b="0" lang="en-AU" sz="1800" spc="-1" strike="noStrike">
+              <a:latin typeface="Arial"/>
+            </a:endParaRPr>
+          </a:p>
+          <a:p>
+            <a:pPr>
+              <a:lnSpc>
+                <a:spcPct val="100000"/>
+              </a:lnSpc>
+              <a:buNone/>
+            </a:pPr>
+            <a:r>
+              <a:rPr b="0" lang="en-US" sz="1800" spc="-1" strike="noStrike">
+                <a:solidFill>
+                  <a:srgbClr val="ffffff"/>
+                </a:solidFill>
+                <a:latin typeface="Century Schoolbook"/>
+                <a:ea typeface="DejaVu Sans"/>
+              </a:rPr>
+              <a:t>A viva </a:t>
+            </a:r>
+            <a:r>
+              <a:rPr b="0" lang="en-US" sz="1800" spc="-1" strike="noStrike">
+                <a:solidFill>
+                  <a:srgbClr val="ffffff"/>
+                </a:solidFill>
+                <a:latin typeface="Century Schoolbook"/>
+                <a:ea typeface="DejaVu Sans"/>
+              </a:rPr>
+              <a:t>will be </a:t>
+            </a:r>
+            <a:r>
+              <a:rPr b="0" lang="en-US" sz="1800" spc="-1" strike="noStrike">
+                <a:solidFill>
+                  <a:srgbClr val="ffffff"/>
+                </a:solidFill>
+                <a:latin typeface="Century Schoolbook"/>
+                <a:ea typeface="DejaVu Sans"/>
+              </a:rPr>
+              <a:t>conduct</a:t>
+            </a:r>
+            <a:r>
+              <a:rPr b="0" lang="en-US" sz="1800" spc="-1" strike="noStrike">
+                <a:solidFill>
+                  <a:srgbClr val="ffffff"/>
+                </a:solidFill>
+                <a:latin typeface="Century Schoolbook"/>
+                <a:ea typeface="DejaVu Sans"/>
+              </a:rPr>
+              <a:t>ed </a:t>
+            </a:r>
+            <a:r>
+              <a:rPr b="0" lang="en-US" sz="1800" spc="-1" strike="noStrike">
+                <a:solidFill>
+                  <a:srgbClr val="ffffff"/>
+                </a:solidFill>
+                <a:latin typeface="Century Schoolbook"/>
+                <a:ea typeface="DejaVu Sans"/>
+              </a:rPr>
+              <a:t>during </a:t>
+            </a:r>
+            <a:r>
+              <a:rPr b="0" lang="en-US" sz="1800" spc="-1" strike="noStrike">
+                <a:solidFill>
+                  <a:srgbClr val="ffffff"/>
+                </a:solidFill>
+                <a:latin typeface="Century Schoolbook"/>
+                <a:ea typeface="DejaVu Sans"/>
+              </a:rPr>
+              <a:t>the </a:t>
+            </a:r>
+            <a:r>
+              <a:rPr b="0" lang="en-US" sz="1800" spc="-1" strike="noStrike">
+                <a:solidFill>
+                  <a:srgbClr val="ffffff"/>
+                </a:solidFill>
+                <a:latin typeface="Century Schoolbook"/>
+                <a:ea typeface="DejaVu Sans"/>
+              </a:rPr>
+              <a:t>markin</a:t>
+            </a:r>
+            <a:r>
+              <a:rPr b="0" lang="en-US" sz="1800" spc="-1" strike="noStrike">
+                <a:solidFill>
+                  <a:srgbClr val="ffffff"/>
+                </a:solidFill>
+                <a:latin typeface="Century Schoolbook"/>
+                <a:ea typeface="DejaVu Sans"/>
+              </a:rPr>
+              <a:t>g </a:t>
+            </a:r>
+            <a:r>
+              <a:rPr b="0" lang="en-US" sz="1800" spc="-1" strike="noStrike">
+                <a:solidFill>
+                  <a:srgbClr val="ffffff"/>
+                </a:solidFill>
+                <a:latin typeface="Century Schoolbook"/>
+                <a:ea typeface="DejaVu Sans"/>
+              </a:rPr>
+              <a:t>process </a:t>
+            </a:r>
+            <a:r>
+              <a:rPr b="0" lang="en-US" sz="1800" spc="-1" strike="noStrike">
+                <a:solidFill>
+                  <a:srgbClr val="ffffff"/>
+                </a:solidFill>
+                <a:latin typeface="Century Schoolbook"/>
+                <a:ea typeface="DejaVu Sans"/>
+              </a:rPr>
+              <a:t>for each </a:t>
+            </a:r>
+            <a:r>
+              <a:rPr b="0" lang="en-US" sz="1800" spc="-1" strike="noStrike">
+                <a:solidFill>
+                  <a:srgbClr val="ffffff"/>
+                </a:solidFill>
+                <a:latin typeface="Century Schoolbook"/>
+                <a:ea typeface="DejaVu Sans"/>
+              </a:rPr>
+              <a:t>individ</a:t>
+            </a:r>
+            <a:r>
+              <a:rPr b="0" lang="en-US" sz="1800" spc="-1" strike="noStrike">
+                <a:solidFill>
+                  <a:srgbClr val="ffffff"/>
+                </a:solidFill>
+                <a:latin typeface="Century Schoolbook"/>
+                <a:ea typeface="DejaVu Sans"/>
+              </a:rPr>
+              <a:t>ual </a:t>
+            </a:r>
+            <a:r>
+              <a:rPr b="0" lang="en-US" sz="1800" spc="-1" strike="noStrike">
+                <a:solidFill>
+                  <a:srgbClr val="ffffff"/>
+                </a:solidFill>
+                <a:latin typeface="Century Schoolbook"/>
+                <a:ea typeface="DejaVu Sans"/>
+              </a:rPr>
+              <a:t>within </a:t>
+            </a:r>
+            <a:r>
+              <a:rPr b="0" lang="en-US" sz="1800" spc="-1" strike="noStrike">
+                <a:solidFill>
+                  <a:srgbClr val="ffffff"/>
+                </a:solidFill>
+                <a:latin typeface="Century Schoolbook"/>
+                <a:ea typeface="DejaVu Sans"/>
+              </a:rPr>
+              <a:t>the </a:t>
+            </a:r>
+            <a:r>
+              <a:rPr b="0" lang="en-US" sz="1800" spc="-1" strike="noStrike">
+                <a:solidFill>
+                  <a:srgbClr val="ffffff"/>
+                </a:solidFill>
+                <a:latin typeface="Century Schoolbook"/>
+                <a:ea typeface="DejaVu Sans"/>
+              </a:rPr>
+              <a:t>group, </a:t>
+            </a:r>
+            <a:r>
+              <a:rPr b="0" lang="en-US" sz="1800" spc="-1" strike="noStrike">
+                <a:solidFill>
+                  <a:srgbClr val="ffffff"/>
+                </a:solidFill>
+                <a:latin typeface="Century Schoolbook"/>
+                <a:ea typeface="DejaVu Sans"/>
+              </a:rPr>
+              <a:t>which </a:t>
+            </a:r>
+            <a:r>
+              <a:rPr b="0" lang="en-US" sz="1800" spc="-1" strike="noStrike">
+                <a:solidFill>
+                  <a:srgbClr val="ffffff"/>
+                </a:solidFill>
+                <a:latin typeface="Century Schoolbook"/>
+                <a:ea typeface="DejaVu Sans"/>
+              </a:rPr>
+              <a:t>will be </a:t>
+            </a:r>
+            <a:r>
+              <a:rPr b="0" lang="en-US" sz="1800" spc="-1" strike="noStrike">
+                <a:solidFill>
+                  <a:srgbClr val="ffffff"/>
+                </a:solidFill>
+                <a:latin typeface="Century Schoolbook"/>
+                <a:ea typeface="DejaVu Sans"/>
+              </a:rPr>
+              <a:t>a short </a:t>
+            </a:r>
+            <a:r>
+              <a:rPr b="0" lang="en-US" sz="1800" spc="-1" strike="noStrike">
+                <a:solidFill>
+                  <a:srgbClr val="ffffff"/>
+                </a:solidFill>
+                <a:latin typeface="Century Schoolbook"/>
+                <a:ea typeface="DejaVu Sans"/>
+              </a:rPr>
+              <a:t>oral </a:t>
+            </a:r>
+            <a:r>
+              <a:rPr b="0" lang="en-US" sz="1800" spc="-1" strike="noStrike">
+                <a:solidFill>
+                  <a:srgbClr val="ffffff"/>
+                </a:solidFill>
+                <a:latin typeface="Century Schoolbook"/>
+                <a:ea typeface="DejaVu Sans"/>
+              </a:rPr>
+              <a:t>assessm</a:t>
+            </a:r>
+            <a:r>
+              <a:rPr b="0" lang="en-US" sz="1800" spc="-1" strike="noStrike">
+                <a:solidFill>
+                  <a:srgbClr val="ffffff"/>
+                </a:solidFill>
+                <a:latin typeface="Century Schoolbook"/>
+                <a:ea typeface="DejaVu Sans"/>
+              </a:rPr>
+              <a:t>ent to </a:t>
+            </a:r>
+            <a:r>
+              <a:rPr b="0" lang="en-US" sz="1800" spc="-1" strike="noStrike">
+                <a:solidFill>
+                  <a:srgbClr val="ffffff"/>
+                </a:solidFill>
+                <a:latin typeface="Century Schoolbook"/>
+                <a:ea typeface="DejaVu Sans"/>
+              </a:rPr>
+              <a:t>gauge </a:t>
+            </a:r>
+            <a:r>
+              <a:rPr b="0" lang="en-US" sz="1800" spc="-1" strike="noStrike">
+                <a:solidFill>
+                  <a:srgbClr val="ffffff"/>
+                </a:solidFill>
+                <a:latin typeface="Century Schoolbook"/>
+                <a:ea typeface="DejaVu Sans"/>
+              </a:rPr>
+              <a:t>your </a:t>
+            </a:r>
+            <a:r>
+              <a:rPr b="0" lang="en-US" sz="1800" spc="-1" strike="noStrike">
+                <a:solidFill>
+                  <a:srgbClr val="ffffff"/>
+                </a:solidFill>
+                <a:latin typeface="Century Schoolbook"/>
+                <a:ea typeface="DejaVu Sans"/>
+              </a:rPr>
+              <a:t>underst</a:t>
+            </a:r>
+            <a:r>
+              <a:rPr b="0" lang="en-US" sz="1800" spc="-1" strike="noStrike">
+                <a:solidFill>
+                  <a:srgbClr val="ffffff"/>
+                </a:solidFill>
+                <a:latin typeface="Century Schoolbook"/>
+                <a:ea typeface="DejaVu Sans"/>
+              </a:rPr>
+              <a:t>anding </a:t>
+            </a:r>
+            <a:r>
+              <a:rPr b="0" lang="en-US" sz="1800" spc="-1" strike="noStrike">
+                <a:solidFill>
+                  <a:srgbClr val="ffffff"/>
+                </a:solidFill>
+                <a:latin typeface="Century Schoolbook"/>
+                <a:ea typeface="DejaVu Sans"/>
+              </a:rPr>
+              <a:t>of the </a:t>
+            </a:r>
+            <a:r>
+              <a:rPr b="0" lang="en-US" sz="1800" spc="-1" strike="noStrike">
+                <a:solidFill>
+                  <a:srgbClr val="ffffff"/>
+                </a:solidFill>
+                <a:latin typeface="Century Schoolbook"/>
+                <a:ea typeface="DejaVu Sans"/>
+              </a:rPr>
+              <a:t>code </a:t>
+            </a:r>
+            <a:r>
+              <a:rPr b="0" lang="en-US" sz="1800" spc="-1" strike="noStrike">
+                <a:solidFill>
+                  <a:srgbClr val="ffffff"/>
+                </a:solidFill>
+                <a:latin typeface="Century Schoolbook"/>
+                <a:ea typeface="DejaVu Sans"/>
+              </a:rPr>
+              <a:t>and </a:t>
+            </a:r>
+            <a:r>
+              <a:rPr b="0" lang="en-US" sz="1800" spc="-1" strike="noStrike">
+                <a:solidFill>
+                  <a:srgbClr val="ffffff"/>
+                </a:solidFill>
+                <a:latin typeface="Century Schoolbook"/>
+                <a:ea typeface="DejaVu Sans"/>
+              </a:rPr>
+              <a:t>how you </a:t>
+            </a:r>
+            <a:r>
+              <a:rPr b="0" lang="en-US" sz="1800" spc="-1" strike="noStrike">
+                <a:solidFill>
+                  <a:srgbClr val="ffffff"/>
+                </a:solidFill>
+                <a:latin typeface="Century Schoolbook"/>
+                <a:ea typeface="DejaVu Sans"/>
+              </a:rPr>
+              <a:t>troubles</a:t>
+            </a:r>
+            <a:r>
+              <a:rPr b="0" lang="en-US" sz="1800" spc="-1" strike="noStrike">
+                <a:solidFill>
+                  <a:srgbClr val="ffffff"/>
+                </a:solidFill>
+                <a:latin typeface="Century Schoolbook"/>
+                <a:ea typeface="DejaVu Sans"/>
+              </a:rPr>
+              <a:t>hooted </a:t>
+            </a:r>
+            <a:r>
+              <a:rPr b="0" lang="en-US" sz="1800" spc="-1" strike="noStrike">
+                <a:solidFill>
+                  <a:srgbClr val="ffffff"/>
+                </a:solidFill>
+                <a:latin typeface="Century Schoolbook"/>
+                <a:ea typeface="DejaVu Sans"/>
+              </a:rPr>
+              <a:t>the </a:t>
+            </a:r>
+            <a:r>
+              <a:rPr b="0" lang="en-US" sz="1800" spc="-1" strike="noStrike">
+                <a:solidFill>
+                  <a:srgbClr val="ffffff"/>
+                </a:solidFill>
+                <a:latin typeface="Century Schoolbook"/>
+                <a:ea typeface="DejaVu Sans"/>
+              </a:rPr>
+              <a:t>issues </a:t>
+            </a:r>
+            <a:r>
+              <a:rPr b="0" lang="en-US" sz="1800" spc="-1" strike="noStrike">
+                <a:solidFill>
+                  <a:srgbClr val="ffffff"/>
+                </a:solidFill>
+                <a:latin typeface="Century Schoolbook"/>
+                <a:ea typeface="DejaVu Sans"/>
+              </a:rPr>
+              <a:t>for each </a:t>
+            </a:r>
+            <a:r>
+              <a:rPr b="0" lang="en-US" sz="1800" spc="-1" strike="noStrike">
+                <a:solidFill>
+                  <a:srgbClr val="ffffff"/>
+                </a:solidFill>
+                <a:latin typeface="Century Schoolbook"/>
+                <a:ea typeface="DejaVu Sans"/>
+              </a:rPr>
+              <a:t>milesto</a:t>
+            </a:r>
+            <a:r>
+              <a:rPr b="0" lang="en-US" sz="1800" spc="-1" strike="noStrike">
+                <a:solidFill>
+                  <a:srgbClr val="ffffff"/>
+                </a:solidFill>
+                <a:latin typeface="Century Schoolbook"/>
+                <a:ea typeface="DejaVu Sans"/>
+              </a:rPr>
+              <a:t>ne. </a:t>
+            </a:r>
+            <a:endParaRPr b="0" lang="en-AU" sz="1800" spc="-1" strike="noStrike">
+              <a:latin typeface="Arial"/>
+            </a:endParaRPr>
+          </a:p>
+          <a:p>
+            <a:pPr>
+              <a:lnSpc>
+                <a:spcPct val="100000"/>
+              </a:lnSpc>
+              <a:buNone/>
+            </a:pPr>
+            <a:endParaRPr b="0" lang="en-AU" sz="1800" spc="-1" strike="noStrike">
+              <a:latin typeface="Arial"/>
+            </a:endParaRPr>
+          </a:p>
+          <a:p>
+            <a:pPr>
+              <a:lnSpc>
+                <a:spcPct val="100000"/>
+              </a:lnSpc>
+              <a:buNone/>
+            </a:pPr>
+            <a:r>
+              <a:rPr b="0" lang="en-US" sz="1800" spc="-1" strike="noStrike">
+                <a:solidFill>
+                  <a:srgbClr val="ffffff"/>
+                </a:solidFill>
+                <a:latin typeface="Century Schoolbook"/>
+                <a:ea typeface="DejaVu Sans"/>
+              </a:rPr>
+              <a:t>The ITP </a:t>
+            </a:r>
+            <a:r>
+              <a:rPr b="0" lang="en-US" sz="1800" spc="-1" strike="noStrike">
+                <a:solidFill>
+                  <a:srgbClr val="ffffff"/>
+                </a:solidFill>
+                <a:latin typeface="Century Schoolbook"/>
+                <a:ea typeface="DejaVu Sans"/>
+              </a:rPr>
+              <a:t>value </a:t>
+            </a:r>
+            <a:r>
+              <a:rPr b="0" lang="en-US" sz="1800" spc="-1" strike="noStrike">
+                <a:solidFill>
+                  <a:srgbClr val="ffffff"/>
+                </a:solidFill>
+                <a:latin typeface="Century Schoolbook"/>
+                <a:ea typeface="DejaVu Sans"/>
+              </a:rPr>
+              <a:t>and </a:t>
+            </a:r>
+            <a:r>
+              <a:rPr b="0" lang="en-US" sz="1800" spc="-1" strike="noStrike">
+                <a:solidFill>
+                  <a:srgbClr val="ffffff"/>
+                </a:solidFill>
+                <a:latin typeface="Century Schoolbook"/>
+                <a:ea typeface="DejaVu Sans"/>
+              </a:rPr>
+              <a:t>viva </a:t>
+            </a:r>
+            <a:r>
+              <a:rPr b="0" lang="en-US" sz="1800" spc="-1" strike="noStrike">
+                <a:solidFill>
+                  <a:srgbClr val="ffffff"/>
+                </a:solidFill>
+                <a:latin typeface="Century Schoolbook"/>
+                <a:ea typeface="DejaVu Sans"/>
+              </a:rPr>
+              <a:t>will be </a:t>
+            </a:r>
+            <a:r>
+              <a:rPr b="0" lang="en-US" sz="1800" spc="-1" strike="noStrike">
+                <a:solidFill>
+                  <a:srgbClr val="ffffff"/>
+                </a:solidFill>
+                <a:latin typeface="Century Schoolbook"/>
+                <a:ea typeface="DejaVu Sans"/>
+              </a:rPr>
+              <a:t>applied </a:t>
+            </a:r>
+            <a:r>
+              <a:rPr b="0" lang="en-US" sz="1800" spc="-1" strike="noStrike">
+                <a:solidFill>
+                  <a:srgbClr val="ffffff"/>
+                </a:solidFill>
+                <a:latin typeface="Century Schoolbook"/>
+                <a:ea typeface="DejaVu Sans"/>
+              </a:rPr>
+              <a:t>to your </a:t>
+            </a:r>
+            <a:r>
+              <a:rPr b="0" lang="en-US" sz="1800" spc="-1" strike="noStrike">
+                <a:solidFill>
+                  <a:srgbClr val="ffffff"/>
+                </a:solidFill>
+                <a:latin typeface="Century Schoolbook"/>
+                <a:ea typeface="DejaVu Sans"/>
+              </a:rPr>
+              <a:t>final </a:t>
+            </a:r>
+            <a:r>
+              <a:rPr b="0" lang="en-US" sz="1800" spc="-1" strike="noStrike">
+                <a:solidFill>
+                  <a:srgbClr val="ffffff"/>
+                </a:solidFill>
+                <a:latin typeface="Century Schoolbook"/>
+                <a:ea typeface="DejaVu Sans"/>
+              </a:rPr>
+              <a:t>M2 and </a:t>
+            </a:r>
+            <a:r>
+              <a:rPr b="0" lang="en-US" sz="1800" spc="-1" strike="noStrike">
+                <a:solidFill>
+                  <a:srgbClr val="ffffff"/>
+                </a:solidFill>
+                <a:latin typeface="Century Schoolbook"/>
+                <a:ea typeface="DejaVu Sans"/>
+              </a:rPr>
+              <a:t>M3 </a:t>
+            </a:r>
+            <a:r>
+              <a:rPr b="0" lang="en-US" sz="1800" spc="-1" strike="noStrike">
+                <a:solidFill>
+                  <a:srgbClr val="ffffff"/>
+                </a:solidFill>
+                <a:latin typeface="Century Schoolbook"/>
+                <a:ea typeface="DejaVu Sans"/>
+              </a:rPr>
+              <a:t>scores </a:t>
+            </a:r>
+            <a:r>
+              <a:rPr b="0" lang="en-US" sz="1800" spc="-1" strike="noStrike">
+                <a:solidFill>
+                  <a:srgbClr val="ffffff"/>
+                </a:solidFill>
+                <a:latin typeface="Century Schoolbook"/>
+                <a:ea typeface="DejaVu Sans"/>
+              </a:rPr>
+              <a:t>by a </a:t>
+            </a:r>
+            <a:r>
+              <a:rPr b="0" lang="en-US" sz="1800" spc="-1" strike="noStrike">
+                <a:solidFill>
+                  <a:srgbClr val="ffffff"/>
+                </a:solidFill>
+                <a:latin typeface="Century Schoolbook"/>
+                <a:ea typeface="DejaVu Sans"/>
+              </a:rPr>
+              <a:t>multipli</a:t>
+            </a:r>
+            <a:r>
+              <a:rPr b="0" lang="en-US" sz="1800" spc="-1" strike="noStrike">
+                <a:solidFill>
+                  <a:srgbClr val="ffffff"/>
+                </a:solidFill>
+                <a:latin typeface="Century Schoolbook"/>
+                <a:ea typeface="DejaVu Sans"/>
+              </a:rPr>
+              <a:t>cative </a:t>
+            </a:r>
+            <a:r>
+              <a:rPr b="0" lang="en-US" sz="1800" spc="-1" strike="noStrike">
+                <a:solidFill>
+                  <a:srgbClr val="ffffff"/>
+                </a:solidFill>
+                <a:latin typeface="Century Schoolbook"/>
+                <a:ea typeface="DejaVu Sans"/>
+              </a:rPr>
+              <a:t>formula </a:t>
+            </a:r>
+            <a:r>
+              <a:rPr b="0" lang="en-US" sz="1800" spc="-1" strike="noStrike">
+                <a:solidFill>
+                  <a:srgbClr val="ffffff"/>
+                </a:solidFill>
+                <a:latin typeface="Century Schoolbook"/>
+                <a:ea typeface="DejaVu Sans"/>
+              </a:rPr>
+              <a:t>Eg.</a:t>
+            </a:r>
+            <a:endParaRPr b="0" lang="en-AU" sz="1800" spc="-1" strike="noStrike">
+              <a:latin typeface="Arial"/>
+            </a:endParaRPr>
+          </a:p>
+          <a:p>
+            <a:pPr>
+              <a:lnSpc>
+                <a:spcPct val="100000"/>
+              </a:lnSpc>
+              <a:buNone/>
+            </a:pPr>
+            <a:endParaRPr b="0" lang="en-AU" sz="1800" spc="-1" strike="noStrike">
+              <a:latin typeface="Arial"/>
+            </a:endParaRPr>
+          </a:p>
+          <a:p>
+            <a:pPr>
+              <a:lnSpc>
+                <a:spcPct val="100000"/>
+              </a:lnSpc>
+              <a:buNone/>
+            </a:pPr>
+            <a:endParaRPr b="0" lang="en-AU" sz="1800" spc="-1" strike="noStrike">
+              <a:latin typeface="Arial"/>
+            </a:endParaRPr>
+          </a:p>
+          <a:p>
+            <a:pPr>
+              <a:lnSpc>
+                <a:spcPct val="100000"/>
+              </a:lnSpc>
+              <a:buNone/>
+            </a:pPr>
+            <a:r>
+              <a:rPr b="0" i="1" lang="en-US" sz="3600" spc="-1" strike="noStrike">
+                <a:solidFill>
+                  <a:srgbClr val="ffffff"/>
+                </a:solidFill>
+                <a:latin typeface="Century Schoolbook"/>
+                <a:ea typeface="DejaVu Sans"/>
+              </a:rPr>
+              <a:t>Fin</a:t>
+            </a:r>
+            <a:r>
+              <a:rPr b="0" i="1" lang="en-US" sz="3600" spc="-1" strike="noStrike">
+                <a:solidFill>
+                  <a:srgbClr val="ffffff"/>
+                </a:solidFill>
+                <a:latin typeface="Century Schoolbook"/>
+                <a:ea typeface="DejaVu Sans"/>
+              </a:rPr>
+              <a:t>al </a:t>
+            </a:r>
+            <a:r>
+              <a:rPr b="0" i="1" lang="en-US" sz="3600" spc="-1" strike="noStrike">
+                <a:solidFill>
+                  <a:srgbClr val="ffffff"/>
+                </a:solidFill>
+                <a:latin typeface="Century Schoolbook"/>
+                <a:ea typeface="DejaVu Sans"/>
+              </a:rPr>
+              <a:t>M2 </a:t>
+            </a:r>
+            <a:r>
+              <a:rPr b="0" i="1" lang="en-US" sz="3600" spc="-1" strike="noStrike">
+                <a:solidFill>
+                  <a:srgbClr val="ffffff"/>
+                </a:solidFill>
+                <a:latin typeface="Century Schoolbook"/>
+                <a:ea typeface="DejaVu Sans"/>
+              </a:rPr>
+              <a:t>Sco</a:t>
+            </a:r>
+            <a:r>
+              <a:rPr b="0" i="1" lang="en-US" sz="3600" spc="-1" strike="noStrike">
+                <a:solidFill>
+                  <a:srgbClr val="ffffff"/>
+                </a:solidFill>
+                <a:latin typeface="Century Schoolbook"/>
+                <a:ea typeface="DejaVu Sans"/>
+              </a:rPr>
+              <a:t>re = </a:t>
+            </a:r>
+            <a:r>
+              <a:rPr b="0" i="1" lang="en-US" sz="3600" spc="-1" strike="noStrike">
+                <a:solidFill>
+                  <a:srgbClr val="ffffff"/>
+                </a:solidFill>
+                <a:latin typeface="Century Schoolbook"/>
+                <a:ea typeface="DejaVu Sans"/>
+              </a:rPr>
+              <a:t>M2 </a:t>
+            </a:r>
+            <a:r>
+              <a:rPr b="0" i="1" lang="en-US" sz="3600" spc="-1" strike="noStrike">
+                <a:solidFill>
+                  <a:srgbClr val="ffffff"/>
+                </a:solidFill>
+                <a:latin typeface="Century Schoolbook"/>
+                <a:ea typeface="DejaVu Sans"/>
+              </a:rPr>
+              <a:t>scor</a:t>
+            </a:r>
+            <a:r>
+              <a:rPr b="0" i="1" lang="en-US" sz="3600" spc="-1" strike="noStrike">
+                <a:solidFill>
+                  <a:srgbClr val="ffffff"/>
+                </a:solidFill>
+                <a:latin typeface="Century Schoolbook"/>
+                <a:ea typeface="DejaVu Sans"/>
+              </a:rPr>
+              <a:t>e * </a:t>
+            </a:r>
+            <a:r>
+              <a:rPr b="0" i="1" lang="en-US" sz="3600" spc="-1" strike="noStrike">
+                <a:solidFill>
+                  <a:srgbClr val="ffffff"/>
+                </a:solidFill>
+                <a:latin typeface="Century Schoolbook"/>
+                <a:ea typeface="DejaVu Sans"/>
+              </a:rPr>
+              <a:t>ITP </a:t>
+            </a:r>
+            <a:r>
+              <a:rPr b="0" i="1" lang="en-US" sz="3600" spc="-1" strike="noStrike">
+                <a:solidFill>
+                  <a:srgbClr val="ffffff"/>
+                </a:solidFill>
+                <a:latin typeface="Century Schoolbook"/>
+                <a:ea typeface="DejaVu Sans"/>
+              </a:rPr>
+              <a:t>Sco</a:t>
+            </a:r>
+            <a:r>
+              <a:rPr b="0" i="1" lang="en-US" sz="3600" spc="-1" strike="noStrike">
+                <a:solidFill>
+                  <a:srgbClr val="ffffff"/>
+                </a:solidFill>
+                <a:latin typeface="Century Schoolbook"/>
+                <a:ea typeface="DejaVu Sans"/>
+              </a:rPr>
+              <a:t>re * </a:t>
+            </a:r>
+            <a:r>
+              <a:rPr b="0" i="1" lang="en-US" sz="3600" spc="-1" strike="noStrike">
+                <a:solidFill>
+                  <a:srgbClr val="ffffff"/>
+                </a:solidFill>
+                <a:latin typeface="Century Schoolbook"/>
+                <a:ea typeface="DejaVu Sans"/>
+              </a:rPr>
+              <a:t>Viv</a:t>
+            </a:r>
+            <a:r>
+              <a:rPr b="0" i="1" lang="en-US" sz="3600" spc="-1" strike="noStrike">
+                <a:solidFill>
+                  <a:srgbClr val="ffffff"/>
+                </a:solidFill>
+                <a:latin typeface="Century Schoolbook"/>
+                <a:ea typeface="DejaVu Sans"/>
+              </a:rPr>
+              <a:t>a </a:t>
+            </a:r>
+            <a:r>
+              <a:rPr b="0" i="1" lang="en-US" sz="3600" spc="-1" strike="noStrike">
+                <a:solidFill>
+                  <a:srgbClr val="ffffff"/>
+                </a:solidFill>
+                <a:latin typeface="Century Schoolbook"/>
+                <a:ea typeface="DejaVu Sans"/>
+              </a:rPr>
+              <a:t>Sco</a:t>
+            </a:r>
+            <a:r>
+              <a:rPr b="0" i="1" lang="en-US" sz="3600" spc="-1" strike="noStrike">
+                <a:solidFill>
+                  <a:srgbClr val="ffffff"/>
+                </a:solidFill>
+                <a:latin typeface="Century Schoolbook"/>
+                <a:ea typeface="DejaVu Sans"/>
+              </a:rPr>
+              <a:t>re</a:t>
+            </a:r>
+            <a:endParaRPr b="0" lang="en-AU" sz="3600" spc="-1" strike="noStrike">
+              <a:latin typeface="Arial"/>
+            </a:endParaRPr>
+          </a:p>
+          <a:p>
+            <a:pPr>
+              <a:lnSpc>
+                <a:spcPct val="100000"/>
+              </a:lnSpc>
+              <a:buNone/>
+            </a:pPr>
             <a:endParaRPr b="0" lang="en-AU" sz="1800" spc="-1" strike="noStrike">
               <a:latin typeface="Arial"/>
             </a:endParaRPr>
@@ -7236,34 +12641,34 @@
         <a:sysClr val="window" lastClr="FFFFFF"/>
       </a:lt1>
       <a:dk2>
-        <a:srgbClr val="46464a"/>
+        <a:srgbClr val="1f497d"/>
       </a:dk2>
       <a:lt2>
-        <a:srgbClr val="d6d3cc"/>
+        <a:srgbClr val="eeece1"/>
       </a:lt2>
       <a:accent1>
-        <a:srgbClr val="6f6f74"/>
+        <a:srgbClr val="4f81bd"/>
       </a:accent1>
       <a:accent2>
-        <a:srgbClr val="92a9b9"/>
+        <a:srgbClr val="c0504d"/>
       </a:accent2>
       <a:accent3>
-        <a:srgbClr val="a7b789"/>
+        <a:srgbClr val="9bbb59"/>
       </a:accent3>
       <a:accent4>
-        <a:srgbClr val="b9a489"/>
+        <a:srgbClr val="8064a2"/>
       </a:accent4>
       <a:accent5>
-        <a:srgbClr val="8d6374"/>
+        <a:srgbClr val="4bacc6"/>
       </a:accent5>
       <a:accent6>
-        <a:srgbClr val="9b7362"/>
+        <a:srgbClr val="f79646"/>
       </a:accent6>
       <a:hlink>
-        <a:srgbClr val="67aabf"/>
+        <a:srgbClr val="0000ff"/>
       </a:hlink>
       <a:folHlink>
-        <a:srgbClr val="abafa5"/>
+        <a:srgbClr val="800080"/>
       </a:folHlink>
     </a:clrScheme>
     <a:fontScheme name="Office">
